--- a/Якименко Курсовая.pptx
+++ b/Якименко Курсовая.pptx
@@ -2,7 +2,7 @@
 <file path=ppt/presentation.xml><?xml version="1.0" encoding="utf-8"?>
 <p:presentation xmlns:a="http://schemas.openxmlformats.org/drawingml/2006/main" xmlns:r="http://schemas.openxmlformats.org/officeDocument/2006/relationships" xmlns:p="http://schemas.openxmlformats.org/presentationml/2006/main" showSpecialPlsOnTitleSld="0" saveSubsetFonts="1">
   <p:sldMasterIdLst>
-    <p:sldMasterId id="2147483648" r:id="rId1"/>
+    <p:sldMasterId id="2147483660" r:id="rId1"/>
   </p:sldMasterIdLst>
   <p:notesMasterIdLst>
     <p:notesMasterId r:id="rId17"/>
@@ -15,11 +15,11 @@
     <p:sldId id="262" r:id="rId6"/>
     <p:sldId id="263" r:id="rId7"/>
     <p:sldId id="265" r:id="rId8"/>
-    <p:sldId id="271" r:id="rId9"/>
-    <p:sldId id="266" r:id="rId10"/>
-    <p:sldId id="275" r:id="rId11"/>
-    <p:sldId id="268" r:id="rId12"/>
-    <p:sldId id="267" r:id="rId13"/>
+    <p:sldId id="266" r:id="rId9"/>
+    <p:sldId id="275" r:id="rId10"/>
+    <p:sldId id="271" r:id="rId11"/>
+    <p:sldId id="267" r:id="rId12"/>
+    <p:sldId id="268" r:id="rId13"/>
     <p:sldId id="269" r:id="rId14"/>
     <p:sldId id="270" r:id="rId15"/>
     <p:sldId id="273" r:id="rId16"/>
@@ -211,7 +211,7 @@
           <a:p>
             <a:fld id="{AE682762-9CE7-4A61-ABB0-5F1A0454520D}" type="datetimeFigureOut">
               <a:rPr lang="ru-RU" smtClean="0"/>
-              <a:t>05.05.2023</a:t>
+              <a:t>09.05.2023</a:t>
             </a:fld>
             <a:endParaRPr lang="ru-RU"/>
           </a:p>
@@ -480,8 +480,789 @@
 </file>
 
 <file path=ppt/slideLayouts/slideLayout1.xml><?xml version="1.0" encoding="utf-8"?>
-<p:sldLayout xmlns:a="http://schemas.openxmlformats.org/drawingml/2006/main" xmlns:r="http://schemas.openxmlformats.org/officeDocument/2006/relationships" xmlns:p="http://schemas.openxmlformats.org/presentationml/2006/main" type="title" preserve="1">
+<p:sldLayout xmlns:a="http://schemas.openxmlformats.org/drawingml/2006/main" xmlns:r="http://schemas.openxmlformats.org/officeDocument/2006/relationships" xmlns:p="http://schemas.openxmlformats.org/presentationml/2006/main" preserve="1">
   <p:cSld name="Титульный слайд">
+    <p:bg>
+      <p:bgPr>
+        <a:blipFill dpi="0" rotWithShape="1">
+          <a:blip r:embed="rId2">
+            <a:lum/>
+          </a:blip>
+          <a:srcRect/>
+          <a:stretch>
+            <a:fillRect/>
+          </a:stretch>
+        </a:blipFill>
+        <a:effectLst/>
+      </p:bgPr>
+    </p:bg>
+    <p:spTree>
+      <p:nvGrpSpPr>
+        <p:cNvPr id="1" name=""/>
+        <p:cNvGrpSpPr/>
+        <p:nvPr/>
+      </p:nvGrpSpPr>
+      <p:grpSpPr>
+        <a:xfrm>
+          <a:off x="0" y="0"/>
+          <a:ext cx="0" cy="0"/>
+          <a:chOff x="0" y="0"/>
+          <a:chExt cx="0" cy="0"/>
+        </a:xfrm>
+      </p:grpSpPr>
+      <p:sp>
+        <p:nvSpPr>
+          <p:cNvPr id="2" name="Заголовок 1"/>
+          <p:cNvSpPr>
+            <a:spLocks noGrp="1"/>
+          </p:cNvSpPr>
+          <p:nvPr>
+            <p:ph type="ctrTitle"/>
+          </p:nvPr>
+        </p:nvSpPr>
+        <p:spPr>
+          <a:xfrm>
+            <a:off x="623392" y="2344553"/>
+            <a:ext cx="8640960" cy="1080120"/>
+          </a:xfrm>
+        </p:spPr>
+        <p:txBody>
+          <a:bodyPr/>
+          <a:lstStyle>
+            <a:lvl1pPr>
+              <a:defRPr b="1">
+                <a:solidFill>
+                  <a:schemeClr val="bg2">
+                    <a:lumMod val="50000"/>
+                  </a:schemeClr>
+                </a:solidFill>
+                <a:effectLst>
+                  <a:outerShdw blurRad="38100" dist="38100" dir="2700000" algn="tl">
+                    <a:srgbClr val="000000">
+                      <a:alpha val="43137"/>
+                    </a:srgbClr>
+                  </a:outerShdw>
+                </a:effectLst>
+              </a:defRPr>
+            </a:lvl1pPr>
+          </a:lstStyle>
+          <a:p>
+            <a:r>
+              <a:rPr lang="ru-RU" smtClean="0"/>
+              <a:t>Образец заголовка</a:t>
+            </a:r>
+            <a:endParaRPr lang="ru-RU" dirty="0"/>
+          </a:p>
+        </p:txBody>
+      </p:sp>
+      <p:sp>
+        <p:nvSpPr>
+          <p:cNvPr id="4" name="Дата 3"/>
+          <p:cNvSpPr>
+            <a:spLocks noGrp="1"/>
+          </p:cNvSpPr>
+          <p:nvPr>
+            <p:ph type="dt" sz="half" idx="10"/>
+          </p:nvPr>
+        </p:nvSpPr>
+        <p:spPr/>
+        <p:txBody>
+          <a:bodyPr/>
+          <a:lstStyle>
+            <a:lvl1pPr>
+              <a:defRPr>
+                <a:solidFill>
+                  <a:schemeClr val="bg2">
+                    <a:lumMod val="50000"/>
+                  </a:schemeClr>
+                </a:solidFill>
+              </a:defRPr>
+            </a:lvl1pPr>
+          </a:lstStyle>
+          <a:p>
+            <a:fld id="{2062729E-D5F3-406B-96EC-31767236469D}" type="datetime1">
+              <a:rPr lang="ru-RU" smtClean="0"/>
+              <a:t>09.05.2023</a:t>
+            </a:fld>
+            <a:endParaRPr lang="ru-RU"/>
+          </a:p>
+        </p:txBody>
+      </p:sp>
+      <p:sp>
+        <p:nvSpPr>
+          <p:cNvPr id="5" name="Нижний колонтитул 4"/>
+          <p:cNvSpPr>
+            <a:spLocks noGrp="1"/>
+          </p:cNvSpPr>
+          <p:nvPr>
+            <p:ph type="ftr" sz="quarter" idx="11"/>
+          </p:nvPr>
+        </p:nvSpPr>
+        <p:spPr/>
+        <p:txBody>
+          <a:bodyPr/>
+          <a:lstStyle>
+            <a:lvl1pPr>
+              <a:defRPr>
+                <a:solidFill>
+                  <a:schemeClr val="bg2">
+                    <a:lumMod val="50000"/>
+                  </a:schemeClr>
+                </a:solidFill>
+              </a:defRPr>
+            </a:lvl1pPr>
+          </a:lstStyle>
+          <a:p>
+            <a:endParaRPr lang="ru-RU"/>
+          </a:p>
+        </p:txBody>
+      </p:sp>
+      <p:sp>
+        <p:nvSpPr>
+          <p:cNvPr id="6" name="Номер слайда 5"/>
+          <p:cNvSpPr>
+            <a:spLocks noGrp="1"/>
+          </p:cNvSpPr>
+          <p:nvPr>
+            <p:ph type="sldNum" sz="quarter" idx="12"/>
+          </p:nvPr>
+        </p:nvSpPr>
+        <p:spPr/>
+        <p:txBody>
+          <a:bodyPr/>
+          <a:lstStyle>
+            <a:lvl1pPr>
+              <a:defRPr>
+                <a:solidFill>
+                  <a:schemeClr val="bg2">
+                    <a:lumMod val="50000"/>
+                  </a:schemeClr>
+                </a:solidFill>
+              </a:defRPr>
+            </a:lvl1pPr>
+          </a:lstStyle>
+          <a:p>
+            <a:fld id="{EB5D16D0-C52B-4A38-89D5-05CED3AB676C}" type="slidenum">
+              <a:rPr lang="ru-RU" smtClean="0"/>
+              <a:t>‹#›</a:t>
+            </a:fld>
+            <a:endParaRPr lang="ru-RU"/>
+          </a:p>
+        </p:txBody>
+      </p:sp>
+    </p:spTree>
+    <p:extLst>
+      <p:ext uri="{BB962C8B-B14F-4D97-AF65-F5344CB8AC3E}">
+        <p14:creationId xmlns:p14="http://schemas.microsoft.com/office/powerpoint/2010/main" val="3261822467"/>
+      </p:ext>
+    </p:extLst>
+  </p:cSld>
+  <p:clrMapOvr>
+    <a:masterClrMapping/>
+  </p:clrMapOvr>
+  <mc:AlternateContent xmlns:mc="http://schemas.openxmlformats.org/markup-compatibility/2006" xmlns:p14="http://schemas.microsoft.com/office/powerpoint/2010/main">
+    <mc:Choice Requires="p14">
+      <p:transition spd="med" p14:dur="700">
+        <p:fade/>
+      </p:transition>
+    </mc:Choice>
+    <mc:Fallback xmlns="">
+      <p:transition spd="med">
+        <p:fade/>
+      </p:transition>
+    </mc:Fallback>
+  </mc:AlternateContent>
+  <p:timing>
+    <p:tnLst>
+      <p:par>
+        <p:cTn id="1" dur="indefinite" restart="never" nodeType="tmRoot"/>
+      </p:par>
+    </p:tnLst>
+  </p:timing>
+  <p:hf hdr="0" dt="0"/>
+</p:sldLayout>
+</file>
+
+<file path=ppt/slideLayouts/slideLayout10.xml><?xml version="1.0" encoding="utf-8"?>
+<p:sldLayout xmlns:a="http://schemas.openxmlformats.org/drawingml/2006/main" xmlns:r="http://schemas.openxmlformats.org/officeDocument/2006/relationships" xmlns:p="http://schemas.openxmlformats.org/presentationml/2006/main" type="vertTx" preserve="1">
+  <p:cSld name="Заголовок и вертикальный текст">
+    <p:spTree>
+      <p:nvGrpSpPr>
+        <p:cNvPr id="1" name=""/>
+        <p:cNvGrpSpPr/>
+        <p:nvPr/>
+      </p:nvGrpSpPr>
+      <p:grpSpPr>
+        <a:xfrm>
+          <a:off x="0" y="0"/>
+          <a:ext cx="0" cy="0"/>
+          <a:chOff x="0" y="0"/>
+          <a:chExt cx="0" cy="0"/>
+        </a:xfrm>
+      </p:grpSpPr>
+      <p:sp>
+        <p:nvSpPr>
+          <p:cNvPr id="2" name="Заголовок 1"/>
+          <p:cNvSpPr>
+            <a:spLocks noGrp="1"/>
+          </p:cNvSpPr>
+          <p:nvPr>
+            <p:ph type="title"/>
+          </p:nvPr>
+        </p:nvSpPr>
+        <p:spPr/>
+        <p:txBody>
+          <a:bodyPr/>
+          <a:lstStyle>
+            <a:lvl1pPr>
+              <a:defRPr>
+                <a:solidFill>
+                  <a:schemeClr val="accent1">
+                    <a:lumMod val="50000"/>
+                  </a:schemeClr>
+                </a:solidFill>
+              </a:defRPr>
+            </a:lvl1pPr>
+          </a:lstStyle>
+          <a:p>
+            <a:r>
+              <a:rPr lang="ru-RU" smtClean="0"/>
+              <a:t>Образец заголовка</a:t>
+            </a:r>
+            <a:endParaRPr lang="ru-RU" dirty="0"/>
+          </a:p>
+        </p:txBody>
+      </p:sp>
+      <p:sp>
+        <p:nvSpPr>
+          <p:cNvPr id="3" name="Вертикальный текст 2"/>
+          <p:cNvSpPr>
+            <a:spLocks noGrp="1"/>
+          </p:cNvSpPr>
+          <p:nvPr>
+            <p:ph type="body" orient="vert" idx="1"/>
+          </p:nvPr>
+        </p:nvSpPr>
+        <p:spPr/>
+        <p:txBody>
+          <a:bodyPr vert="eaVert"/>
+          <a:lstStyle>
+            <a:lvl1pPr>
+              <a:defRPr>
+                <a:solidFill>
+                  <a:schemeClr val="accent6">
+                    <a:lumMod val="60000"/>
+                    <a:lumOff val="40000"/>
+                  </a:schemeClr>
+                </a:solidFill>
+              </a:defRPr>
+            </a:lvl1pPr>
+            <a:lvl2pPr>
+              <a:defRPr>
+                <a:solidFill>
+                  <a:schemeClr val="accent6">
+                    <a:lumMod val="60000"/>
+                    <a:lumOff val="40000"/>
+                  </a:schemeClr>
+                </a:solidFill>
+              </a:defRPr>
+            </a:lvl2pPr>
+            <a:lvl3pPr>
+              <a:defRPr>
+                <a:solidFill>
+                  <a:schemeClr val="accent6">
+                    <a:lumMod val="60000"/>
+                    <a:lumOff val="40000"/>
+                  </a:schemeClr>
+                </a:solidFill>
+              </a:defRPr>
+            </a:lvl3pPr>
+            <a:lvl4pPr>
+              <a:defRPr>
+                <a:solidFill>
+                  <a:schemeClr val="accent6">
+                    <a:lumMod val="60000"/>
+                    <a:lumOff val="40000"/>
+                  </a:schemeClr>
+                </a:solidFill>
+              </a:defRPr>
+            </a:lvl4pPr>
+            <a:lvl5pPr>
+              <a:defRPr>
+                <a:solidFill>
+                  <a:schemeClr val="accent6">
+                    <a:lumMod val="60000"/>
+                    <a:lumOff val="40000"/>
+                  </a:schemeClr>
+                </a:solidFill>
+              </a:defRPr>
+            </a:lvl5pPr>
+          </a:lstStyle>
+          <a:p>
+            <a:pPr lvl="0"/>
+            <a:r>
+              <a:rPr lang="ru-RU" smtClean="0"/>
+              <a:t>Образец текста</a:t>
+            </a:r>
+          </a:p>
+          <a:p>
+            <a:pPr lvl="1"/>
+            <a:r>
+              <a:rPr lang="ru-RU" smtClean="0"/>
+              <a:t>Второй уровень</a:t>
+            </a:r>
+          </a:p>
+          <a:p>
+            <a:pPr lvl="2"/>
+            <a:r>
+              <a:rPr lang="ru-RU" smtClean="0"/>
+              <a:t>Третий уровень</a:t>
+            </a:r>
+          </a:p>
+          <a:p>
+            <a:pPr lvl="3"/>
+            <a:r>
+              <a:rPr lang="ru-RU" smtClean="0"/>
+              <a:t>Четвертый уровень</a:t>
+            </a:r>
+          </a:p>
+          <a:p>
+            <a:pPr lvl="4"/>
+            <a:r>
+              <a:rPr lang="ru-RU" smtClean="0"/>
+              <a:t>Пятый уровень</a:t>
+            </a:r>
+            <a:endParaRPr lang="ru-RU" dirty="0"/>
+          </a:p>
+        </p:txBody>
+      </p:sp>
+      <p:sp>
+        <p:nvSpPr>
+          <p:cNvPr id="4" name="Дата 3"/>
+          <p:cNvSpPr>
+            <a:spLocks noGrp="1"/>
+          </p:cNvSpPr>
+          <p:nvPr>
+            <p:ph type="dt" sz="half" idx="10"/>
+          </p:nvPr>
+        </p:nvSpPr>
+        <p:spPr/>
+        <p:txBody>
+          <a:bodyPr/>
+          <a:lstStyle>
+            <a:lvl1pPr>
+              <a:defRPr>
+                <a:solidFill>
+                  <a:schemeClr val="accent6">
+                    <a:lumMod val="60000"/>
+                    <a:lumOff val="40000"/>
+                  </a:schemeClr>
+                </a:solidFill>
+              </a:defRPr>
+            </a:lvl1pPr>
+          </a:lstStyle>
+          <a:p>
+            <a:fld id="{B1BB59D2-D372-4274-A0E1-8DA728E019A9}" type="datetime1">
+              <a:rPr lang="ru-RU" smtClean="0"/>
+              <a:t>09.05.2023</a:t>
+            </a:fld>
+            <a:endParaRPr lang="ru-RU"/>
+          </a:p>
+        </p:txBody>
+      </p:sp>
+      <p:sp>
+        <p:nvSpPr>
+          <p:cNvPr id="5" name="Нижний колонтитул 4"/>
+          <p:cNvSpPr>
+            <a:spLocks noGrp="1"/>
+          </p:cNvSpPr>
+          <p:nvPr>
+            <p:ph type="ftr" sz="quarter" idx="11"/>
+          </p:nvPr>
+        </p:nvSpPr>
+        <p:spPr/>
+        <p:txBody>
+          <a:bodyPr/>
+          <a:lstStyle>
+            <a:lvl1pPr>
+              <a:defRPr>
+                <a:solidFill>
+                  <a:schemeClr val="accent6">
+                    <a:lumMod val="60000"/>
+                    <a:lumOff val="40000"/>
+                  </a:schemeClr>
+                </a:solidFill>
+              </a:defRPr>
+            </a:lvl1pPr>
+          </a:lstStyle>
+          <a:p>
+            <a:endParaRPr lang="ru-RU"/>
+          </a:p>
+        </p:txBody>
+      </p:sp>
+      <p:sp>
+        <p:nvSpPr>
+          <p:cNvPr id="6" name="Номер слайда 5"/>
+          <p:cNvSpPr>
+            <a:spLocks noGrp="1"/>
+          </p:cNvSpPr>
+          <p:nvPr>
+            <p:ph type="sldNum" sz="quarter" idx="12"/>
+          </p:nvPr>
+        </p:nvSpPr>
+        <p:spPr/>
+        <p:txBody>
+          <a:bodyPr/>
+          <a:lstStyle>
+            <a:lvl1pPr>
+              <a:defRPr>
+                <a:solidFill>
+                  <a:schemeClr val="accent6">
+                    <a:lumMod val="60000"/>
+                    <a:lumOff val="40000"/>
+                  </a:schemeClr>
+                </a:solidFill>
+              </a:defRPr>
+            </a:lvl1pPr>
+          </a:lstStyle>
+          <a:p>
+            <a:fld id="{EB5D16D0-C52B-4A38-89D5-05CED3AB676C}" type="slidenum">
+              <a:rPr lang="ru-RU" smtClean="0"/>
+              <a:t>‹#›</a:t>
+            </a:fld>
+            <a:endParaRPr lang="ru-RU"/>
+          </a:p>
+        </p:txBody>
+      </p:sp>
+    </p:spTree>
+    <p:extLst>
+      <p:ext uri="{BB962C8B-B14F-4D97-AF65-F5344CB8AC3E}">
+        <p14:creationId xmlns:p14="http://schemas.microsoft.com/office/powerpoint/2010/main" val="1323329517"/>
+      </p:ext>
+    </p:extLst>
+  </p:cSld>
+  <p:clrMapOvr>
+    <a:masterClrMapping/>
+  </p:clrMapOvr>
+  <mc:AlternateContent xmlns:mc="http://schemas.openxmlformats.org/markup-compatibility/2006" xmlns:p14="http://schemas.microsoft.com/office/powerpoint/2010/main">
+    <mc:Choice Requires="p14">
+      <p:transition spd="med" p14:dur="700">
+        <p:fade/>
+      </p:transition>
+    </mc:Choice>
+    <mc:Fallback xmlns="">
+      <p:transition spd="med">
+        <p:fade/>
+      </p:transition>
+    </mc:Fallback>
+  </mc:AlternateContent>
+  <p:timing>
+    <p:tnLst>
+      <p:par>
+        <p:cTn id="1" dur="indefinite" restart="never" nodeType="tmRoot"/>
+      </p:par>
+    </p:tnLst>
+  </p:timing>
+</p:sldLayout>
+</file>
+
+<file path=ppt/slideLayouts/slideLayout11.xml><?xml version="1.0" encoding="utf-8"?>
+<p:sldLayout xmlns:a="http://schemas.openxmlformats.org/drawingml/2006/main" xmlns:r="http://schemas.openxmlformats.org/officeDocument/2006/relationships" xmlns:p="http://schemas.openxmlformats.org/presentationml/2006/main" type="vertTitleAndTx" preserve="1">
+  <p:cSld name="Вертикальный заголовок и текст">
+    <p:spTree>
+      <p:nvGrpSpPr>
+        <p:cNvPr id="1" name=""/>
+        <p:cNvGrpSpPr/>
+        <p:nvPr/>
+      </p:nvGrpSpPr>
+      <p:grpSpPr>
+        <a:xfrm>
+          <a:off x="0" y="0"/>
+          <a:ext cx="0" cy="0"/>
+          <a:chOff x="0" y="0"/>
+          <a:chExt cx="0" cy="0"/>
+        </a:xfrm>
+      </p:grpSpPr>
+      <p:sp>
+        <p:nvSpPr>
+          <p:cNvPr id="2" name="Вертикальный заголовок 1"/>
+          <p:cNvSpPr>
+            <a:spLocks noGrp="1"/>
+          </p:cNvSpPr>
+          <p:nvPr>
+            <p:ph type="title" orient="vert"/>
+          </p:nvPr>
+        </p:nvSpPr>
+        <p:spPr>
+          <a:xfrm>
+            <a:off x="8839200" y="274639"/>
+            <a:ext cx="2743200" cy="5851525"/>
+          </a:xfrm>
+        </p:spPr>
+        <p:txBody>
+          <a:bodyPr vert="eaVert"/>
+          <a:lstStyle>
+            <a:lvl1pPr>
+              <a:defRPr>
+                <a:solidFill>
+                  <a:schemeClr val="accent6">
+                    <a:lumMod val="60000"/>
+                    <a:lumOff val="40000"/>
+                  </a:schemeClr>
+                </a:solidFill>
+              </a:defRPr>
+            </a:lvl1pPr>
+          </a:lstStyle>
+          <a:p>
+            <a:r>
+              <a:rPr lang="ru-RU" smtClean="0"/>
+              <a:t>Образец заголовка</a:t>
+            </a:r>
+            <a:endParaRPr lang="ru-RU"/>
+          </a:p>
+        </p:txBody>
+      </p:sp>
+      <p:sp>
+        <p:nvSpPr>
+          <p:cNvPr id="3" name="Вертикальный текст 2"/>
+          <p:cNvSpPr>
+            <a:spLocks noGrp="1"/>
+          </p:cNvSpPr>
+          <p:nvPr>
+            <p:ph type="body" orient="vert" idx="1"/>
+          </p:nvPr>
+        </p:nvSpPr>
+        <p:spPr>
+          <a:xfrm>
+            <a:off x="609600" y="274639"/>
+            <a:ext cx="8026400" cy="5851525"/>
+          </a:xfrm>
+        </p:spPr>
+        <p:txBody>
+          <a:bodyPr vert="eaVert"/>
+          <a:lstStyle>
+            <a:lvl1pPr>
+              <a:defRPr>
+                <a:solidFill>
+                  <a:schemeClr val="accent6">
+                    <a:lumMod val="60000"/>
+                    <a:lumOff val="40000"/>
+                  </a:schemeClr>
+                </a:solidFill>
+              </a:defRPr>
+            </a:lvl1pPr>
+            <a:lvl2pPr>
+              <a:defRPr>
+                <a:solidFill>
+                  <a:schemeClr val="accent6">
+                    <a:lumMod val="60000"/>
+                    <a:lumOff val="40000"/>
+                  </a:schemeClr>
+                </a:solidFill>
+              </a:defRPr>
+            </a:lvl2pPr>
+            <a:lvl3pPr>
+              <a:defRPr>
+                <a:solidFill>
+                  <a:schemeClr val="accent6">
+                    <a:lumMod val="60000"/>
+                    <a:lumOff val="40000"/>
+                  </a:schemeClr>
+                </a:solidFill>
+              </a:defRPr>
+            </a:lvl3pPr>
+            <a:lvl4pPr>
+              <a:defRPr>
+                <a:solidFill>
+                  <a:schemeClr val="accent6">
+                    <a:lumMod val="60000"/>
+                    <a:lumOff val="40000"/>
+                  </a:schemeClr>
+                </a:solidFill>
+              </a:defRPr>
+            </a:lvl4pPr>
+            <a:lvl5pPr>
+              <a:defRPr>
+                <a:solidFill>
+                  <a:schemeClr val="accent6">
+                    <a:lumMod val="60000"/>
+                    <a:lumOff val="40000"/>
+                  </a:schemeClr>
+                </a:solidFill>
+              </a:defRPr>
+            </a:lvl5pPr>
+          </a:lstStyle>
+          <a:p>
+            <a:pPr lvl="0"/>
+            <a:r>
+              <a:rPr lang="ru-RU" smtClean="0"/>
+              <a:t>Образец текста</a:t>
+            </a:r>
+          </a:p>
+          <a:p>
+            <a:pPr lvl="1"/>
+            <a:r>
+              <a:rPr lang="ru-RU" smtClean="0"/>
+              <a:t>Второй уровень</a:t>
+            </a:r>
+          </a:p>
+          <a:p>
+            <a:pPr lvl="2"/>
+            <a:r>
+              <a:rPr lang="ru-RU" smtClean="0"/>
+              <a:t>Третий уровень</a:t>
+            </a:r>
+          </a:p>
+          <a:p>
+            <a:pPr lvl="3"/>
+            <a:r>
+              <a:rPr lang="ru-RU" smtClean="0"/>
+              <a:t>Четвертый уровень</a:t>
+            </a:r>
+          </a:p>
+          <a:p>
+            <a:pPr lvl="4"/>
+            <a:r>
+              <a:rPr lang="ru-RU" smtClean="0"/>
+              <a:t>Пятый уровень</a:t>
+            </a:r>
+            <a:endParaRPr lang="ru-RU"/>
+          </a:p>
+        </p:txBody>
+      </p:sp>
+      <p:sp>
+        <p:nvSpPr>
+          <p:cNvPr id="4" name="Дата 3"/>
+          <p:cNvSpPr>
+            <a:spLocks noGrp="1"/>
+          </p:cNvSpPr>
+          <p:nvPr>
+            <p:ph type="dt" sz="half" idx="10"/>
+          </p:nvPr>
+        </p:nvSpPr>
+        <p:spPr/>
+        <p:txBody>
+          <a:bodyPr/>
+          <a:lstStyle>
+            <a:lvl1pPr>
+              <a:defRPr>
+                <a:solidFill>
+                  <a:schemeClr val="accent6">
+                    <a:lumMod val="60000"/>
+                    <a:lumOff val="40000"/>
+                  </a:schemeClr>
+                </a:solidFill>
+              </a:defRPr>
+            </a:lvl1pPr>
+          </a:lstStyle>
+          <a:p>
+            <a:fld id="{69B99EE2-B150-46EC-B789-69F0B6B77066}" type="datetime1">
+              <a:rPr lang="ru-RU" smtClean="0"/>
+              <a:t>09.05.2023</a:t>
+            </a:fld>
+            <a:endParaRPr lang="ru-RU"/>
+          </a:p>
+        </p:txBody>
+      </p:sp>
+      <p:sp>
+        <p:nvSpPr>
+          <p:cNvPr id="5" name="Нижний колонтитул 4"/>
+          <p:cNvSpPr>
+            <a:spLocks noGrp="1"/>
+          </p:cNvSpPr>
+          <p:nvPr>
+            <p:ph type="ftr" sz="quarter" idx="11"/>
+          </p:nvPr>
+        </p:nvSpPr>
+        <p:spPr/>
+        <p:txBody>
+          <a:bodyPr/>
+          <a:lstStyle>
+            <a:lvl1pPr>
+              <a:defRPr>
+                <a:solidFill>
+                  <a:schemeClr val="accent6">
+                    <a:lumMod val="60000"/>
+                    <a:lumOff val="40000"/>
+                  </a:schemeClr>
+                </a:solidFill>
+              </a:defRPr>
+            </a:lvl1pPr>
+          </a:lstStyle>
+          <a:p>
+            <a:endParaRPr lang="ru-RU"/>
+          </a:p>
+        </p:txBody>
+      </p:sp>
+      <p:sp>
+        <p:nvSpPr>
+          <p:cNvPr id="6" name="Номер слайда 5"/>
+          <p:cNvSpPr>
+            <a:spLocks noGrp="1"/>
+          </p:cNvSpPr>
+          <p:nvPr>
+            <p:ph type="sldNum" sz="quarter" idx="12"/>
+          </p:nvPr>
+        </p:nvSpPr>
+        <p:spPr/>
+        <p:txBody>
+          <a:bodyPr/>
+          <a:lstStyle>
+            <a:lvl1pPr>
+              <a:defRPr>
+                <a:solidFill>
+                  <a:schemeClr val="accent6">
+                    <a:lumMod val="60000"/>
+                    <a:lumOff val="40000"/>
+                  </a:schemeClr>
+                </a:solidFill>
+              </a:defRPr>
+            </a:lvl1pPr>
+          </a:lstStyle>
+          <a:p>
+            <a:fld id="{EB5D16D0-C52B-4A38-89D5-05CED3AB676C}" type="slidenum">
+              <a:rPr lang="ru-RU" smtClean="0"/>
+              <a:t>‹#›</a:t>
+            </a:fld>
+            <a:endParaRPr lang="ru-RU"/>
+          </a:p>
+        </p:txBody>
+      </p:sp>
+    </p:spTree>
+    <p:extLst>
+      <p:ext uri="{BB962C8B-B14F-4D97-AF65-F5344CB8AC3E}">
+        <p14:creationId xmlns:p14="http://schemas.microsoft.com/office/powerpoint/2010/main" val="1168788938"/>
+      </p:ext>
+    </p:extLst>
+  </p:cSld>
+  <p:clrMapOvr>
+    <a:masterClrMapping/>
+  </p:clrMapOvr>
+  <mc:AlternateContent xmlns:mc="http://schemas.openxmlformats.org/markup-compatibility/2006" xmlns:p14="http://schemas.microsoft.com/office/powerpoint/2010/main">
+    <mc:Choice Requires="p14">
+      <p:transition spd="med" p14:dur="700">
+        <p:fade/>
+      </p:transition>
+    </mc:Choice>
+    <mc:Fallback xmlns="">
+      <p:transition spd="med">
+        <p:fade/>
+      </p:transition>
+    </mc:Fallback>
+  </mc:AlternateContent>
+  <p:timing>
+    <p:tnLst>
+      <p:par>
+        <p:cTn id="1" dur="indefinite" restart="never" nodeType="tmRoot"/>
+      </p:par>
+    </p:tnLst>
+  </p:timing>
+</p:sldLayout>
+</file>
+
+<file path=ppt/slideLayouts/slideLayout12.xml><?xml version="1.0" encoding="utf-8"?>
+<p:sldLayout xmlns:a="http://schemas.openxmlformats.org/drawingml/2006/main" xmlns:r="http://schemas.openxmlformats.org/officeDocument/2006/relationships" xmlns:p="http://schemas.openxmlformats.org/presentationml/2006/main" type="title">
+  <p:cSld name="1_Титульный слайд">
     <p:spTree>
       <p:nvGrpSpPr>
         <p:cNvPr id="1" name=""/>
@@ -610,7 +1391,7 @@
           <a:p>
             <a:fld id="{FD6A1CC3-0A60-45A1-BF0D-81FCC514A82F}" type="datetime1">
               <a:rPr lang="ru-RU" smtClean="0"/>
-              <a:t>05.05.2023</a:t>
+              <a:t>09.05.2023</a:t>
             </a:fld>
             <a:endParaRPr lang="ru-RU"/>
           </a:p>
@@ -661,7 +1442,7 @@
     </p:spTree>
     <p:extLst>
       <p:ext uri="{BB962C8B-B14F-4D97-AF65-F5344CB8AC3E}">
-        <p14:creationId xmlns:p14="http://schemas.microsoft.com/office/powerpoint/2010/main" val="2182799587"/>
+        <p14:creationId xmlns:p14="http://schemas.microsoft.com/office/powerpoint/2010/main" val="831073198"/>
       </p:ext>
     </p:extLst>
   </p:cSld>
@@ -671,9 +1452,23 @@
 </p:sldLayout>
 </file>
 
-<file path=ppt/slideLayouts/slideLayout10.xml><?xml version="1.0" encoding="utf-8"?>
-<p:sldLayout xmlns:a="http://schemas.openxmlformats.org/drawingml/2006/main" xmlns:r="http://schemas.openxmlformats.org/officeDocument/2006/relationships" xmlns:p="http://schemas.openxmlformats.org/presentationml/2006/main" type="vertTx" preserve="1">
-  <p:cSld name="Заголовок и вертикальный текст">
+<file path=ppt/slideLayouts/slideLayout2.xml><?xml version="1.0" encoding="utf-8"?>
+<p:sldLayout xmlns:a="http://schemas.openxmlformats.org/drawingml/2006/main" xmlns:r="http://schemas.openxmlformats.org/officeDocument/2006/relationships" xmlns:p="http://schemas.openxmlformats.org/presentationml/2006/main" preserve="1">
+  <p:cSld name="Заголовок и объект">
+    <p:bg>
+      <p:bgPr>
+        <a:blipFill dpi="0" rotWithShape="1">
+          <a:blip r:embed="rId2">
+            <a:lum/>
+          </a:blip>
+          <a:srcRect/>
+          <a:stretch>
+            <a:fillRect/>
+          </a:stretch>
+        </a:blipFill>
+        <a:effectLst/>
+      </p:bgPr>
+    </p:bg>
     <p:spTree>
       <p:nvGrpSpPr>
         <p:cNvPr id="1" name=""/>
@@ -690,97 +1485,32 @@
       </p:grpSpPr>
       <p:sp>
         <p:nvSpPr>
-          <p:cNvPr id="2" name="Заголовок 1"/>
-          <p:cNvSpPr>
-            <a:spLocks noGrp="1"/>
-          </p:cNvSpPr>
-          <p:nvPr>
-            <p:ph type="title"/>
+          <p:cNvPr id="4" name="Дата 3"/>
+          <p:cNvSpPr>
+            <a:spLocks noGrp="1"/>
+          </p:cNvSpPr>
+          <p:nvPr>
+            <p:ph type="dt" sz="half" idx="10"/>
           </p:nvPr>
         </p:nvSpPr>
         <p:spPr/>
         <p:txBody>
           <a:bodyPr/>
-          <a:lstStyle/>
-          <a:p>
-            <a:r>
+          <a:lstStyle>
+            <a:lvl1pPr>
+              <a:defRPr>
+                <a:solidFill>
+                  <a:schemeClr val="bg2">
+                    <a:lumMod val="50000"/>
+                  </a:schemeClr>
+                </a:solidFill>
+              </a:defRPr>
+            </a:lvl1pPr>
+          </a:lstStyle>
+          <a:p>
+            <a:fld id="{519DE261-CABA-47A7-BD2F-82C457E9F5F2}" type="datetime1">
               <a:rPr lang="ru-RU" smtClean="0"/>
-              <a:t>Образец заголовка</a:t>
-            </a:r>
-            <a:endParaRPr lang="ru-RU"/>
-          </a:p>
-        </p:txBody>
-      </p:sp>
-      <p:sp>
-        <p:nvSpPr>
-          <p:cNvPr id="3" name="Вертикальный текст 2"/>
-          <p:cNvSpPr>
-            <a:spLocks noGrp="1"/>
-          </p:cNvSpPr>
-          <p:nvPr>
-            <p:ph type="body" orient="vert" idx="1"/>
-          </p:nvPr>
-        </p:nvSpPr>
-        <p:spPr/>
-        <p:txBody>
-          <a:bodyPr vert="eaVert"/>
-          <a:lstStyle/>
-          <a:p>
-            <a:pPr lvl="0"/>
-            <a:r>
-              <a:rPr lang="ru-RU" smtClean="0"/>
-              <a:t>Образец текста</a:t>
-            </a:r>
-          </a:p>
-          <a:p>
-            <a:pPr lvl="1"/>
-            <a:r>
-              <a:rPr lang="ru-RU" smtClean="0"/>
-              <a:t>Второй уровень</a:t>
-            </a:r>
-          </a:p>
-          <a:p>
-            <a:pPr lvl="2"/>
-            <a:r>
-              <a:rPr lang="ru-RU" smtClean="0"/>
-              <a:t>Третий уровень</a:t>
-            </a:r>
-          </a:p>
-          <a:p>
-            <a:pPr lvl="3"/>
-            <a:r>
-              <a:rPr lang="ru-RU" smtClean="0"/>
-              <a:t>Четвертый уровень</a:t>
-            </a:r>
-          </a:p>
-          <a:p>
-            <a:pPr lvl="4"/>
-            <a:r>
-              <a:rPr lang="ru-RU" smtClean="0"/>
-              <a:t>Пятый уровень</a:t>
-            </a:r>
-            <a:endParaRPr lang="ru-RU"/>
-          </a:p>
-        </p:txBody>
-      </p:sp>
-      <p:sp>
-        <p:nvSpPr>
-          <p:cNvPr id="4" name="Дата 3"/>
-          <p:cNvSpPr>
-            <a:spLocks noGrp="1"/>
-          </p:cNvSpPr>
-          <p:nvPr>
-            <p:ph type="dt" sz="half" idx="10"/>
-          </p:nvPr>
-        </p:nvSpPr>
-        <p:spPr/>
-        <p:txBody>
-          <a:bodyPr/>
-          <a:lstStyle/>
-          <a:p>
-            <a:fld id="{B1BB59D2-D372-4274-A0E1-8DA728E019A9}" type="datetime1">
-              <a:rPr lang="ru-RU" smtClean="0"/>
-              <a:t>05.05.2023</a:t>
+              <a:t>09.05.2023</a:t>
             </a:fld>
             <a:endParaRPr lang="ru-RU"/>
           </a:p>
@@ -799,7 +1529,17 @@
         <p:spPr/>
         <p:txBody>
           <a:bodyPr/>
-          <a:lstStyle/>
+          <a:lstStyle>
+            <a:lvl1pPr>
+              <a:defRPr>
+                <a:solidFill>
+                  <a:schemeClr val="bg2">
+                    <a:lumMod val="50000"/>
+                  </a:schemeClr>
+                </a:solidFill>
+              </a:defRPr>
+            </a:lvl1pPr>
+          </a:lstStyle>
           <a:p>
             <a:endParaRPr lang="ru-RU"/>
           </a:p>
@@ -818,7 +1558,17 @@
         <p:spPr/>
         <p:txBody>
           <a:bodyPr/>
-          <a:lstStyle/>
+          <a:lstStyle>
+            <a:lvl1pPr>
+              <a:defRPr>
+                <a:solidFill>
+                  <a:schemeClr val="bg2">
+                    <a:lumMod val="50000"/>
+                  </a:schemeClr>
+                </a:solidFill>
+              </a:defRPr>
+            </a:lvl1pPr>
+          </a:lstStyle>
           <a:p>
             <a:fld id="{EB5D16D0-C52B-4A38-89D5-05CED3AB676C}" type="slidenum">
               <a:rPr lang="ru-RU" smtClean="0"/>
@@ -828,366 +1578,311 @@
           </a:p>
         </p:txBody>
       </p:sp>
+      <p:sp>
+        <p:nvSpPr>
+          <p:cNvPr id="12" name="Номер слайда 5"/>
+          <p:cNvSpPr txBox="1">
+            <a:spLocks/>
+          </p:cNvSpPr>
+          <p:nvPr/>
+        </p:nvSpPr>
+        <p:spPr>
+          <a:xfrm>
+            <a:off x="8940800" y="6508751"/>
+            <a:ext cx="2844800" cy="365125"/>
+          </a:xfrm>
+          <a:prstGeom prst="rect">
+            <a:avLst/>
+          </a:prstGeom>
+        </p:spPr>
+        <p:txBody>
+          <a:bodyPr vert="horz" lIns="91440" tIns="45720" rIns="91440" bIns="45720" rtlCol="0" anchor="ctr"/>
+          <a:lstStyle>
+            <a:defPPr>
+              <a:defRPr lang="ru-RU"/>
+            </a:defPPr>
+            <a:lvl1pPr marL="0" algn="r" defTabSz="914400" rtl="0" eaLnBrk="1" latinLnBrk="0" hangingPunct="1">
+              <a:defRPr sz="1200" kern="1200">
+                <a:solidFill>
+                  <a:srgbClr val="3399FF"/>
+                </a:solidFill>
+                <a:latin typeface="+mn-lt"/>
+                <a:ea typeface="+mn-ea"/>
+                <a:cs typeface="+mn-cs"/>
+              </a:defRPr>
+            </a:lvl1pPr>
+            <a:lvl2pPr marL="457200" algn="l" defTabSz="914400" rtl="0" eaLnBrk="1" latinLnBrk="0" hangingPunct="1">
+              <a:defRPr sz="1800" kern="1200">
+                <a:solidFill>
+                  <a:schemeClr val="tx1"/>
+                </a:solidFill>
+                <a:latin typeface="+mn-lt"/>
+                <a:ea typeface="+mn-ea"/>
+                <a:cs typeface="+mn-cs"/>
+              </a:defRPr>
+            </a:lvl2pPr>
+            <a:lvl3pPr marL="914400" algn="l" defTabSz="914400" rtl="0" eaLnBrk="1" latinLnBrk="0" hangingPunct="1">
+              <a:defRPr sz="1800" kern="1200">
+                <a:solidFill>
+                  <a:schemeClr val="tx1"/>
+                </a:solidFill>
+                <a:latin typeface="+mn-lt"/>
+                <a:ea typeface="+mn-ea"/>
+                <a:cs typeface="+mn-cs"/>
+              </a:defRPr>
+            </a:lvl3pPr>
+            <a:lvl4pPr marL="1371600" algn="l" defTabSz="914400" rtl="0" eaLnBrk="1" latinLnBrk="0" hangingPunct="1">
+              <a:defRPr sz="1800" kern="1200">
+                <a:solidFill>
+                  <a:schemeClr val="tx1"/>
+                </a:solidFill>
+                <a:latin typeface="+mn-lt"/>
+                <a:ea typeface="+mn-ea"/>
+                <a:cs typeface="+mn-cs"/>
+              </a:defRPr>
+            </a:lvl4pPr>
+            <a:lvl5pPr marL="1828800" algn="l" defTabSz="914400" rtl="0" eaLnBrk="1" latinLnBrk="0" hangingPunct="1">
+              <a:defRPr sz="1800" kern="1200">
+                <a:solidFill>
+                  <a:schemeClr val="tx1"/>
+                </a:solidFill>
+                <a:latin typeface="+mn-lt"/>
+                <a:ea typeface="+mn-ea"/>
+                <a:cs typeface="+mn-cs"/>
+              </a:defRPr>
+            </a:lvl5pPr>
+            <a:lvl6pPr marL="2286000" algn="l" defTabSz="914400" rtl="0" eaLnBrk="1" latinLnBrk="0" hangingPunct="1">
+              <a:defRPr sz="1800" kern="1200">
+                <a:solidFill>
+                  <a:schemeClr val="tx1"/>
+                </a:solidFill>
+                <a:latin typeface="+mn-lt"/>
+                <a:ea typeface="+mn-ea"/>
+                <a:cs typeface="+mn-cs"/>
+              </a:defRPr>
+            </a:lvl6pPr>
+            <a:lvl7pPr marL="2743200" algn="l" defTabSz="914400" rtl="0" eaLnBrk="1" latinLnBrk="0" hangingPunct="1">
+              <a:defRPr sz="1800" kern="1200">
+                <a:solidFill>
+                  <a:schemeClr val="tx1"/>
+                </a:solidFill>
+                <a:latin typeface="+mn-lt"/>
+                <a:ea typeface="+mn-ea"/>
+                <a:cs typeface="+mn-cs"/>
+              </a:defRPr>
+            </a:lvl7pPr>
+            <a:lvl8pPr marL="3200400" algn="l" defTabSz="914400" rtl="0" eaLnBrk="1" latinLnBrk="0" hangingPunct="1">
+              <a:defRPr sz="1800" kern="1200">
+                <a:solidFill>
+                  <a:schemeClr val="tx1"/>
+                </a:solidFill>
+                <a:latin typeface="+mn-lt"/>
+                <a:ea typeface="+mn-ea"/>
+                <a:cs typeface="+mn-cs"/>
+              </a:defRPr>
+            </a:lvl8pPr>
+            <a:lvl9pPr marL="3657600" algn="l" defTabSz="914400" rtl="0" eaLnBrk="1" latinLnBrk="0" hangingPunct="1">
+              <a:defRPr sz="1800" kern="1200">
+                <a:solidFill>
+                  <a:schemeClr val="tx1"/>
+                </a:solidFill>
+                <a:latin typeface="+mn-lt"/>
+                <a:ea typeface="+mn-ea"/>
+                <a:cs typeface="+mn-cs"/>
+              </a:defRPr>
+            </a:lvl9pPr>
+          </a:lstStyle>
+          <a:p>
+            <a:endParaRPr lang="ru-RU" sz="1200" dirty="0">
+              <a:solidFill>
+                <a:schemeClr val="bg2">
+                  <a:lumMod val="50000"/>
+                </a:schemeClr>
+              </a:solidFill>
+            </a:endParaRPr>
+          </a:p>
+        </p:txBody>
+      </p:sp>
+      <p:sp>
+        <p:nvSpPr>
+          <p:cNvPr id="9" name="Заголовок 1"/>
+          <p:cNvSpPr>
+            <a:spLocks noGrp="1"/>
+          </p:cNvSpPr>
+          <p:nvPr>
+            <p:ph type="title"/>
+          </p:nvPr>
+        </p:nvSpPr>
+        <p:spPr>
+          <a:xfrm>
+            <a:off x="335360" y="191549"/>
+            <a:ext cx="9793088" cy="1224136"/>
+          </a:xfrm>
+          <a:prstGeom prst="rect">
+            <a:avLst/>
+          </a:prstGeom>
+        </p:spPr>
+        <p:txBody>
+          <a:bodyPr vert="horz" lIns="91440" tIns="45720" rIns="91440" bIns="45720" rtlCol="0" anchor="ctr">
+            <a:normAutofit/>
+          </a:bodyPr>
+          <a:lstStyle>
+            <a:lvl1pPr>
+              <a:defRPr>
+                <a:solidFill>
+                  <a:schemeClr val="bg2">
+                    <a:lumMod val="50000"/>
+                  </a:schemeClr>
+                </a:solidFill>
+              </a:defRPr>
+            </a:lvl1pPr>
+          </a:lstStyle>
+          <a:p>
+            <a:r>
+              <a:rPr lang="ru-RU" smtClean="0"/>
+              <a:t>Образец заголовка</a:t>
+            </a:r>
+            <a:endParaRPr lang="ru-RU" dirty="0"/>
+          </a:p>
+        </p:txBody>
+      </p:sp>
+      <p:sp>
+        <p:nvSpPr>
+          <p:cNvPr id="11" name="Текст 2"/>
+          <p:cNvSpPr>
+            <a:spLocks noGrp="1"/>
+          </p:cNvSpPr>
+          <p:nvPr>
+            <p:ph idx="1"/>
+          </p:nvPr>
+        </p:nvSpPr>
+        <p:spPr>
+          <a:xfrm>
+            <a:off x="335360" y="1556792"/>
+            <a:ext cx="9793088" cy="4680520"/>
+          </a:xfrm>
+          <a:prstGeom prst="rect">
+            <a:avLst/>
+          </a:prstGeom>
+        </p:spPr>
+        <p:txBody>
+          <a:bodyPr vert="horz" lIns="91440" tIns="45720" rIns="91440" bIns="45720" rtlCol="0">
+            <a:normAutofit/>
+          </a:bodyPr>
+          <a:lstStyle>
+            <a:lvl1pPr>
+              <a:defRPr>
+                <a:solidFill>
+                  <a:schemeClr val="bg2">
+                    <a:lumMod val="50000"/>
+                  </a:schemeClr>
+                </a:solidFill>
+              </a:defRPr>
+            </a:lvl1pPr>
+            <a:lvl2pPr>
+              <a:defRPr>
+                <a:solidFill>
+                  <a:schemeClr val="bg2">
+                    <a:lumMod val="50000"/>
+                  </a:schemeClr>
+                </a:solidFill>
+              </a:defRPr>
+            </a:lvl2pPr>
+            <a:lvl3pPr>
+              <a:defRPr>
+                <a:solidFill>
+                  <a:schemeClr val="bg2">
+                    <a:lumMod val="50000"/>
+                  </a:schemeClr>
+                </a:solidFill>
+              </a:defRPr>
+            </a:lvl3pPr>
+            <a:lvl4pPr>
+              <a:defRPr>
+                <a:solidFill>
+                  <a:schemeClr val="bg2">
+                    <a:lumMod val="50000"/>
+                  </a:schemeClr>
+                </a:solidFill>
+              </a:defRPr>
+            </a:lvl4pPr>
+            <a:lvl5pPr>
+              <a:defRPr>
+                <a:solidFill>
+                  <a:schemeClr val="bg2">
+                    <a:lumMod val="50000"/>
+                  </a:schemeClr>
+                </a:solidFill>
+              </a:defRPr>
+            </a:lvl5pPr>
+          </a:lstStyle>
+          <a:p>
+            <a:pPr lvl="0"/>
+            <a:r>
+              <a:rPr lang="ru-RU" smtClean="0"/>
+              <a:t>Образец текста</a:t>
+            </a:r>
+          </a:p>
+          <a:p>
+            <a:pPr lvl="1"/>
+            <a:r>
+              <a:rPr lang="ru-RU" smtClean="0"/>
+              <a:t>Второй уровень</a:t>
+            </a:r>
+          </a:p>
+          <a:p>
+            <a:pPr lvl="2"/>
+            <a:r>
+              <a:rPr lang="ru-RU" smtClean="0"/>
+              <a:t>Третий уровень</a:t>
+            </a:r>
+          </a:p>
+          <a:p>
+            <a:pPr lvl="3"/>
+            <a:r>
+              <a:rPr lang="ru-RU" smtClean="0"/>
+              <a:t>Четвертый уровень</a:t>
+            </a:r>
+          </a:p>
+          <a:p>
+            <a:pPr lvl="4"/>
+            <a:r>
+              <a:rPr lang="ru-RU" smtClean="0"/>
+              <a:t>Пятый уровень</a:t>
+            </a:r>
+            <a:endParaRPr lang="ru-RU" dirty="0"/>
+          </a:p>
+        </p:txBody>
+      </p:sp>
     </p:spTree>
     <p:extLst>
       <p:ext uri="{BB962C8B-B14F-4D97-AF65-F5344CB8AC3E}">
-        <p14:creationId xmlns:p14="http://schemas.microsoft.com/office/powerpoint/2010/main" val="4211432283"/>
+        <p14:creationId xmlns:p14="http://schemas.microsoft.com/office/powerpoint/2010/main" val="1363116542"/>
       </p:ext>
     </p:extLst>
   </p:cSld>
   <p:clrMapOvr>
     <a:masterClrMapping/>
   </p:clrMapOvr>
-</p:sldLayout>
-</file>
-
-<file path=ppt/slideLayouts/slideLayout11.xml><?xml version="1.0" encoding="utf-8"?>
-<p:sldLayout xmlns:a="http://schemas.openxmlformats.org/drawingml/2006/main" xmlns:r="http://schemas.openxmlformats.org/officeDocument/2006/relationships" xmlns:p="http://schemas.openxmlformats.org/presentationml/2006/main" type="vertTitleAndTx" preserve="1">
-  <p:cSld name="Вертикальный заголовок и текст">
-    <p:spTree>
-      <p:nvGrpSpPr>
-        <p:cNvPr id="1" name=""/>
-        <p:cNvGrpSpPr/>
-        <p:nvPr/>
-      </p:nvGrpSpPr>
-      <p:grpSpPr>
-        <a:xfrm>
-          <a:off x="0" y="0"/>
-          <a:ext cx="0" cy="0"/>
-          <a:chOff x="0" y="0"/>
-          <a:chExt cx="0" cy="0"/>
-        </a:xfrm>
-      </p:grpSpPr>
-      <p:sp>
-        <p:nvSpPr>
-          <p:cNvPr id="2" name="Вертикальный заголовок 1"/>
-          <p:cNvSpPr>
-            <a:spLocks noGrp="1"/>
-          </p:cNvSpPr>
-          <p:nvPr>
-            <p:ph type="title" orient="vert"/>
-          </p:nvPr>
-        </p:nvSpPr>
-        <p:spPr>
-          <a:xfrm>
-            <a:off x="8724900" y="365125"/>
-            <a:ext cx="2628900" cy="5811838"/>
-          </a:xfrm>
-        </p:spPr>
-        <p:txBody>
-          <a:bodyPr vert="eaVert"/>
-          <a:lstStyle/>
-          <a:p>
-            <a:r>
-              <a:rPr lang="ru-RU" smtClean="0"/>
-              <a:t>Образец заголовка</a:t>
-            </a:r>
-            <a:endParaRPr lang="ru-RU"/>
-          </a:p>
-        </p:txBody>
-      </p:sp>
-      <p:sp>
-        <p:nvSpPr>
-          <p:cNvPr id="3" name="Вертикальный текст 2"/>
-          <p:cNvSpPr>
-            <a:spLocks noGrp="1"/>
-          </p:cNvSpPr>
-          <p:nvPr>
-            <p:ph type="body" orient="vert" idx="1"/>
-          </p:nvPr>
-        </p:nvSpPr>
-        <p:spPr>
-          <a:xfrm>
-            <a:off x="838200" y="365125"/>
-            <a:ext cx="7734300" cy="5811838"/>
-          </a:xfrm>
-        </p:spPr>
-        <p:txBody>
-          <a:bodyPr vert="eaVert"/>
-          <a:lstStyle/>
-          <a:p>
-            <a:pPr lvl="0"/>
-            <a:r>
-              <a:rPr lang="ru-RU" smtClean="0"/>
-              <a:t>Образец текста</a:t>
-            </a:r>
-          </a:p>
-          <a:p>
-            <a:pPr lvl="1"/>
-            <a:r>
-              <a:rPr lang="ru-RU" smtClean="0"/>
-              <a:t>Второй уровень</a:t>
-            </a:r>
-          </a:p>
-          <a:p>
-            <a:pPr lvl="2"/>
-            <a:r>
-              <a:rPr lang="ru-RU" smtClean="0"/>
-              <a:t>Третий уровень</a:t>
-            </a:r>
-          </a:p>
-          <a:p>
-            <a:pPr lvl="3"/>
-            <a:r>
-              <a:rPr lang="ru-RU" smtClean="0"/>
-              <a:t>Четвертый уровень</a:t>
-            </a:r>
-          </a:p>
-          <a:p>
-            <a:pPr lvl="4"/>
-            <a:r>
-              <a:rPr lang="ru-RU" smtClean="0"/>
-              <a:t>Пятый уровень</a:t>
-            </a:r>
-            <a:endParaRPr lang="ru-RU"/>
-          </a:p>
-        </p:txBody>
-      </p:sp>
-      <p:sp>
-        <p:nvSpPr>
-          <p:cNvPr id="4" name="Дата 3"/>
-          <p:cNvSpPr>
-            <a:spLocks noGrp="1"/>
-          </p:cNvSpPr>
-          <p:nvPr>
-            <p:ph type="dt" sz="half" idx="10"/>
-          </p:nvPr>
-        </p:nvSpPr>
-        <p:spPr/>
-        <p:txBody>
-          <a:bodyPr/>
-          <a:lstStyle/>
-          <a:p>
-            <a:fld id="{69B99EE2-B150-46EC-B789-69F0B6B77066}" type="datetime1">
-              <a:rPr lang="ru-RU" smtClean="0"/>
-              <a:t>05.05.2023</a:t>
-            </a:fld>
-            <a:endParaRPr lang="ru-RU"/>
-          </a:p>
-        </p:txBody>
-      </p:sp>
-      <p:sp>
-        <p:nvSpPr>
-          <p:cNvPr id="5" name="Нижний колонтитул 4"/>
-          <p:cNvSpPr>
-            <a:spLocks noGrp="1"/>
-          </p:cNvSpPr>
-          <p:nvPr>
-            <p:ph type="ftr" sz="quarter" idx="11"/>
-          </p:nvPr>
-        </p:nvSpPr>
-        <p:spPr/>
-        <p:txBody>
-          <a:bodyPr/>
-          <a:lstStyle/>
-          <a:p>
-            <a:endParaRPr lang="ru-RU"/>
-          </a:p>
-        </p:txBody>
-      </p:sp>
-      <p:sp>
-        <p:nvSpPr>
-          <p:cNvPr id="6" name="Номер слайда 5"/>
-          <p:cNvSpPr>
-            <a:spLocks noGrp="1"/>
-          </p:cNvSpPr>
-          <p:nvPr>
-            <p:ph type="sldNum" sz="quarter" idx="12"/>
-          </p:nvPr>
-        </p:nvSpPr>
-        <p:spPr/>
-        <p:txBody>
-          <a:bodyPr/>
-          <a:lstStyle/>
-          <a:p>
-            <a:fld id="{EB5D16D0-C52B-4A38-89D5-05CED3AB676C}" type="slidenum">
-              <a:rPr lang="ru-RU" smtClean="0"/>
-              <a:t>‹#›</a:t>
-            </a:fld>
-            <a:endParaRPr lang="ru-RU"/>
-          </a:p>
-        </p:txBody>
-      </p:sp>
-    </p:spTree>
-    <p:extLst>
-      <p:ext uri="{BB962C8B-B14F-4D97-AF65-F5344CB8AC3E}">
-        <p14:creationId xmlns:p14="http://schemas.microsoft.com/office/powerpoint/2010/main" val="3676016502"/>
-      </p:ext>
-    </p:extLst>
-  </p:cSld>
-  <p:clrMapOvr>
-    <a:masterClrMapping/>
-  </p:clrMapOvr>
-</p:sldLayout>
-</file>
-
-<file path=ppt/slideLayouts/slideLayout2.xml><?xml version="1.0" encoding="utf-8"?>
-<p:sldLayout xmlns:a="http://schemas.openxmlformats.org/drawingml/2006/main" xmlns:r="http://schemas.openxmlformats.org/officeDocument/2006/relationships" xmlns:p="http://schemas.openxmlformats.org/presentationml/2006/main" type="obj" preserve="1">
-  <p:cSld name="Заголовок и объект">
-    <p:spTree>
-      <p:nvGrpSpPr>
-        <p:cNvPr id="1" name=""/>
-        <p:cNvGrpSpPr/>
-        <p:nvPr/>
-      </p:nvGrpSpPr>
-      <p:grpSpPr>
-        <a:xfrm>
-          <a:off x="0" y="0"/>
-          <a:ext cx="0" cy="0"/>
-          <a:chOff x="0" y="0"/>
-          <a:chExt cx="0" cy="0"/>
-        </a:xfrm>
-      </p:grpSpPr>
-      <p:sp>
-        <p:nvSpPr>
-          <p:cNvPr id="2" name="Заголовок 1"/>
-          <p:cNvSpPr>
-            <a:spLocks noGrp="1"/>
-          </p:cNvSpPr>
-          <p:nvPr>
-            <p:ph type="title"/>
-          </p:nvPr>
-        </p:nvSpPr>
-        <p:spPr/>
-        <p:txBody>
-          <a:bodyPr/>
-          <a:lstStyle/>
-          <a:p>
-            <a:r>
-              <a:rPr lang="ru-RU" smtClean="0"/>
-              <a:t>Образец заголовка</a:t>
-            </a:r>
-            <a:endParaRPr lang="ru-RU"/>
-          </a:p>
-        </p:txBody>
-      </p:sp>
-      <p:sp>
-        <p:nvSpPr>
-          <p:cNvPr id="3" name="Объект 2"/>
-          <p:cNvSpPr>
-            <a:spLocks noGrp="1"/>
-          </p:cNvSpPr>
-          <p:nvPr>
-            <p:ph idx="1"/>
-          </p:nvPr>
-        </p:nvSpPr>
-        <p:spPr/>
-        <p:txBody>
-          <a:bodyPr/>
-          <a:lstStyle/>
-          <a:p>
-            <a:pPr lvl="0"/>
-            <a:r>
-              <a:rPr lang="ru-RU" smtClean="0"/>
-              <a:t>Образец текста</a:t>
-            </a:r>
-          </a:p>
-          <a:p>
-            <a:pPr lvl="1"/>
-            <a:r>
-              <a:rPr lang="ru-RU" smtClean="0"/>
-              <a:t>Второй уровень</a:t>
-            </a:r>
-          </a:p>
-          <a:p>
-            <a:pPr lvl="2"/>
-            <a:r>
-              <a:rPr lang="ru-RU" smtClean="0"/>
-              <a:t>Третий уровень</a:t>
-            </a:r>
-          </a:p>
-          <a:p>
-            <a:pPr lvl="3"/>
-            <a:r>
-              <a:rPr lang="ru-RU" smtClean="0"/>
-              <a:t>Четвертый уровень</a:t>
-            </a:r>
-          </a:p>
-          <a:p>
-            <a:pPr lvl="4"/>
-            <a:r>
-              <a:rPr lang="ru-RU" smtClean="0"/>
-              <a:t>Пятый уровень</a:t>
-            </a:r>
-            <a:endParaRPr lang="ru-RU"/>
-          </a:p>
-        </p:txBody>
-      </p:sp>
-      <p:sp>
-        <p:nvSpPr>
-          <p:cNvPr id="4" name="Дата 3"/>
-          <p:cNvSpPr>
-            <a:spLocks noGrp="1"/>
-          </p:cNvSpPr>
-          <p:nvPr>
-            <p:ph type="dt" sz="half" idx="10"/>
-          </p:nvPr>
-        </p:nvSpPr>
-        <p:spPr/>
-        <p:txBody>
-          <a:bodyPr/>
-          <a:lstStyle/>
-          <a:p>
-            <a:fld id="{519DE261-CABA-47A7-BD2F-82C457E9F5F2}" type="datetime1">
-              <a:rPr lang="ru-RU" smtClean="0"/>
-              <a:t>05.05.2023</a:t>
-            </a:fld>
-            <a:endParaRPr lang="ru-RU"/>
-          </a:p>
-        </p:txBody>
-      </p:sp>
-      <p:sp>
-        <p:nvSpPr>
-          <p:cNvPr id="5" name="Нижний колонтитул 4"/>
-          <p:cNvSpPr>
-            <a:spLocks noGrp="1"/>
-          </p:cNvSpPr>
-          <p:nvPr>
-            <p:ph type="ftr" sz="quarter" idx="11"/>
-          </p:nvPr>
-        </p:nvSpPr>
-        <p:spPr/>
-        <p:txBody>
-          <a:bodyPr/>
-          <a:lstStyle/>
-          <a:p>
-            <a:endParaRPr lang="ru-RU"/>
-          </a:p>
-        </p:txBody>
-      </p:sp>
-      <p:sp>
-        <p:nvSpPr>
-          <p:cNvPr id="6" name="Номер слайда 5"/>
-          <p:cNvSpPr>
-            <a:spLocks noGrp="1"/>
-          </p:cNvSpPr>
-          <p:nvPr>
-            <p:ph type="sldNum" sz="quarter" idx="12"/>
-          </p:nvPr>
-        </p:nvSpPr>
-        <p:spPr/>
-        <p:txBody>
-          <a:bodyPr/>
-          <a:lstStyle/>
-          <a:p>
-            <a:fld id="{EB5D16D0-C52B-4A38-89D5-05CED3AB676C}" type="slidenum">
-              <a:rPr lang="ru-RU" smtClean="0"/>
-              <a:t>‹#›</a:t>
-            </a:fld>
-            <a:endParaRPr lang="ru-RU"/>
-          </a:p>
-        </p:txBody>
-      </p:sp>
-    </p:spTree>
-    <p:extLst>
-      <p:ext uri="{BB962C8B-B14F-4D97-AF65-F5344CB8AC3E}">
-        <p14:creationId xmlns:p14="http://schemas.microsoft.com/office/powerpoint/2010/main" val="3391223796"/>
-      </p:ext>
-    </p:extLst>
-  </p:cSld>
-  <p:clrMapOvr>
-    <a:masterClrMapping/>
-  </p:clrMapOvr>
+  <mc:AlternateContent xmlns:mc="http://schemas.openxmlformats.org/markup-compatibility/2006" xmlns:p14="http://schemas.microsoft.com/office/powerpoint/2010/main">
+    <mc:Choice Requires="p14">
+      <p:transition spd="med" p14:dur="700">
+        <p:fade/>
+      </p:transition>
+    </mc:Choice>
+    <mc:Fallback xmlns="">
+      <p:transition spd="med">
+        <p:fade/>
+      </p:transition>
+    </mc:Fallback>
+  </mc:AlternateContent>
+  <p:timing>
+    <p:tnLst>
+      <p:par>
+        <p:cTn id="1" dur="indefinite" restart="never" nodeType="tmRoot"/>
+      </p:par>
+    </p:tnLst>
+  </p:timing>
 </p:sldLayout>
 </file>
 
@@ -1220,15 +1915,21 @@
         </p:nvSpPr>
         <p:spPr>
           <a:xfrm>
-            <a:off x="831850" y="1709738"/>
-            <a:ext cx="10515600" cy="2852737"/>
+            <a:off x="3695733" y="4406901"/>
+            <a:ext cx="7630551" cy="1362075"/>
           </a:xfrm>
         </p:spPr>
         <p:txBody>
-          <a:bodyPr anchor="b"/>
+          <a:bodyPr anchor="t"/>
           <a:lstStyle>
-            <a:lvl1pPr>
-              <a:defRPr sz="6000"/>
+            <a:lvl1pPr algn="l">
+              <a:defRPr sz="4000" b="1" cap="all">
+                <a:solidFill>
+                  <a:schemeClr val="accent2">
+                    <a:lumMod val="50000"/>
+                  </a:schemeClr>
+                </a:solidFill>
+              </a:defRPr>
             </a:lvl1pPr>
           </a:lstStyle>
           <a:p>
@@ -1236,7 +1937,7 @@
               <a:rPr lang="ru-RU" smtClean="0"/>
               <a:t>Образец заголовка</a:t>
             </a:r>
-            <a:endParaRPr lang="ru-RU"/>
+            <a:endParaRPr lang="ru-RU" dirty="0"/>
           </a:p>
         </p:txBody>
       </p:sp>
@@ -1252,102 +1953,102 @@
         </p:nvSpPr>
         <p:spPr>
           <a:xfrm>
-            <a:off x="831850" y="4589463"/>
-            <a:ext cx="10515600" cy="1500187"/>
+            <a:off x="3695733" y="2906713"/>
+            <a:ext cx="7630551" cy="1500187"/>
           </a:xfrm>
         </p:spPr>
         <p:txBody>
-          <a:bodyPr/>
+          <a:bodyPr anchor="b"/>
           <a:lstStyle>
             <a:lvl1pPr marL="0" indent="0">
               <a:buNone/>
-              <a:defRPr sz="2400">
+              <a:defRPr sz="2000">
+                <a:solidFill>
+                  <a:schemeClr val="accent2">
+                    <a:lumMod val="50000"/>
+                  </a:schemeClr>
+                </a:solidFill>
+              </a:defRPr>
+            </a:lvl1pPr>
+            <a:lvl2pPr marL="457200" indent="0">
+              <a:buNone/>
+              <a:defRPr sz="1800">
                 <a:solidFill>
                   <a:schemeClr val="tx1">
                     <a:tint val="75000"/>
                   </a:schemeClr>
                 </a:solidFill>
               </a:defRPr>
-            </a:lvl1pPr>
-            <a:lvl2pPr marL="457200" indent="0">
+            </a:lvl2pPr>
+            <a:lvl3pPr marL="914400" indent="0">
               <a:buNone/>
-              <a:defRPr sz="2000">
+              <a:defRPr sz="1600">
                 <a:solidFill>
                   <a:schemeClr val="tx1">
                     <a:tint val="75000"/>
                   </a:schemeClr>
                 </a:solidFill>
               </a:defRPr>
-            </a:lvl2pPr>
-            <a:lvl3pPr marL="914400" indent="0">
+            </a:lvl3pPr>
+            <a:lvl4pPr marL="1371600" indent="0">
               <a:buNone/>
-              <a:defRPr sz="1800">
+              <a:defRPr sz="1400">
                 <a:solidFill>
                   <a:schemeClr val="tx1">
                     <a:tint val="75000"/>
                   </a:schemeClr>
                 </a:solidFill>
               </a:defRPr>
-            </a:lvl3pPr>
-            <a:lvl4pPr marL="1371600" indent="0">
+            </a:lvl4pPr>
+            <a:lvl5pPr marL="1828800" indent="0">
               <a:buNone/>
-              <a:defRPr sz="1600">
+              <a:defRPr sz="1400">
                 <a:solidFill>
                   <a:schemeClr val="tx1">
                     <a:tint val="75000"/>
                   </a:schemeClr>
                 </a:solidFill>
               </a:defRPr>
-            </a:lvl4pPr>
-            <a:lvl5pPr marL="1828800" indent="0">
+            </a:lvl5pPr>
+            <a:lvl6pPr marL="2286000" indent="0">
               <a:buNone/>
-              <a:defRPr sz="1600">
+              <a:defRPr sz="1400">
                 <a:solidFill>
                   <a:schemeClr val="tx1">
                     <a:tint val="75000"/>
                   </a:schemeClr>
                 </a:solidFill>
               </a:defRPr>
-            </a:lvl5pPr>
-            <a:lvl6pPr marL="2286000" indent="0">
+            </a:lvl6pPr>
+            <a:lvl7pPr marL="2743200" indent="0">
               <a:buNone/>
-              <a:defRPr sz="1600">
+              <a:defRPr sz="1400">
                 <a:solidFill>
                   <a:schemeClr val="tx1">
                     <a:tint val="75000"/>
                   </a:schemeClr>
                 </a:solidFill>
               </a:defRPr>
-            </a:lvl6pPr>
-            <a:lvl7pPr marL="2743200" indent="0">
+            </a:lvl7pPr>
+            <a:lvl8pPr marL="3200400" indent="0">
               <a:buNone/>
-              <a:defRPr sz="1600">
+              <a:defRPr sz="1400">
                 <a:solidFill>
                   <a:schemeClr val="tx1">
                     <a:tint val="75000"/>
                   </a:schemeClr>
                 </a:solidFill>
               </a:defRPr>
-            </a:lvl7pPr>
-            <a:lvl8pPr marL="3200400" indent="0">
+            </a:lvl8pPr>
+            <a:lvl9pPr marL="3657600" indent="0">
               <a:buNone/>
-              <a:defRPr sz="1600">
+              <a:defRPr sz="1400">
                 <a:solidFill>
                   <a:schemeClr val="tx1">
                     <a:tint val="75000"/>
                   </a:schemeClr>
                 </a:solidFill>
               </a:defRPr>
-            </a:lvl8pPr>
-            <a:lvl9pPr marL="3657600" indent="0">
-              <a:buNone/>
-              <a:defRPr sz="1600">
-                <a:solidFill>
-                  <a:schemeClr val="tx1">
-                    <a:tint val="75000"/>
-                  </a:schemeClr>
-                </a:solidFill>
-              </a:defRPr>
             </a:lvl9pPr>
           </a:lstStyle>
           <a:p>
@@ -1372,11 +2073,21 @@
         <p:spPr/>
         <p:txBody>
           <a:bodyPr/>
-          <a:lstStyle/>
+          <a:lstStyle>
+            <a:lvl1pPr>
+              <a:defRPr>
+                <a:solidFill>
+                  <a:schemeClr val="accent2">
+                    <a:lumMod val="50000"/>
+                  </a:schemeClr>
+                </a:solidFill>
+              </a:defRPr>
+            </a:lvl1pPr>
+          </a:lstStyle>
           <a:p>
             <a:fld id="{6417DB5F-869C-4AC8-9CBA-B4BC302B6BAF}" type="datetime1">
               <a:rPr lang="ru-RU" smtClean="0"/>
-              <a:t>05.05.2023</a:t>
+              <a:t>09.05.2023</a:t>
             </a:fld>
             <a:endParaRPr lang="ru-RU"/>
           </a:p>
@@ -1395,7 +2106,17 @@
         <p:spPr/>
         <p:txBody>
           <a:bodyPr/>
-          <a:lstStyle/>
+          <a:lstStyle>
+            <a:lvl1pPr>
+              <a:defRPr>
+                <a:solidFill>
+                  <a:schemeClr val="accent2">
+                    <a:lumMod val="50000"/>
+                  </a:schemeClr>
+                </a:solidFill>
+              </a:defRPr>
+            </a:lvl1pPr>
+          </a:lstStyle>
           <a:p>
             <a:endParaRPr lang="ru-RU"/>
           </a:p>
@@ -1414,7 +2135,17 @@
         <p:spPr/>
         <p:txBody>
           <a:bodyPr/>
-          <a:lstStyle/>
+          <a:lstStyle>
+            <a:lvl1pPr>
+              <a:defRPr>
+                <a:solidFill>
+                  <a:schemeClr val="accent2">
+                    <a:lumMod val="50000"/>
+                  </a:schemeClr>
+                </a:solidFill>
+              </a:defRPr>
+            </a:lvl1pPr>
+          </a:lstStyle>
           <a:p>
             <a:fld id="{EB5D16D0-C52B-4A38-89D5-05CED3AB676C}" type="slidenum">
               <a:rPr lang="ru-RU" smtClean="0"/>
@@ -1427,13 +2158,32 @@
     </p:spTree>
     <p:extLst>
       <p:ext uri="{BB962C8B-B14F-4D97-AF65-F5344CB8AC3E}">
-        <p14:creationId xmlns:p14="http://schemas.microsoft.com/office/powerpoint/2010/main" val="4241115179"/>
+        <p14:creationId xmlns:p14="http://schemas.microsoft.com/office/powerpoint/2010/main" val="2812632263"/>
       </p:ext>
     </p:extLst>
   </p:cSld>
   <p:clrMapOvr>
     <a:masterClrMapping/>
   </p:clrMapOvr>
+  <mc:AlternateContent xmlns:mc="http://schemas.openxmlformats.org/markup-compatibility/2006" xmlns:p14="http://schemas.microsoft.com/office/powerpoint/2010/main">
+    <mc:Choice Requires="p14">
+      <p:transition spd="med" p14:dur="700">
+        <p:fade/>
+      </p:transition>
+    </mc:Choice>
+    <mc:Fallback xmlns="">
+      <p:transition spd="med">
+        <p:fade/>
+      </p:transition>
+    </mc:Fallback>
+  </mc:AlternateContent>
+  <p:timing>
+    <p:tnLst>
+      <p:par>
+        <p:cTn id="1" dur="indefinite" restart="never" nodeType="tmRoot"/>
+      </p:par>
+    </p:tnLst>
+  </p:timing>
 </p:sldLayout>
 </file>
 
@@ -1467,13 +2217,23 @@
         <p:spPr/>
         <p:txBody>
           <a:bodyPr/>
-          <a:lstStyle/>
+          <a:lstStyle>
+            <a:lvl1pPr>
+              <a:defRPr>
+                <a:solidFill>
+                  <a:schemeClr val="bg1">
+                    <a:lumMod val="95000"/>
+                  </a:schemeClr>
+                </a:solidFill>
+              </a:defRPr>
+            </a:lvl1pPr>
+          </a:lstStyle>
           <a:p>
             <a:r>
               <a:rPr lang="ru-RU" smtClean="0"/>
               <a:t>Образец заголовка</a:t>
             </a:r>
-            <a:endParaRPr lang="ru-RU"/>
+            <a:endParaRPr lang="ru-RU" dirty="0"/>
           </a:p>
         </p:txBody>
       </p:sp>
@@ -1489,13 +2249,71 @@
         </p:nvSpPr>
         <p:spPr>
           <a:xfrm>
-            <a:off x="838200" y="1825625"/>
-            <a:ext cx="5181600" cy="4351338"/>
+            <a:off x="239349" y="2060848"/>
+            <a:ext cx="5760640" cy="4093915"/>
           </a:xfrm>
         </p:spPr>
         <p:txBody>
           <a:bodyPr/>
-          <a:lstStyle/>
+          <a:lstStyle>
+            <a:lvl1pPr>
+              <a:defRPr sz="2800">
+                <a:solidFill>
+                  <a:schemeClr val="bg1">
+                    <a:lumMod val="95000"/>
+                  </a:schemeClr>
+                </a:solidFill>
+              </a:defRPr>
+            </a:lvl1pPr>
+            <a:lvl2pPr>
+              <a:defRPr sz="2400">
+                <a:solidFill>
+                  <a:schemeClr val="bg1">
+                    <a:lumMod val="95000"/>
+                  </a:schemeClr>
+                </a:solidFill>
+              </a:defRPr>
+            </a:lvl2pPr>
+            <a:lvl3pPr>
+              <a:defRPr sz="2000">
+                <a:solidFill>
+                  <a:schemeClr val="bg1">
+                    <a:lumMod val="95000"/>
+                  </a:schemeClr>
+                </a:solidFill>
+              </a:defRPr>
+            </a:lvl3pPr>
+            <a:lvl4pPr>
+              <a:defRPr sz="1800">
+                <a:solidFill>
+                  <a:schemeClr val="bg1">
+                    <a:lumMod val="95000"/>
+                  </a:schemeClr>
+                </a:solidFill>
+              </a:defRPr>
+            </a:lvl4pPr>
+            <a:lvl5pPr>
+              <a:defRPr sz="1800">
+                <a:solidFill>
+                  <a:schemeClr val="bg1">
+                    <a:lumMod val="95000"/>
+                  </a:schemeClr>
+                </a:solidFill>
+              </a:defRPr>
+            </a:lvl5pPr>
+            <a:lvl6pPr>
+              <a:defRPr sz="1800"/>
+            </a:lvl6pPr>
+            <a:lvl7pPr>
+              <a:defRPr sz="1800"/>
+            </a:lvl7pPr>
+            <a:lvl8pPr>
+              <a:defRPr sz="1800"/>
+            </a:lvl8pPr>
+            <a:lvl9pPr>
+              <a:defRPr sz="1800"/>
+            </a:lvl9pPr>
+          </a:lstStyle>
           <a:p>
             <a:pPr lvl="0"/>
             <a:r>
@@ -1530,7 +2348,7 @@
               <a:rPr lang="ru-RU" smtClean="0"/>
               <a:t>Пятый уровень</a:t>
             </a:r>
-            <a:endParaRPr lang="ru-RU"/>
+            <a:endParaRPr lang="ru-RU" dirty="0"/>
           </a:p>
         </p:txBody>
       </p:sp>
@@ -1546,13 +2364,71 @@
         </p:nvSpPr>
         <p:spPr>
           <a:xfrm>
-            <a:off x="6172200" y="1825625"/>
-            <a:ext cx="5181600" cy="4351338"/>
+            <a:off x="6192011" y="2071390"/>
+            <a:ext cx="5760640" cy="4093915"/>
           </a:xfrm>
         </p:spPr>
         <p:txBody>
           <a:bodyPr/>
-          <a:lstStyle/>
+          <a:lstStyle>
+            <a:lvl1pPr>
+              <a:defRPr sz="2800">
+                <a:solidFill>
+                  <a:schemeClr val="bg1">
+                    <a:lumMod val="95000"/>
+                  </a:schemeClr>
+                </a:solidFill>
+              </a:defRPr>
+            </a:lvl1pPr>
+            <a:lvl2pPr>
+              <a:defRPr sz="2400">
+                <a:solidFill>
+                  <a:schemeClr val="bg1">
+                    <a:lumMod val="95000"/>
+                  </a:schemeClr>
+                </a:solidFill>
+              </a:defRPr>
+            </a:lvl2pPr>
+            <a:lvl3pPr>
+              <a:defRPr sz="2000">
+                <a:solidFill>
+                  <a:schemeClr val="bg1">
+                    <a:lumMod val="95000"/>
+                  </a:schemeClr>
+                </a:solidFill>
+              </a:defRPr>
+            </a:lvl3pPr>
+            <a:lvl4pPr>
+              <a:defRPr sz="1800">
+                <a:solidFill>
+                  <a:schemeClr val="bg1">
+                    <a:lumMod val="95000"/>
+                  </a:schemeClr>
+                </a:solidFill>
+              </a:defRPr>
+            </a:lvl4pPr>
+            <a:lvl5pPr>
+              <a:defRPr sz="1800">
+                <a:solidFill>
+                  <a:schemeClr val="bg1">
+                    <a:lumMod val="95000"/>
+                  </a:schemeClr>
+                </a:solidFill>
+              </a:defRPr>
+            </a:lvl5pPr>
+            <a:lvl6pPr>
+              <a:defRPr sz="1800"/>
+            </a:lvl6pPr>
+            <a:lvl7pPr>
+              <a:defRPr sz="1800"/>
+            </a:lvl7pPr>
+            <a:lvl8pPr>
+              <a:defRPr sz="1800"/>
+            </a:lvl8pPr>
+            <a:lvl9pPr>
+              <a:defRPr sz="1800"/>
+            </a:lvl9pPr>
+          </a:lstStyle>
           <a:p>
             <a:pPr lvl="0"/>
             <a:r>
@@ -1587,7 +2463,7 @@
               <a:rPr lang="ru-RU" smtClean="0"/>
               <a:t>Пятый уровень</a:t>
             </a:r>
-            <a:endParaRPr lang="ru-RU"/>
+            <a:endParaRPr lang="ru-RU" dirty="0"/>
           </a:p>
         </p:txBody>
       </p:sp>
@@ -1604,11 +2480,21 @@
         <p:spPr/>
         <p:txBody>
           <a:bodyPr/>
-          <a:lstStyle/>
+          <a:lstStyle>
+            <a:lvl1pPr>
+              <a:defRPr>
+                <a:solidFill>
+                  <a:schemeClr val="bg1">
+                    <a:lumMod val="95000"/>
+                  </a:schemeClr>
+                </a:solidFill>
+              </a:defRPr>
+            </a:lvl1pPr>
+          </a:lstStyle>
           <a:p>
             <a:fld id="{C33793BD-3D92-45CE-98D0-C6E825A39779}" type="datetime1">
               <a:rPr lang="ru-RU" smtClean="0"/>
-              <a:t>05.05.2023</a:t>
+              <a:t>09.05.2023</a:t>
             </a:fld>
             <a:endParaRPr lang="ru-RU"/>
           </a:p>
@@ -1627,7 +2513,17 @@
         <p:spPr/>
         <p:txBody>
           <a:bodyPr/>
-          <a:lstStyle/>
+          <a:lstStyle>
+            <a:lvl1pPr>
+              <a:defRPr>
+                <a:solidFill>
+                  <a:schemeClr val="bg1">
+                    <a:lumMod val="95000"/>
+                  </a:schemeClr>
+                </a:solidFill>
+              </a:defRPr>
+            </a:lvl1pPr>
+          </a:lstStyle>
           <a:p>
             <a:endParaRPr lang="ru-RU"/>
           </a:p>
@@ -1646,7 +2542,17 @@
         <p:spPr/>
         <p:txBody>
           <a:bodyPr/>
-          <a:lstStyle/>
+          <a:lstStyle>
+            <a:lvl1pPr>
+              <a:defRPr>
+                <a:solidFill>
+                  <a:schemeClr val="bg1">
+                    <a:lumMod val="95000"/>
+                  </a:schemeClr>
+                </a:solidFill>
+              </a:defRPr>
+            </a:lvl1pPr>
+          </a:lstStyle>
           <a:p>
             <a:fld id="{EB5D16D0-C52B-4A38-89D5-05CED3AB676C}" type="slidenum">
               <a:rPr lang="ru-RU" smtClean="0"/>
@@ -1659,13 +2565,32 @@
     </p:spTree>
     <p:extLst>
       <p:ext uri="{BB962C8B-B14F-4D97-AF65-F5344CB8AC3E}">
-        <p14:creationId xmlns:p14="http://schemas.microsoft.com/office/powerpoint/2010/main" val="2420501120"/>
+        <p14:creationId xmlns:p14="http://schemas.microsoft.com/office/powerpoint/2010/main" val="738063287"/>
       </p:ext>
     </p:extLst>
   </p:cSld>
   <p:clrMapOvr>
     <a:masterClrMapping/>
   </p:clrMapOvr>
+  <mc:AlternateContent xmlns:mc="http://schemas.openxmlformats.org/markup-compatibility/2006" xmlns:p14="http://schemas.microsoft.com/office/powerpoint/2010/main">
+    <mc:Choice Requires="p14">
+      <p:transition spd="med" p14:dur="700">
+        <p:fade/>
+      </p:transition>
+    </mc:Choice>
+    <mc:Fallback xmlns="">
+      <p:transition spd="med">
+        <p:fade/>
+      </p:transition>
+    </mc:Fallback>
+  </mc:AlternateContent>
+  <p:timing>
+    <p:tnLst>
+      <p:par>
+        <p:cTn id="1" dur="indefinite" restart="never" nodeType="tmRoot"/>
+      </p:par>
+    </p:tnLst>
+  </p:timing>
 </p:sldLayout>
 </file>
 
@@ -1696,38 +2621,43 @@
             <p:ph type="title"/>
           </p:nvPr>
         </p:nvSpPr>
+        <p:spPr/>
+        <p:txBody>
+          <a:bodyPr/>
+          <a:lstStyle>
+            <a:lvl1pPr>
+              <a:defRPr>
+                <a:solidFill>
+                  <a:schemeClr val="accent1">
+                    <a:lumMod val="50000"/>
+                  </a:schemeClr>
+                </a:solidFill>
+              </a:defRPr>
+            </a:lvl1pPr>
+          </a:lstStyle>
+          <a:p>
+            <a:r>
+              <a:rPr lang="ru-RU" smtClean="0"/>
+              <a:t>Образец заголовка</a:t>
+            </a:r>
+            <a:endParaRPr lang="ru-RU" dirty="0"/>
+          </a:p>
+        </p:txBody>
+      </p:sp>
+      <p:sp>
+        <p:nvSpPr>
+          <p:cNvPr id="3" name="Текст 2"/>
+          <p:cNvSpPr>
+            <a:spLocks noGrp="1"/>
+          </p:cNvSpPr>
+          <p:nvPr>
+            <p:ph type="body" idx="1"/>
+          </p:nvPr>
+        </p:nvSpPr>
         <p:spPr>
           <a:xfrm>
-            <a:off x="839788" y="365125"/>
-            <a:ext cx="10515600" cy="1325563"/>
-          </a:xfrm>
-        </p:spPr>
-        <p:txBody>
-          <a:bodyPr/>
-          <a:lstStyle/>
-          <a:p>
-            <a:r>
-              <a:rPr lang="ru-RU" smtClean="0"/>
-              <a:t>Образец заголовка</a:t>
-            </a:r>
-            <a:endParaRPr lang="ru-RU"/>
-          </a:p>
-        </p:txBody>
-      </p:sp>
-      <p:sp>
-        <p:nvSpPr>
-          <p:cNvPr id="3" name="Текст 2"/>
-          <p:cNvSpPr>
-            <a:spLocks noGrp="1"/>
-          </p:cNvSpPr>
-          <p:nvPr>
-            <p:ph type="body" idx="1"/>
-          </p:nvPr>
-        </p:nvSpPr>
-        <p:spPr>
-          <a:xfrm>
-            <a:off x="839788" y="1681163"/>
-            <a:ext cx="5157787" cy="823912"/>
+            <a:off x="335360" y="1916832"/>
+            <a:ext cx="5568619" cy="639762"/>
           </a:xfrm>
         </p:spPr>
         <p:txBody>
@@ -1735,7 +2665,14 @@
           <a:lstStyle>
             <a:lvl1pPr marL="0" indent="0">
               <a:buNone/>
-              <a:defRPr sz="2400" b="1"/>
+              <a:defRPr sz="2400" b="1">
+                <a:solidFill>
+                  <a:schemeClr val="accent6">
+                    <a:lumMod val="60000"/>
+                    <a:lumOff val="40000"/>
+                  </a:schemeClr>
+                </a:solidFill>
+              </a:defRPr>
             </a:lvl1pPr>
             <a:lvl2pPr marL="457200" indent="0">
               <a:buNone/>
@@ -1791,13 +2728,76 @@
         </p:nvSpPr>
         <p:spPr>
           <a:xfrm>
-            <a:off x="839788" y="2505075"/>
-            <a:ext cx="5157787" cy="3684588"/>
+            <a:off x="335360" y="2556594"/>
+            <a:ext cx="5568619" cy="3951288"/>
           </a:xfrm>
         </p:spPr>
         <p:txBody>
           <a:bodyPr/>
-          <a:lstStyle/>
+          <a:lstStyle>
+            <a:lvl1pPr>
+              <a:defRPr sz="2400">
+                <a:solidFill>
+                  <a:schemeClr val="accent6">
+                    <a:lumMod val="60000"/>
+                    <a:lumOff val="40000"/>
+                  </a:schemeClr>
+                </a:solidFill>
+              </a:defRPr>
+            </a:lvl1pPr>
+            <a:lvl2pPr>
+              <a:defRPr sz="2000">
+                <a:solidFill>
+                  <a:schemeClr val="accent6">
+                    <a:lumMod val="60000"/>
+                    <a:lumOff val="40000"/>
+                  </a:schemeClr>
+                </a:solidFill>
+              </a:defRPr>
+            </a:lvl2pPr>
+            <a:lvl3pPr>
+              <a:defRPr sz="1800">
+                <a:solidFill>
+                  <a:schemeClr val="accent6">
+                    <a:lumMod val="60000"/>
+                    <a:lumOff val="40000"/>
+                  </a:schemeClr>
+                </a:solidFill>
+              </a:defRPr>
+            </a:lvl3pPr>
+            <a:lvl4pPr>
+              <a:defRPr sz="1600">
+                <a:solidFill>
+                  <a:schemeClr val="accent6">
+                    <a:lumMod val="60000"/>
+                    <a:lumOff val="40000"/>
+                  </a:schemeClr>
+                </a:solidFill>
+              </a:defRPr>
+            </a:lvl4pPr>
+            <a:lvl5pPr>
+              <a:defRPr sz="1600">
+                <a:solidFill>
+                  <a:schemeClr val="accent6">
+                    <a:lumMod val="60000"/>
+                    <a:lumOff val="40000"/>
+                  </a:schemeClr>
+                </a:solidFill>
+              </a:defRPr>
+            </a:lvl5pPr>
+            <a:lvl6pPr>
+              <a:defRPr sz="1600"/>
+            </a:lvl6pPr>
+            <a:lvl7pPr>
+              <a:defRPr sz="1600"/>
+            </a:lvl7pPr>
+            <a:lvl8pPr>
+              <a:defRPr sz="1600"/>
+            </a:lvl8pPr>
+            <a:lvl9pPr>
+              <a:defRPr sz="1600"/>
+            </a:lvl9pPr>
+          </a:lstStyle>
           <a:p>
             <a:pPr lvl="0"/>
             <a:r>
@@ -1832,7 +2832,7 @@
               <a:rPr lang="ru-RU" smtClean="0"/>
               <a:t>Пятый уровень</a:t>
             </a:r>
-            <a:endParaRPr lang="ru-RU"/>
+            <a:endParaRPr lang="ru-RU" dirty="0"/>
           </a:p>
         </p:txBody>
       </p:sp>
@@ -1848,8 +2848,8 @@
         </p:nvSpPr>
         <p:spPr>
           <a:xfrm>
-            <a:off x="6172200" y="1681163"/>
-            <a:ext cx="5183188" cy="823912"/>
+            <a:off x="6288022" y="1934294"/>
+            <a:ext cx="5664629" cy="639762"/>
           </a:xfrm>
         </p:spPr>
         <p:txBody>
@@ -1857,7 +2857,14 @@
           <a:lstStyle>
             <a:lvl1pPr marL="0" indent="0">
               <a:buNone/>
-              <a:defRPr sz="2400" b="1"/>
+              <a:defRPr sz="2400" b="1">
+                <a:solidFill>
+                  <a:schemeClr val="accent6">
+                    <a:lumMod val="60000"/>
+                    <a:lumOff val="40000"/>
+                  </a:schemeClr>
+                </a:solidFill>
+              </a:defRPr>
             </a:lvl1pPr>
             <a:lvl2pPr marL="457200" indent="0">
               <a:buNone/>
@@ -1913,13 +2920,76 @@
         </p:nvSpPr>
         <p:spPr>
           <a:xfrm>
-            <a:off x="6172200" y="2505075"/>
-            <a:ext cx="5183188" cy="3684588"/>
+            <a:off x="6288022" y="2574056"/>
+            <a:ext cx="5664629" cy="3951288"/>
           </a:xfrm>
         </p:spPr>
         <p:txBody>
           <a:bodyPr/>
-          <a:lstStyle/>
+          <a:lstStyle>
+            <a:lvl1pPr>
+              <a:defRPr sz="2400">
+                <a:solidFill>
+                  <a:schemeClr val="accent6">
+                    <a:lumMod val="60000"/>
+                    <a:lumOff val="40000"/>
+                  </a:schemeClr>
+                </a:solidFill>
+              </a:defRPr>
+            </a:lvl1pPr>
+            <a:lvl2pPr>
+              <a:defRPr sz="2000">
+                <a:solidFill>
+                  <a:schemeClr val="accent6">
+                    <a:lumMod val="60000"/>
+                    <a:lumOff val="40000"/>
+                  </a:schemeClr>
+                </a:solidFill>
+              </a:defRPr>
+            </a:lvl2pPr>
+            <a:lvl3pPr>
+              <a:defRPr sz="1800">
+                <a:solidFill>
+                  <a:schemeClr val="accent6">
+                    <a:lumMod val="60000"/>
+                    <a:lumOff val="40000"/>
+                  </a:schemeClr>
+                </a:solidFill>
+              </a:defRPr>
+            </a:lvl3pPr>
+            <a:lvl4pPr>
+              <a:defRPr sz="1600">
+                <a:solidFill>
+                  <a:schemeClr val="accent6">
+                    <a:lumMod val="60000"/>
+                    <a:lumOff val="40000"/>
+                  </a:schemeClr>
+                </a:solidFill>
+              </a:defRPr>
+            </a:lvl4pPr>
+            <a:lvl5pPr>
+              <a:defRPr sz="1600">
+                <a:solidFill>
+                  <a:schemeClr val="accent6">
+                    <a:lumMod val="60000"/>
+                    <a:lumOff val="40000"/>
+                  </a:schemeClr>
+                </a:solidFill>
+              </a:defRPr>
+            </a:lvl5pPr>
+            <a:lvl6pPr>
+              <a:defRPr sz="1600"/>
+            </a:lvl6pPr>
+            <a:lvl7pPr>
+              <a:defRPr sz="1600"/>
+            </a:lvl7pPr>
+            <a:lvl8pPr>
+              <a:defRPr sz="1600"/>
+            </a:lvl8pPr>
+            <a:lvl9pPr>
+              <a:defRPr sz="1600"/>
+            </a:lvl9pPr>
+          </a:lstStyle>
           <a:p>
             <a:pPr lvl="0"/>
             <a:r>
@@ -1954,7 +3024,7 @@
               <a:rPr lang="ru-RU" smtClean="0"/>
               <a:t>Пятый уровень</a:t>
             </a:r>
-            <a:endParaRPr lang="ru-RU"/>
+            <a:endParaRPr lang="ru-RU" dirty="0"/>
           </a:p>
         </p:txBody>
       </p:sp>
@@ -1968,14 +3038,30 @@
             <p:ph type="dt" sz="half" idx="10"/>
           </p:nvPr>
         </p:nvSpPr>
-        <p:spPr/>
+        <p:spPr>
+          <a:xfrm>
+            <a:off x="1833747" y="6410897"/>
+            <a:ext cx="1620652" cy="365125"/>
+          </a:xfrm>
+        </p:spPr>
         <p:txBody>
           <a:bodyPr/>
-          <a:lstStyle/>
+          <a:lstStyle>
+            <a:lvl1pPr>
+              <a:defRPr>
+                <a:solidFill>
+                  <a:schemeClr val="accent6">
+                    <a:lumMod val="60000"/>
+                    <a:lumOff val="40000"/>
+                  </a:schemeClr>
+                </a:solidFill>
+              </a:defRPr>
+            </a:lvl1pPr>
+          </a:lstStyle>
           <a:p>
             <a:fld id="{7B6F462F-E131-44B0-BEE7-EA7C1DA617DD}" type="datetime1">
               <a:rPr lang="ru-RU" smtClean="0"/>
-              <a:t>05.05.2023</a:t>
+              <a:t>09.05.2023</a:t>
             </a:fld>
             <a:endParaRPr lang="ru-RU"/>
           </a:p>
@@ -1991,10 +3077,26 @@
             <p:ph type="ftr" sz="quarter" idx="11"/>
           </p:nvPr>
         </p:nvSpPr>
-        <p:spPr/>
+        <p:spPr>
+          <a:xfrm>
+            <a:off x="5538912" y="6356351"/>
+            <a:ext cx="2199456" cy="365125"/>
+          </a:xfrm>
+        </p:spPr>
         <p:txBody>
           <a:bodyPr/>
-          <a:lstStyle/>
+          <a:lstStyle>
+            <a:lvl1pPr>
+              <a:defRPr>
+                <a:solidFill>
+                  <a:schemeClr val="accent6">
+                    <a:lumMod val="60000"/>
+                    <a:lumOff val="40000"/>
+                  </a:schemeClr>
+                </a:solidFill>
+              </a:defRPr>
+            </a:lvl1pPr>
+          </a:lstStyle>
           <a:p>
             <a:endParaRPr lang="ru-RU"/>
           </a:p>
@@ -2010,10 +3112,26 @@
             <p:ph type="sldNum" sz="quarter" idx="12"/>
           </p:nvPr>
         </p:nvSpPr>
-        <p:spPr/>
+        <p:spPr>
+          <a:xfrm>
+            <a:off x="9961747" y="6356351"/>
+            <a:ext cx="1620652" cy="365125"/>
+          </a:xfrm>
+        </p:spPr>
         <p:txBody>
           <a:bodyPr/>
-          <a:lstStyle/>
+          <a:lstStyle>
+            <a:lvl1pPr>
+              <a:defRPr>
+                <a:solidFill>
+                  <a:schemeClr val="accent6">
+                    <a:lumMod val="60000"/>
+                    <a:lumOff val="40000"/>
+                  </a:schemeClr>
+                </a:solidFill>
+              </a:defRPr>
+            </a:lvl1pPr>
+          </a:lstStyle>
           <a:p>
             <a:fld id="{EB5D16D0-C52B-4A38-89D5-05CED3AB676C}" type="slidenum">
               <a:rPr lang="ru-RU" smtClean="0"/>
@@ -2026,13 +3144,32 @@
     </p:spTree>
     <p:extLst>
       <p:ext uri="{BB962C8B-B14F-4D97-AF65-F5344CB8AC3E}">
-        <p14:creationId xmlns:p14="http://schemas.microsoft.com/office/powerpoint/2010/main" val="35888001"/>
+        <p14:creationId xmlns:p14="http://schemas.microsoft.com/office/powerpoint/2010/main" val="187095916"/>
       </p:ext>
     </p:extLst>
   </p:cSld>
   <p:clrMapOvr>
     <a:masterClrMapping/>
   </p:clrMapOvr>
+  <mc:AlternateContent xmlns:mc="http://schemas.openxmlformats.org/markup-compatibility/2006" xmlns:p14="http://schemas.microsoft.com/office/powerpoint/2010/main">
+    <mc:Choice Requires="p14">
+      <p:transition spd="med" p14:dur="700">
+        <p:fade/>
+      </p:transition>
+    </mc:Choice>
+    <mc:Fallback xmlns="">
+      <p:transition spd="med">
+        <p:fade/>
+      </p:transition>
+    </mc:Fallback>
+  </mc:AlternateContent>
+  <p:timing>
+    <p:tnLst>
+      <p:par>
+        <p:cTn id="1" dur="indefinite" restart="never" nodeType="tmRoot"/>
+      </p:par>
+    </p:tnLst>
+  </p:timing>
 </p:sldLayout>
 </file>
 
@@ -2066,13 +3203,23 @@
         <p:spPr/>
         <p:txBody>
           <a:bodyPr/>
-          <a:lstStyle/>
+          <a:lstStyle>
+            <a:lvl1pPr>
+              <a:defRPr>
+                <a:solidFill>
+                  <a:schemeClr val="accent1">
+                    <a:lumMod val="50000"/>
+                  </a:schemeClr>
+                </a:solidFill>
+              </a:defRPr>
+            </a:lvl1pPr>
+          </a:lstStyle>
           <a:p>
             <a:r>
               <a:rPr lang="ru-RU" smtClean="0"/>
               <a:t>Образец заголовка</a:t>
             </a:r>
-            <a:endParaRPr lang="ru-RU"/>
+            <a:endParaRPr lang="ru-RU" dirty="0"/>
           </a:p>
         </p:txBody>
       </p:sp>
@@ -2089,11 +3236,22 @@
         <p:spPr/>
         <p:txBody>
           <a:bodyPr/>
-          <a:lstStyle/>
+          <a:lstStyle>
+            <a:lvl1pPr>
+              <a:defRPr>
+                <a:solidFill>
+                  <a:schemeClr val="accent6">
+                    <a:lumMod val="60000"/>
+                    <a:lumOff val="40000"/>
+                  </a:schemeClr>
+                </a:solidFill>
+              </a:defRPr>
+            </a:lvl1pPr>
+          </a:lstStyle>
           <a:p>
             <a:fld id="{89151A62-1B2F-4C2C-82AE-44C06B8C243D}" type="datetime1">
               <a:rPr lang="ru-RU" smtClean="0"/>
-              <a:t>05.05.2023</a:t>
+              <a:t>09.05.2023</a:t>
             </a:fld>
             <a:endParaRPr lang="ru-RU"/>
           </a:p>
@@ -2112,7 +3270,18 @@
         <p:spPr/>
         <p:txBody>
           <a:bodyPr/>
-          <a:lstStyle/>
+          <a:lstStyle>
+            <a:lvl1pPr>
+              <a:defRPr>
+                <a:solidFill>
+                  <a:schemeClr val="accent6">
+                    <a:lumMod val="60000"/>
+                    <a:lumOff val="40000"/>
+                  </a:schemeClr>
+                </a:solidFill>
+              </a:defRPr>
+            </a:lvl1pPr>
+          </a:lstStyle>
           <a:p>
             <a:endParaRPr lang="ru-RU"/>
           </a:p>
@@ -2131,7 +3300,18 @@
         <p:spPr/>
         <p:txBody>
           <a:bodyPr/>
-          <a:lstStyle/>
+          <a:lstStyle>
+            <a:lvl1pPr>
+              <a:defRPr>
+                <a:solidFill>
+                  <a:schemeClr val="accent6">
+                    <a:lumMod val="60000"/>
+                    <a:lumOff val="40000"/>
+                  </a:schemeClr>
+                </a:solidFill>
+              </a:defRPr>
+            </a:lvl1pPr>
+          </a:lstStyle>
           <a:p>
             <a:fld id="{EB5D16D0-C52B-4A38-89D5-05CED3AB676C}" type="slidenum">
               <a:rPr lang="ru-RU" smtClean="0"/>
@@ -2144,13 +3324,32 @@
     </p:spTree>
     <p:extLst>
       <p:ext uri="{BB962C8B-B14F-4D97-AF65-F5344CB8AC3E}">
-        <p14:creationId xmlns:p14="http://schemas.microsoft.com/office/powerpoint/2010/main" val="1883066174"/>
+        <p14:creationId xmlns:p14="http://schemas.microsoft.com/office/powerpoint/2010/main" val="836355317"/>
       </p:ext>
     </p:extLst>
   </p:cSld>
   <p:clrMapOvr>
     <a:masterClrMapping/>
   </p:clrMapOvr>
+  <mc:AlternateContent xmlns:mc="http://schemas.openxmlformats.org/markup-compatibility/2006" xmlns:p14="http://schemas.microsoft.com/office/powerpoint/2010/main">
+    <mc:Choice Requires="p14">
+      <p:transition spd="med" p14:dur="700">
+        <p:fade/>
+      </p:transition>
+    </mc:Choice>
+    <mc:Fallback xmlns="">
+      <p:transition spd="med">
+        <p:fade/>
+      </p:transition>
+    </mc:Fallback>
+  </mc:AlternateContent>
+  <p:timing>
+    <p:tnLst>
+      <p:par>
+        <p:cTn id="1" dur="indefinite" restart="never" nodeType="tmRoot"/>
+      </p:par>
+    </p:tnLst>
+  </p:timing>
 </p:sldLayout>
 </file>
 
@@ -2184,11 +3383,22 @@
         <p:spPr/>
         <p:txBody>
           <a:bodyPr/>
-          <a:lstStyle/>
+          <a:lstStyle>
+            <a:lvl1pPr>
+              <a:defRPr>
+                <a:solidFill>
+                  <a:schemeClr val="accent6">
+                    <a:lumMod val="60000"/>
+                    <a:lumOff val="40000"/>
+                  </a:schemeClr>
+                </a:solidFill>
+              </a:defRPr>
+            </a:lvl1pPr>
+          </a:lstStyle>
           <a:p>
             <a:fld id="{ADAD23D4-BB8A-4580-808F-F146FFAF7B9F}" type="datetime1">
               <a:rPr lang="ru-RU" smtClean="0"/>
-              <a:t>05.05.2023</a:t>
+              <a:t>09.05.2023</a:t>
             </a:fld>
             <a:endParaRPr lang="ru-RU"/>
           </a:p>
@@ -2207,7 +3417,18 @@
         <p:spPr/>
         <p:txBody>
           <a:bodyPr/>
-          <a:lstStyle/>
+          <a:lstStyle>
+            <a:lvl1pPr>
+              <a:defRPr>
+                <a:solidFill>
+                  <a:schemeClr val="accent6">
+                    <a:lumMod val="60000"/>
+                    <a:lumOff val="40000"/>
+                  </a:schemeClr>
+                </a:solidFill>
+              </a:defRPr>
+            </a:lvl1pPr>
+          </a:lstStyle>
           <a:p>
             <a:endParaRPr lang="ru-RU"/>
           </a:p>
@@ -2226,7 +3447,18 @@
         <p:spPr/>
         <p:txBody>
           <a:bodyPr/>
-          <a:lstStyle/>
+          <a:lstStyle>
+            <a:lvl1pPr>
+              <a:defRPr>
+                <a:solidFill>
+                  <a:schemeClr val="accent6">
+                    <a:lumMod val="60000"/>
+                    <a:lumOff val="40000"/>
+                  </a:schemeClr>
+                </a:solidFill>
+              </a:defRPr>
+            </a:lvl1pPr>
+          </a:lstStyle>
           <a:p>
             <a:fld id="{EB5D16D0-C52B-4A38-89D5-05CED3AB676C}" type="slidenum">
               <a:rPr lang="ru-RU" smtClean="0"/>
@@ -2239,13 +3471,32 @@
     </p:spTree>
     <p:extLst>
       <p:ext uri="{BB962C8B-B14F-4D97-AF65-F5344CB8AC3E}">
-        <p14:creationId xmlns:p14="http://schemas.microsoft.com/office/powerpoint/2010/main" val="1626559410"/>
+        <p14:creationId xmlns:p14="http://schemas.microsoft.com/office/powerpoint/2010/main" val="4197705673"/>
       </p:ext>
     </p:extLst>
   </p:cSld>
   <p:clrMapOvr>
     <a:masterClrMapping/>
   </p:clrMapOvr>
+  <mc:AlternateContent xmlns:mc="http://schemas.openxmlformats.org/markup-compatibility/2006" xmlns:p14="http://schemas.microsoft.com/office/powerpoint/2010/main">
+    <mc:Choice Requires="p14">
+      <p:transition spd="med" p14:dur="700">
+        <p:fade/>
+      </p:transition>
+    </mc:Choice>
+    <mc:Fallback xmlns="">
+      <p:transition spd="med">
+        <p:fade/>
+      </p:transition>
+    </mc:Fallback>
+  </mc:AlternateContent>
+  <p:timing>
+    <p:tnLst>
+      <p:par>
+        <p:cTn id="1" dur="indefinite" restart="never" nodeType="tmRoot"/>
+      </p:par>
+    </p:tnLst>
+  </p:timing>
 </p:sldLayout>
 </file>
 
@@ -2278,15 +3529,22 @@
         </p:nvSpPr>
         <p:spPr>
           <a:xfrm>
-            <a:off x="839788" y="457200"/>
-            <a:ext cx="3932237" cy="1600200"/>
+            <a:off x="609601" y="513622"/>
+            <a:ext cx="4011084" cy="921478"/>
           </a:xfrm>
         </p:spPr>
         <p:txBody>
           <a:bodyPr anchor="b"/>
           <a:lstStyle>
-            <a:lvl1pPr>
-              <a:defRPr sz="3200"/>
+            <a:lvl1pPr algn="l">
+              <a:defRPr sz="2000" b="1">
+                <a:solidFill>
+                  <a:schemeClr val="accent6">
+                    <a:lumMod val="60000"/>
+                    <a:lumOff val="40000"/>
+                  </a:schemeClr>
+                </a:solidFill>
+              </a:defRPr>
             </a:lvl1pPr>
           </a:lstStyle>
           <a:p>
@@ -2294,7 +3552,7 @@
               <a:rPr lang="ru-RU" smtClean="0"/>
               <a:t>Образец заголовка</a:t>
             </a:r>
-            <a:endParaRPr lang="ru-RU"/>
+            <a:endParaRPr lang="ru-RU" dirty="0"/>
           </a:p>
         </p:txBody>
       </p:sp>
@@ -2310,27 +3568,62 @@
         </p:nvSpPr>
         <p:spPr>
           <a:xfrm>
-            <a:off x="5183188" y="987425"/>
-            <a:ext cx="6172200" cy="4873625"/>
+            <a:off x="4751851" y="1916833"/>
+            <a:ext cx="6815667" cy="4353347"/>
           </a:xfrm>
         </p:spPr>
         <p:txBody>
           <a:bodyPr/>
           <a:lstStyle>
             <a:lvl1pPr>
-              <a:defRPr sz="3200"/>
+              <a:defRPr sz="3200">
+                <a:solidFill>
+                  <a:schemeClr val="accent6">
+                    <a:lumMod val="60000"/>
+                    <a:lumOff val="40000"/>
+                  </a:schemeClr>
+                </a:solidFill>
+              </a:defRPr>
             </a:lvl1pPr>
             <a:lvl2pPr>
-              <a:defRPr sz="2800"/>
+              <a:defRPr sz="2800">
+                <a:solidFill>
+                  <a:schemeClr val="accent6">
+                    <a:lumMod val="60000"/>
+                    <a:lumOff val="40000"/>
+                  </a:schemeClr>
+                </a:solidFill>
+              </a:defRPr>
             </a:lvl2pPr>
             <a:lvl3pPr>
-              <a:defRPr sz="2400"/>
+              <a:defRPr sz="2400">
+                <a:solidFill>
+                  <a:schemeClr val="accent6">
+                    <a:lumMod val="60000"/>
+                    <a:lumOff val="40000"/>
+                  </a:schemeClr>
+                </a:solidFill>
+              </a:defRPr>
             </a:lvl3pPr>
             <a:lvl4pPr>
-              <a:defRPr sz="2000"/>
+              <a:defRPr sz="2000">
+                <a:solidFill>
+                  <a:schemeClr val="accent6">
+                    <a:lumMod val="60000"/>
+                    <a:lumOff val="40000"/>
+                  </a:schemeClr>
+                </a:solidFill>
+              </a:defRPr>
             </a:lvl4pPr>
             <a:lvl5pPr>
-              <a:defRPr sz="2000"/>
+              <a:defRPr sz="2000">
+                <a:solidFill>
+                  <a:schemeClr val="accent6">
+                    <a:lumMod val="60000"/>
+                    <a:lumOff val="40000"/>
+                  </a:schemeClr>
+                </a:solidFill>
+              </a:defRPr>
             </a:lvl5pPr>
             <a:lvl6pPr>
               <a:defRPr sz="2000"/>
@@ -2395,8 +3688,8 @@
         </p:nvSpPr>
         <p:spPr>
           <a:xfrm>
-            <a:off x="839788" y="2057400"/>
-            <a:ext cx="3932237" cy="3811588"/>
+            <a:off x="609601" y="1435101"/>
+            <a:ext cx="4011084" cy="4691063"/>
           </a:xfrm>
         </p:spPr>
         <p:txBody>
@@ -2404,39 +3697,46 @@
           <a:lstStyle>
             <a:lvl1pPr marL="0" indent="0">
               <a:buNone/>
-              <a:defRPr sz="1600"/>
+              <a:defRPr sz="1400">
+                <a:solidFill>
+                  <a:schemeClr val="accent6">
+                    <a:lumMod val="60000"/>
+                    <a:lumOff val="40000"/>
+                  </a:schemeClr>
+                </a:solidFill>
+              </a:defRPr>
             </a:lvl1pPr>
             <a:lvl2pPr marL="457200" indent="0">
               <a:buNone/>
-              <a:defRPr sz="1400"/>
+              <a:defRPr sz="1200"/>
             </a:lvl2pPr>
             <a:lvl3pPr marL="914400" indent="0">
               <a:buNone/>
-              <a:defRPr sz="1200"/>
+              <a:defRPr sz="1000"/>
             </a:lvl3pPr>
             <a:lvl4pPr marL="1371600" indent="0">
               <a:buNone/>
-              <a:defRPr sz="1000"/>
+              <a:defRPr sz="900"/>
             </a:lvl4pPr>
             <a:lvl5pPr marL="1828800" indent="0">
               <a:buNone/>
-              <a:defRPr sz="1000"/>
+              <a:defRPr sz="900"/>
             </a:lvl5pPr>
             <a:lvl6pPr marL="2286000" indent="0">
               <a:buNone/>
-              <a:defRPr sz="1000"/>
+              <a:defRPr sz="900"/>
             </a:lvl6pPr>
             <a:lvl7pPr marL="2743200" indent="0">
               <a:buNone/>
-              <a:defRPr sz="1000"/>
+              <a:defRPr sz="900"/>
             </a:lvl7pPr>
             <a:lvl8pPr marL="3200400" indent="0">
               <a:buNone/>
-              <a:defRPr sz="1000"/>
+              <a:defRPr sz="900"/>
             </a:lvl8pPr>
             <a:lvl9pPr marL="3657600" indent="0">
               <a:buNone/>
-              <a:defRPr sz="1000"/>
+              <a:defRPr sz="900"/>
             </a:lvl9pPr>
           </a:lstStyle>
           <a:p>
@@ -2461,11 +3761,22 @@
         <p:spPr/>
         <p:txBody>
           <a:bodyPr/>
-          <a:lstStyle/>
+          <a:lstStyle>
+            <a:lvl1pPr>
+              <a:defRPr>
+                <a:solidFill>
+                  <a:schemeClr val="accent6">
+                    <a:lumMod val="60000"/>
+                    <a:lumOff val="40000"/>
+                  </a:schemeClr>
+                </a:solidFill>
+              </a:defRPr>
+            </a:lvl1pPr>
+          </a:lstStyle>
           <a:p>
             <a:fld id="{34529505-0C1D-4992-897F-EC661B4C80C3}" type="datetime1">
               <a:rPr lang="ru-RU" smtClean="0"/>
-              <a:t>05.05.2023</a:t>
+              <a:t>09.05.2023</a:t>
             </a:fld>
             <a:endParaRPr lang="ru-RU"/>
           </a:p>
@@ -2484,7 +3795,18 @@
         <p:spPr/>
         <p:txBody>
           <a:bodyPr/>
-          <a:lstStyle/>
+          <a:lstStyle>
+            <a:lvl1pPr>
+              <a:defRPr>
+                <a:solidFill>
+                  <a:schemeClr val="accent6">
+                    <a:lumMod val="60000"/>
+                    <a:lumOff val="40000"/>
+                  </a:schemeClr>
+                </a:solidFill>
+              </a:defRPr>
+            </a:lvl1pPr>
+          </a:lstStyle>
           <a:p>
             <a:endParaRPr lang="ru-RU"/>
           </a:p>
@@ -2503,7 +3825,18 @@
         <p:spPr/>
         <p:txBody>
           <a:bodyPr/>
-          <a:lstStyle/>
+          <a:lstStyle>
+            <a:lvl1pPr>
+              <a:defRPr>
+                <a:solidFill>
+                  <a:schemeClr val="accent6">
+                    <a:lumMod val="60000"/>
+                    <a:lumOff val="40000"/>
+                  </a:schemeClr>
+                </a:solidFill>
+              </a:defRPr>
+            </a:lvl1pPr>
+          </a:lstStyle>
           <a:p>
             <a:fld id="{EB5D16D0-C52B-4A38-89D5-05CED3AB676C}" type="slidenum">
               <a:rPr lang="ru-RU" smtClean="0"/>
@@ -2516,13 +3849,32 @@
     </p:spTree>
     <p:extLst>
       <p:ext uri="{BB962C8B-B14F-4D97-AF65-F5344CB8AC3E}">
-        <p14:creationId xmlns:p14="http://schemas.microsoft.com/office/powerpoint/2010/main" val="3741365539"/>
+        <p14:creationId xmlns:p14="http://schemas.microsoft.com/office/powerpoint/2010/main" val="3049070771"/>
       </p:ext>
     </p:extLst>
   </p:cSld>
   <p:clrMapOvr>
     <a:masterClrMapping/>
   </p:clrMapOvr>
+  <mc:AlternateContent xmlns:mc="http://schemas.openxmlformats.org/markup-compatibility/2006" xmlns:p14="http://schemas.microsoft.com/office/powerpoint/2010/main">
+    <mc:Choice Requires="p14">
+      <p:transition spd="med" p14:dur="700">
+        <p:fade/>
+      </p:transition>
+    </mc:Choice>
+    <mc:Fallback xmlns="">
+      <p:transition spd="med">
+        <p:fade/>
+      </p:transition>
+    </mc:Fallback>
+  </mc:AlternateContent>
+  <p:timing>
+    <p:tnLst>
+      <p:par>
+        <p:cTn id="1" dur="indefinite" restart="never" nodeType="tmRoot"/>
+      </p:par>
+    </p:tnLst>
+  </p:timing>
 </p:sldLayout>
 </file>
 
@@ -2555,15 +3907,22 @@
         </p:nvSpPr>
         <p:spPr>
           <a:xfrm>
-            <a:off x="839788" y="457200"/>
-            <a:ext cx="3932237" cy="1600200"/>
+            <a:off x="2389717" y="4800600"/>
+            <a:ext cx="7315200" cy="566738"/>
           </a:xfrm>
         </p:spPr>
         <p:txBody>
           <a:bodyPr anchor="b"/>
           <a:lstStyle>
-            <a:lvl1pPr>
-              <a:defRPr sz="3200"/>
+            <a:lvl1pPr algn="l">
+              <a:defRPr sz="2000" b="1">
+                <a:solidFill>
+                  <a:schemeClr val="accent6">
+                    <a:lumMod val="60000"/>
+                    <a:lumOff val="40000"/>
+                  </a:schemeClr>
+                </a:solidFill>
+              </a:defRPr>
             </a:lvl1pPr>
           </a:lstStyle>
           <a:p>
@@ -2571,7 +3930,7 @@
               <a:rPr lang="ru-RU" smtClean="0"/>
               <a:t>Образец заголовка</a:t>
             </a:r>
-            <a:endParaRPr lang="ru-RU"/>
+            <a:endParaRPr lang="ru-RU" dirty="0"/>
           </a:p>
         </p:txBody>
       </p:sp>
@@ -2587,8 +3946,8 @@
         </p:nvSpPr>
         <p:spPr>
           <a:xfrm>
-            <a:off x="5183188" y="987425"/>
-            <a:ext cx="6172200" cy="4873625"/>
+            <a:off x="2389717" y="612775"/>
+            <a:ext cx="7315200" cy="4114800"/>
           </a:xfrm>
         </p:spPr>
         <p:txBody>
@@ -2596,7 +3955,14 @@
           <a:lstStyle>
             <a:lvl1pPr marL="0" indent="0">
               <a:buNone/>
-              <a:defRPr sz="3200"/>
+              <a:defRPr sz="3200">
+                <a:solidFill>
+                  <a:schemeClr val="accent6">
+                    <a:lumMod val="60000"/>
+                    <a:lumOff val="40000"/>
+                  </a:schemeClr>
+                </a:solidFill>
+              </a:defRPr>
             </a:lvl1pPr>
             <a:lvl2pPr marL="457200" indent="0">
               <a:buNone/>
@@ -2632,7 +3998,11 @@
             </a:lvl9pPr>
           </a:lstStyle>
           <a:p>
-            <a:endParaRPr lang="ru-RU"/>
+            <a:r>
+              <a:rPr lang="ru-RU" smtClean="0"/>
+              <a:t>Вставка рисунка</a:t>
+            </a:r>
+            <a:endParaRPr lang="ru-RU" dirty="0"/>
           </a:p>
         </p:txBody>
       </p:sp>
@@ -2648,8 +4018,8 @@
         </p:nvSpPr>
         <p:spPr>
           <a:xfrm>
-            <a:off x="839788" y="2057400"/>
-            <a:ext cx="3932237" cy="3811588"/>
+            <a:off x="2389717" y="5367338"/>
+            <a:ext cx="7315200" cy="804862"/>
           </a:xfrm>
         </p:spPr>
         <p:txBody>
@@ -2657,39 +4027,46 @@
           <a:lstStyle>
             <a:lvl1pPr marL="0" indent="0">
               <a:buNone/>
-              <a:defRPr sz="1600"/>
+              <a:defRPr sz="1400">
+                <a:solidFill>
+                  <a:schemeClr val="accent6">
+                    <a:lumMod val="60000"/>
+                    <a:lumOff val="40000"/>
+                  </a:schemeClr>
+                </a:solidFill>
+              </a:defRPr>
             </a:lvl1pPr>
             <a:lvl2pPr marL="457200" indent="0">
               <a:buNone/>
-              <a:defRPr sz="1400"/>
+              <a:defRPr sz="1200"/>
             </a:lvl2pPr>
             <a:lvl3pPr marL="914400" indent="0">
               <a:buNone/>
-              <a:defRPr sz="1200"/>
+              <a:defRPr sz="1000"/>
             </a:lvl3pPr>
             <a:lvl4pPr marL="1371600" indent="0">
               <a:buNone/>
-              <a:defRPr sz="1000"/>
+              <a:defRPr sz="900"/>
             </a:lvl4pPr>
             <a:lvl5pPr marL="1828800" indent="0">
               <a:buNone/>
-              <a:defRPr sz="1000"/>
+              <a:defRPr sz="900"/>
             </a:lvl5pPr>
             <a:lvl6pPr marL="2286000" indent="0">
               <a:buNone/>
-              <a:defRPr sz="1000"/>
+              <a:defRPr sz="900"/>
             </a:lvl6pPr>
             <a:lvl7pPr marL="2743200" indent="0">
               <a:buNone/>
-              <a:defRPr sz="1000"/>
+              <a:defRPr sz="900"/>
             </a:lvl7pPr>
             <a:lvl8pPr marL="3200400" indent="0">
               <a:buNone/>
-              <a:defRPr sz="1000"/>
+              <a:defRPr sz="900"/>
             </a:lvl8pPr>
             <a:lvl9pPr marL="3657600" indent="0">
               <a:buNone/>
-              <a:defRPr sz="1000"/>
+              <a:defRPr sz="900"/>
             </a:lvl9pPr>
           </a:lstStyle>
           <a:p>
@@ -2714,11 +4091,22 @@
         <p:spPr/>
         <p:txBody>
           <a:bodyPr/>
-          <a:lstStyle/>
+          <a:lstStyle>
+            <a:lvl1pPr>
+              <a:defRPr>
+                <a:solidFill>
+                  <a:schemeClr val="accent6">
+                    <a:lumMod val="60000"/>
+                    <a:lumOff val="40000"/>
+                  </a:schemeClr>
+                </a:solidFill>
+              </a:defRPr>
+            </a:lvl1pPr>
+          </a:lstStyle>
           <a:p>
             <a:fld id="{2687A07D-E0F8-424D-9BC0-CB2FE89CCED8}" type="datetime1">
               <a:rPr lang="ru-RU" smtClean="0"/>
-              <a:t>05.05.2023</a:t>
+              <a:t>09.05.2023</a:t>
             </a:fld>
             <a:endParaRPr lang="ru-RU"/>
           </a:p>
@@ -2737,7 +4125,18 @@
         <p:spPr/>
         <p:txBody>
           <a:bodyPr/>
-          <a:lstStyle/>
+          <a:lstStyle>
+            <a:lvl1pPr>
+              <a:defRPr>
+                <a:solidFill>
+                  <a:schemeClr val="accent6">
+                    <a:lumMod val="60000"/>
+                    <a:lumOff val="40000"/>
+                  </a:schemeClr>
+                </a:solidFill>
+              </a:defRPr>
+            </a:lvl1pPr>
+          </a:lstStyle>
           <a:p>
             <a:endParaRPr lang="ru-RU"/>
           </a:p>
@@ -2756,7 +4155,18 @@
         <p:spPr/>
         <p:txBody>
           <a:bodyPr/>
-          <a:lstStyle/>
+          <a:lstStyle>
+            <a:lvl1pPr>
+              <a:defRPr>
+                <a:solidFill>
+                  <a:schemeClr val="accent6">
+                    <a:lumMod val="60000"/>
+                    <a:lumOff val="40000"/>
+                  </a:schemeClr>
+                </a:solidFill>
+              </a:defRPr>
+            </a:lvl1pPr>
+          </a:lstStyle>
           <a:p>
             <a:fld id="{EB5D16D0-C52B-4A38-89D5-05CED3AB676C}" type="slidenum">
               <a:rPr lang="ru-RU" smtClean="0"/>
@@ -2769,13 +4179,32 @@
     </p:spTree>
     <p:extLst>
       <p:ext uri="{BB962C8B-B14F-4D97-AF65-F5344CB8AC3E}">
-        <p14:creationId xmlns:p14="http://schemas.microsoft.com/office/powerpoint/2010/main" val="2412826946"/>
+        <p14:creationId xmlns:p14="http://schemas.microsoft.com/office/powerpoint/2010/main" val="31702995"/>
       </p:ext>
     </p:extLst>
   </p:cSld>
   <p:clrMapOvr>
     <a:masterClrMapping/>
   </p:clrMapOvr>
+  <mc:AlternateContent xmlns:mc="http://schemas.openxmlformats.org/markup-compatibility/2006" xmlns:p14="http://schemas.microsoft.com/office/powerpoint/2010/main">
+    <mc:Choice Requires="p14">
+      <p:transition spd="med" p14:dur="700">
+        <p:fade/>
+      </p:transition>
+    </mc:Choice>
+    <mc:Fallback xmlns="">
+      <p:transition spd="med">
+        <p:fade/>
+      </p:transition>
+    </mc:Fallback>
+  </mc:AlternateContent>
+  <p:timing>
+    <p:tnLst>
+      <p:par>
+        <p:cTn id="1" dur="indefinite" restart="never" nodeType="tmRoot"/>
+      </p:par>
+    </p:tnLst>
+  </p:timing>
 </p:sldLayout>
 </file>
 
@@ -2783,9 +4212,18 @@
 <p:sldMaster xmlns:a="http://schemas.openxmlformats.org/drawingml/2006/main" xmlns:r="http://schemas.openxmlformats.org/officeDocument/2006/relationships" xmlns:p="http://schemas.openxmlformats.org/presentationml/2006/main">
   <p:cSld>
     <p:bg>
-      <p:bgRef idx="1001">
-        <a:schemeClr val="bg1"/>
-      </p:bgRef>
+      <p:bgPr>
+        <a:blipFill dpi="0" rotWithShape="1">
+          <a:blip r:embed="rId14">
+            <a:lum/>
+          </a:blip>
+          <a:srcRect/>
+          <a:stretch>
+            <a:fillRect/>
+          </a:stretch>
+        </a:blipFill>
+        <a:effectLst/>
+      </p:bgPr>
     </p:bg>
     <p:spTree>
       <p:nvGrpSpPr>
@@ -2813,8 +4251,8 @@
         </p:nvSpPr>
         <p:spPr>
           <a:xfrm>
-            <a:off x="838200" y="365125"/>
-            <a:ext cx="10515600" cy="1325563"/>
+            <a:off x="335360" y="191549"/>
+            <a:ext cx="9793088" cy="1224136"/>
           </a:xfrm>
           <a:prstGeom prst="rect">
             <a:avLst/>
@@ -2827,10 +4265,10 @@
           <a:lstStyle/>
           <a:p>
             <a:r>
-              <a:rPr lang="ru-RU" smtClean="0"/>
+              <a:rPr lang="ru-RU" dirty="0" smtClean="0"/>
               <a:t>Образец заголовка</a:t>
             </a:r>
-            <a:endParaRPr lang="ru-RU"/>
+            <a:endParaRPr lang="ru-RU" dirty="0"/>
           </a:p>
         </p:txBody>
       </p:sp>
@@ -2846,8 +4284,8 @@
         </p:nvSpPr>
         <p:spPr>
           <a:xfrm>
-            <a:off x="838200" y="1825625"/>
-            <a:ext cx="10515600" cy="4351338"/>
+            <a:off x="335360" y="1556792"/>
+            <a:ext cx="9793088" cy="4680520"/>
           </a:xfrm>
           <a:prstGeom prst="rect">
             <a:avLst/>
@@ -2861,38 +4299,38 @@
           <a:p>
             <a:pPr lvl="0"/>
             <a:r>
-              <a:rPr lang="ru-RU" smtClean="0"/>
+              <a:rPr lang="ru-RU" dirty="0" smtClean="0"/>
               <a:t>Образец текста</a:t>
             </a:r>
           </a:p>
           <a:p>
             <a:pPr lvl="1"/>
             <a:r>
-              <a:rPr lang="ru-RU" smtClean="0"/>
+              <a:rPr lang="ru-RU" dirty="0" smtClean="0"/>
               <a:t>Второй уровень</a:t>
             </a:r>
           </a:p>
           <a:p>
             <a:pPr lvl="2"/>
             <a:r>
-              <a:rPr lang="ru-RU" smtClean="0"/>
+              <a:rPr lang="ru-RU" dirty="0" smtClean="0"/>
               <a:t>Третий уровень</a:t>
             </a:r>
           </a:p>
           <a:p>
             <a:pPr lvl="3"/>
             <a:r>
-              <a:rPr lang="ru-RU" smtClean="0"/>
+              <a:rPr lang="ru-RU" dirty="0" smtClean="0"/>
               <a:t>Четвертый уровень</a:t>
             </a:r>
           </a:p>
           <a:p>
             <a:pPr lvl="4"/>
             <a:r>
-              <a:rPr lang="ru-RU" smtClean="0"/>
+              <a:rPr lang="ru-RU" dirty="0" smtClean="0"/>
               <a:t>Пятый уровень</a:t>
             </a:r>
-            <a:endParaRPr lang="ru-RU"/>
+            <a:endParaRPr lang="ru-RU" dirty="0"/>
           </a:p>
         </p:txBody>
       </p:sp>
@@ -2908,8 +4346,8 @@
         </p:nvSpPr>
         <p:spPr>
           <a:xfrm>
-            <a:off x="838200" y="6356350"/>
-            <a:ext cx="2743200" cy="365125"/>
+            <a:off x="609600" y="6356351"/>
+            <a:ext cx="2844800" cy="365125"/>
           </a:xfrm>
           <a:prstGeom prst="rect">
             <a:avLst/>
@@ -2921,8 +4359,8 @@
             <a:lvl1pPr algn="l">
               <a:defRPr sz="1200">
                 <a:solidFill>
-                  <a:schemeClr val="tx1">
-                    <a:tint val="75000"/>
+                  <a:schemeClr val="bg2">
+                    <a:lumMod val="50000"/>
                   </a:schemeClr>
                 </a:solidFill>
               </a:defRPr>
@@ -2931,7 +4369,7 @@
           <a:p>
             <a:fld id="{2062729E-D5F3-406B-96EC-31767236469D}" type="datetime1">
               <a:rPr lang="ru-RU" smtClean="0"/>
-              <a:t>05.05.2023</a:t>
+              <a:t>09.05.2023</a:t>
             </a:fld>
             <a:endParaRPr lang="ru-RU"/>
           </a:p>
@@ -2949,8 +4387,8 @@
         </p:nvSpPr>
         <p:spPr>
           <a:xfrm>
-            <a:off x="4038600" y="6356350"/>
-            <a:ext cx="4114800" cy="365125"/>
+            <a:off x="4165600" y="6356351"/>
+            <a:ext cx="3860800" cy="365125"/>
           </a:xfrm>
           <a:prstGeom prst="rect">
             <a:avLst/>
@@ -2962,8 +4400,8 @@
             <a:lvl1pPr algn="ctr">
               <a:defRPr sz="1200">
                 <a:solidFill>
-                  <a:schemeClr val="tx1">
-                    <a:tint val="75000"/>
+                  <a:schemeClr val="bg2">
+                    <a:lumMod val="50000"/>
                   </a:schemeClr>
                 </a:solidFill>
               </a:defRPr>
@@ -2986,8 +4424,8 @@
         </p:nvSpPr>
         <p:spPr>
           <a:xfrm>
-            <a:off x="8610600" y="6356350"/>
-            <a:ext cx="2743200" cy="365125"/>
+            <a:off x="8737600" y="6356351"/>
+            <a:ext cx="2844800" cy="365125"/>
           </a:xfrm>
           <a:prstGeom prst="rect">
             <a:avLst/>
@@ -2999,8 +4437,8 @@
             <a:lvl1pPr algn="r">
               <a:defRPr sz="1200">
                 <a:solidFill>
-                  <a:schemeClr val="tx1">
-                    <a:tint val="75000"/>
+                  <a:schemeClr val="bg2">
+                    <a:lumMod val="50000"/>
                   </a:schemeClr>
                 </a:solidFill>
               </a:defRPr>
@@ -3015,42 +4453,100 @@
           </a:p>
         </p:txBody>
       </p:sp>
+      <p:pic>
+        <p:nvPicPr>
+          <p:cNvPr id="7" name="Рисунок 6">
+            <a:hlinkClick r:id="rId15"/>
+          </p:cNvPr>
+          <p:cNvPicPr>
+            <a:picLocks noChangeAspect="1"/>
+          </p:cNvPicPr>
+          <p:nvPr/>
+        </p:nvPicPr>
+        <p:blipFill>
+          <a:blip r:embed="rId16">
+            <a:extLst>
+              <a:ext uri="{28A0092B-C50C-407E-A947-70E740481C1C}">
+                <a14:useLocalDpi xmlns:a14="http://schemas.microsoft.com/office/drawing/2010/main" val="0"/>
+              </a:ext>
+            </a:extLst>
+          </a:blip>
+          <a:stretch>
+            <a:fillRect/>
+          </a:stretch>
+        </p:blipFill>
+        <p:spPr>
+          <a:xfrm>
+            <a:off x="-2160917" y="45855"/>
+            <a:ext cx="1010349" cy="757762"/>
+          </a:xfrm>
+          <a:prstGeom prst="rect">
+            <a:avLst/>
+          </a:prstGeom>
+        </p:spPr>
+      </p:pic>
     </p:spTree>
     <p:extLst>
       <p:ext uri="{BB962C8B-B14F-4D97-AF65-F5344CB8AC3E}">
-        <p14:creationId xmlns:p14="http://schemas.microsoft.com/office/powerpoint/2010/main" val="1941969588"/>
+        <p14:creationId xmlns:p14="http://schemas.microsoft.com/office/powerpoint/2010/main" val="4044215412"/>
       </p:ext>
     </p:extLst>
   </p:cSld>
   <p:clrMap bg1="lt1" tx1="dk1" bg2="lt2" tx2="dk2" accent1="accent1" accent2="accent2" accent3="accent3" accent4="accent4" accent5="accent5" accent6="accent6" hlink="hlink" folHlink="folHlink"/>
   <p:sldLayoutIdLst>
-    <p:sldLayoutId id="2147483649" r:id="rId1"/>
-    <p:sldLayoutId id="2147483650" r:id="rId2"/>
-    <p:sldLayoutId id="2147483651" r:id="rId3"/>
-    <p:sldLayoutId id="2147483652" r:id="rId4"/>
-    <p:sldLayoutId id="2147483653" r:id="rId5"/>
-    <p:sldLayoutId id="2147483654" r:id="rId6"/>
-    <p:sldLayoutId id="2147483655" r:id="rId7"/>
-    <p:sldLayoutId id="2147483656" r:id="rId8"/>
-    <p:sldLayoutId id="2147483657" r:id="rId9"/>
-    <p:sldLayoutId id="2147483658" r:id="rId10"/>
-    <p:sldLayoutId id="2147483659" r:id="rId11"/>
+    <p:sldLayoutId id="2147483661" r:id="rId1"/>
+    <p:sldLayoutId id="2147483662" r:id="rId2"/>
+    <p:sldLayoutId id="2147483663" r:id="rId3"/>
+    <p:sldLayoutId id="2147483664" r:id="rId4"/>
+    <p:sldLayoutId id="2147483665" r:id="rId5"/>
+    <p:sldLayoutId id="2147483666" r:id="rId6"/>
+    <p:sldLayoutId id="2147483667" r:id="rId7"/>
+    <p:sldLayoutId id="2147483668" r:id="rId8"/>
+    <p:sldLayoutId id="2147483669" r:id="rId9"/>
+    <p:sldLayoutId id="2147483670" r:id="rId10"/>
+    <p:sldLayoutId id="2147483671" r:id="rId11"/>
+    <p:sldLayoutId id="2147483672" r:id="rId12"/>
   </p:sldLayoutIdLst>
+  <mc:AlternateContent xmlns:mc="http://schemas.openxmlformats.org/markup-compatibility/2006" xmlns:p14="http://schemas.microsoft.com/office/powerpoint/2010/main">
+    <mc:Choice Requires="p14">
+      <p:transition spd="med" p14:dur="700">
+        <p:fade/>
+      </p:transition>
+    </mc:Choice>
+    <mc:Fallback xmlns="">
+      <p:transition spd="med">
+        <p:fade/>
+      </p:transition>
+    </mc:Fallback>
+  </mc:AlternateContent>
+  <p:timing>
+    <p:tnLst>
+      <p:par>
+        <p:cTn id="1" dur="indefinite" restart="never" nodeType="tmRoot"/>
+      </p:par>
+    </p:tnLst>
+  </p:timing>
   <p:hf hdr="0" dt="0"/>
   <p:txStyles>
     <p:titleStyle>
-      <a:lvl1pPr algn="l" defTabSz="914400" rtl="0" eaLnBrk="1" latinLnBrk="0" hangingPunct="1">
-        <a:lnSpc>
-          <a:spcPct val="90000"/>
-        </a:lnSpc>
+      <a:lvl1pPr algn="ctr" defTabSz="914400" rtl="0" eaLnBrk="1" latinLnBrk="0" hangingPunct="1">
         <a:spcBef>
           <a:spcPct val="0"/>
         </a:spcBef>
         <a:buNone/>
         <a:defRPr sz="4400" kern="1200">
           <a:solidFill>
-            <a:schemeClr val="tx1"/>
+            <a:schemeClr val="bg2">
+              <a:lumMod val="50000"/>
+            </a:schemeClr>
           </a:solidFill>
+          <a:effectLst>
+            <a:outerShdw blurRad="38100" dist="38100" dir="2700000" algn="tl">
+              <a:srgbClr val="000000">
+                <a:alpha val="43137"/>
+              </a:srgbClr>
+            </a:outerShdw>
+          </a:effectLst>
           <a:latin typeface="+mj-lt"/>
           <a:ea typeface="+mj-ea"/>
           <a:cs typeface="+mj-cs"/>
@@ -3058,36 +4554,34 @@
       </a:lvl1pPr>
     </p:titleStyle>
     <p:bodyStyle>
-      <a:lvl1pPr marL="228600" indent="-228600" algn="l" defTabSz="914400" rtl="0" eaLnBrk="1" latinLnBrk="0" hangingPunct="1">
-        <a:lnSpc>
-          <a:spcPct val="90000"/>
-        </a:lnSpc>
+      <a:lvl1pPr marL="342900" indent="-342900" algn="l" defTabSz="914400" rtl="0" eaLnBrk="1" latinLnBrk="0" hangingPunct="1">
         <a:spcBef>
-          <a:spcPts val="1000"/>
+          <a:spcPct val="20000"/>
         </a:spcBef>
         <a:buFont typeface="Arial" panose="020B0604020202020204" pitchFamily="34" charset="0"/>
         <a:buChar char="•"/>
-        <a:defRPr sz="2800" kern="1200">
+        <a:defRPr sz="3200" kern="1200">
           <a:solidFill>
-            <a:schemeClr val="tx1"/>
+            <a:schemeClr val="bg2">
+              <a:lumMod val="50000"/>
+            </a:schemeClr>
           </a:solidFill>
           <a:latin typeface="+mn-lt"/>
           <a:ea typeface="+mn-ea"/>
           <a:cs typeface="+mn-cs"/>
         </a:defRPr>
       </a:lvl1pPr>
-      <a:lvl2pPr marL="685800" indent="-228600" algn="l" defTabSz="914400" rtl="0" eaLnBrk="1" latinLnBrk="0" hangingPunct="1">
-        <a:lnSpc>
-          <a:spcPct val="90000"/>
-        </a:lnSpc>
+      <a:lvl2pPr marL="742950" indent="-285750" algn="l" defTabSz="914400" rtl="0" eaLnBrk="1" latinLnBrk="0" hangingPunct="1">
         <a:spcBef>
-          <a:spcPts val="500"/>
+          <a:spcPct val="20000"/>
         </a:spcBef>
         <a:buFont typeface="Arial" panose="020B0604020202020204" pitchFamily="34" charset="0"/>
-        <a:buChar char="•"/>
-        <a:defRPr sz="2400" kern="1200">
+        <a:buChar char="–"/>
+        <a:defRPr sz="2800" kern="1200">
           <a:solidFill>
-            <a:schemeClr val="tx1"/>
+            <a:schemeClr val="bg2">
+              <a:lumMod val="50000"/>
+            </a:schemeClr>
           </a:solidFill>
           <a:latin typeface="+mn-lt"/>
           <a:ea typeface="+mn-ea"/>
@@ -3095,11 +4589,59 @@
         </a:defRPr>
       </a:lvl2pPr>
       <a:lvl3pPr marL="1143000" indent="-228600" algn="l" defTabSz="914400" rtl="0" eaLnBrk="1" latinLnBrk="0" hangingPunct="1">
-        <a:lnSpc>
-          <a:spcPct val="90000"/>
-        </a:lnSpc>
         <a:spcBef>
-          <a:spcPts val="500"/>
+          <a:spcPct val="20000"/>
+        </a:spcBef>
+        <a:buFont typeface="Arial" panose="020B0604020202020204" pitchFamily="34" charset="0"/>
+        <a:buChar char="•"/>
+        <a:defRPr sz="2400" kern="1200">
+          <a:solidFill>
+            <a:schemeClr val="bg2">
+              <a:lumMod val="50000"/>
+            </a:schemeClr>
+          </a:solidFill>
+          <a:latin typeface="+mn-lt"/>
+          <a:ea typeface="+mn-ea"/>
+          <a:cs typeface="+mn-cs"/>
+        </a:defRPr>
+      </a:lvl3pPr>
+      <a:lvl4pPr marL="1600200" indent="-228600" algn="l" defTabSz="914400" rtl="0" eaLnBrk="1" latinLnBrk="0" hangingPunct="1">
+        <a:spcBef>
+          <a:spcPct val="20000"/>
+        </a:spcBef>
+        <a:buFont typeface="Arial" panose="020B0604020202020204" pitchFamily="34" charset="0"/>
+        <a:buChar char="–"/>
+        <a:defRPr sz="2000" kern="1200">
+          <a:solidFill>
+            <a:schemeClr val="bg2">
+              <a:lumMod val="50000"/>
+            </a:schemeClr>
+          </a:solidFill>
+          <a:latin typeface="+mn-lt"/>
+          <a:ea typeface="+mn-ea"/>
+          <a:cs typeface="+mn-cs"/>
+        </a:defRPr>
+      </a:lvl4pPr>
+      <a:lvl5pPr marL="2057400" indent="-228600" algn="l" defTabSz="914400" rtl="0" eaLnBrk="1" latinLnBrk="0" hangingPunct="1">
+        <a:spcBef>
+          <a:spcPct val="20000"/>
+        </a:spcBef>
+        <a:buFont typeface="Arial" panose="020B0604020202020204" pitchFamily="34" charset="0"/>
+        <a:buChar char="»"/>
+        <a:defRPr sz="2000" kern="1200">
+          <a:solidFill>
+            <a:schemeClr val="bg2">
+              <a:lumMod val="50000"/>
+            </a:schemeClr>
+          </a:solidFill>
+          <a:latin typeface="+mn-lt"/>
+          <a:ea typeface="+mn-ea"/>
+          <a:cs typeface="+mn-cs"/>
+        </a:defRPr>
+      </a:lvl5pPr>
+      <a:lvl6pPr marL="2514600" indent="-228600" algn="l" defTabSz="914400" rtl="0" eaLnBrk="1" latinLnBrk="0" hangingPunct="1">
+        <a:spcBef>
+          <a:spcPct val="20000"/>
         </a:spcBef>
         <a:buFont typeface="Arial" panose="020B0604020202020204" pitchFamily="34" charset="0"/>
         <a:buChar char="•"/>
@@ -3111,71 +4653,14 @@
           <a:ea typeface="+mn-ea"/>
           <a:cs typeface="+mn-cs"/>
         </a:defRPr>
-      </a:lvl3pPr>
-      <a:lvl4pPr marL="1600200" indent="-228600" algn="l" defTabSz="914400" rtl="0" eaLnBrk="1" latinLnBrk="0" hangingPunct="1">
-        <a:lnSpc>
-          <a:spcPct val="90000"/>
-        </a:lnSpc>
+      </a:lvl6pPr>
+      <a:lvl7pPr marL="2971800" indent="-228600" algn="l" defTabSz="914400" rtl="0" eaLnBrk="1" latinLnBrk="0" hangingPunct="1">
         <a:spcBef>
-          <a:spcPts val="500"/>
+          <a:spcPct val="20000"/>
         </a:spcBef>
         <a:buFont typeface="Arial" panose="020B0604020202020204" pitchFamily="34" charset="0"/>
         <a:buChar char="•"/>
-        <a:defRPr sz="1800" kern="1200">
-          <a:solidFill>
-            <a:schemeClr val="tx1"/>
-          </a:solidFill>
-          <a:latin typeface="+mn-lt"/>
-          <a:ea typeface="+mn-ea"/>
-          <a:cs typeface="+mn-cs"/>
-        </a:defRPr>
-      </a:lvl4pPr>
-      <a:lvl5pPr marL="2057400" indent="-228600" algn="l" defTabSz="914400" rtl="0" eaLnBrk="1" latinLnBrk="0" hangingPunct="1">
-        <a:lnSpc>
-          <a:spcPct val="90000"/>
-        </a:lnSpc>
-        <a:spcBef>
-          <a:spcPts val="500"/>
-        </a:spcBef>
-        <a:buFont typeface="Arial" panose="020B0604020202020204" pitchFamily="34" charset="0"/>
-        <a:buChar char="•"/>
-        <a:defRPr sz="1800" kern="1200">
-          <a:solidFill>
-            <a:schemeClr val="tx1"/>
-          </a:solidFill>
-          <a:latin typeface="+mn-lt"/>
-          <a:ea typeface="+mn-ea"/>
-          <a:cs typeface="+mn-cs"/>
-        </a:defRPr>
-      </a:lvl5pPr>
-      <a:lvl6pPr marL="2514600" indent="-228600" algn="l" defTabSz="914400" rtl="0" eaLnBrk="1" latinLnBrk="0" hangingPunct="1">
-        <a:lnSpc>
-          <a:spcPct val="90000"/>
-        </a:lnSpc>
-        <a:spcBef>
-          <a:spcPts val="500"/>
-        </a:spcBef>
-        <a:buFont typeface="Arial" panose="020B0604020202020204" pitchFamily="34" charset="0"/>
-        <a:buChar char="•"/>
-        <a:defRPr sz="1800" kern="1200">
-          <a:solidFill>
-            <a:schemeClr val="tx1"/>
-          </a:solidFill>
-          <a:latin typeface="+mn-lt"/>
-          <a:ea typeface="+mn-ea"/>
-          <a:cs typeface="+mn-cs"/>
-        </a:defRPr>
-      </a:lvl6pPr>
-      <a:lvl7pPr marL="2971800" indent="-228600" algn="l" defTabSz="914400" rtl="0" eaLnBrk="1" latinLnBrk="0" hangingPunct="1">
-        <a:lnSpc>
-          <a:spcPct val="90000"/>
-        </a:lnSpc>
-        <a:spcBef>
-          <a:spcPts val="500"/>
-        </a:spcBef>
-        <a:buFont typeface="Arial" panose="020B0604020202020204" pitchFamily="34" charset="0"/>
-        <a:buChar char="•"/>
-        <a:defRPr sz="1800" kern="1200">
+        <a:defRPr sz="2000" kern="1200">
           <a:solidFill>
             <a:schemeClr val="tx1"/>
           </a:solidFill>
@@ -3185,15 +4670,12 @@
         </a:defRPr>
       </a:lvl7pPr>
       <a:lvl8pPr marL="3429000" indent="-228600" algn="l" defTabSz="914400" rtl="0" eaLnBrk="1" latinLnBrk="0" hangingPunct="1">
-        <a:lnSpc>
-          <a:spcPct val="90000"/>
-        </a:lnSpc>
         <a:spcBef>
-          <a:spcPts val="500"/>
+          <a:spcPct val="20000"/>
         </a:spcBef>
         <a:buFont typeface="Arial" panose="020B0604020202020204" pitchFamily="34" charset="0"/>
         <a:buChar char="•"/>
-        <a:defRPr sz="1800" kern="1200">
+        <a:defRPr sz="2000" kern="1200">
           <a:solidFill>
             <a:schemeClr val="tx1"/>
           </a:solidFill>
@@ -3203,15 +4685,12 @@
         </a:defRPr>
       </a:lvl8pPr>
       <a:lvl9pPr marL="3886200" indent="-228600" algn="l" defTabSz="914400" rtl="0" eaLnBrk="1" latinLnBrk="0" hangingPunct="1">
-        <a:lnSpc>
-          <a:spcPct val="90000"/>
-        </a:lnSpc>
         <a:spcBef>
-          <a:spcPts val="500"/>
+          <a:spcPct val="20000"/>
         </a:spcBef>
         <a:buFont typeface="Arial" panose="020B0604020202020204" pitchFamily="34" charset="0"/>
         <a:buChar char="•"/>
-        <a:defRPr sz="1800" kern="1200">
+        <a:defRPr sz="2000" kern="1200">
           <a:solidFill>
             <a:schemeClr val="tx1"/>
           </a:solidFill>
@@ -3366,6 +4845,10 @@
             </a:pPr>
             <a:r>
               <a:rPr lang="ru-RU" sz="3600" spc="-1" dirty="0">
+                <a:solidFill>
+                  <a:schemeClr val="tx1"/>
+                </a:solidFill>
+                <a:effectLst/>
                 <a:latin typeface="Times New Roman"/>
                 <a:ea typeface="Times New Roman"/>
               </a:rPr>
@@ -3373,12 +4856,20 @@
             </a:r>
             <a:br>
               <a:rPr lang="ru-RU" sz="3600" spc="-1" dirty="0">
+                <a:solidFill>
+                  <a:schemeClr val="tx1"/>
+                </a:solidFill>
+                <a:effectLst/>
                 <a:latin typeface="Times New Roman"/>
                 <a:ea typeface="Times New Roman"/>
               </a:rPr>
             </a:br>
             <a:r>
               <a:rPr lang="ru-RU" sz="3600" spc="-1" dirty="0">
+                <a:solidFill>
+                  <a:schemeClr val="tx1"/>
+                </a:solidFill>
+                <a:effectLst/>
                 <a:latin typeface="Times New Roman"/>
                 <a:ea typeface="Times New Roman"/>
               </a:rPr>
@@ -3386,12 +4877,20 @@
             </a:r>
             <a:br>
               <a:rPr lang="ru-RU" sz="3600" spc="-1" dirty="0">
+                <a:solidFill>
+                  <a:schemeClr val="tx1"/>
+                </a:solidFill>
+                <a:effectLst/>
                 <a:latin typeface="Times New Roman"/>
                 <a:ea typeface="Times New Roman"/>
               </a:rPr>
             </a:br>
             <a:r>
               <a:rPr lang="ru-RU" sz="3600" spc="-1" dirty="0">
+                <a:solidFill>
+                  <a:schemeClr val="tx1"/>
+                </a:solidFill>
+                <a:effectLst/>
                 <a:latin typeface="Times New Roman"/>
                 <a:ea typeface="Times New Roman"/>
               </a:rPr>
@@ -3399,6 +4898,10 @@
             </a:r>
             <a:r>
               <a:rPr lang="ru-RU" sz="3600" spc="-1" dirty="0" smtClean="0">
+                <a:solidFill>
+                  <a:schemeClr val="tx1"/>
+                </a:solidFill>
+                <a:effectLst/>
                 <a:latin typeface="Times New Roman"/>
                 <a:ea typeface="Times New Roman"/>
               </a:rPr>
@@ -3406,6 +4909,10 @@
             </a:r>
             <a:r>
               <a:rPr lang="en-US" sz="3600" spc="-1" dirty="0" smtClean="0">
+                <a:solidFill>
+                  <a:schemeClr val="tx1"/>
+                </a:solidFill>
+                <a:effectLst/>
                 <a:latin typeface="Times New Roman"/>
                 <a:ea typeface="Times New Roman"/>
               </a:rPr>
@@ -3413,6 +4920,10 @@
             </a:r>
             <a:r>
               <a:rPr lang="ru-RU" sz="3600" spc="-1" dirty="0" smtClean="0">
+                <a:solidFill>
+                  <a:schemeClr val="tx1"/>
+                </a:solidFill>
+                <a:effectLst/>
                 <a:latin typeface="Times New Roman"/>
                 <a:ea typeface="Times New Roman"/>
               </a:rPr>
@@ -3420,6 +4931,10 @@
             </a:r>
             <a:r>
               <a:rPr lang="en-US" sz="3600" spc="-1" dirty="0" smtClean="0">
+                <a:solidFill>
+                  <a:schemeClr val="tx1"/>
+                </a:solidFill>
+                <a:effectLst/>
                 <a:latin typeface="Times New Roman"/>
                 <a:ea typeface="Times New Roman"/>
               </a:rPr>
@@ -3427,6 +4942,10 @@
             </a:r>
             <a:r>
               <a:rPr lang="ru-RU" sz="3600" spc="-1" dirty="0" smtClean="0">
+                <a:solidFill>
+                  <a:schemeClr val="tx1"/>
+                </a:solidFill>
+                <a:effectLst/>
                 <a:latin typeface="Times New Roman"/>
                 <a:ea typeface="Times New Roman"/>
               </a:rPr>
@@ -3472,6 +4991,9 @@
             <a:pPr algn="l"/>
             <a:r>
               <a:rPr lang="ru-RU" sz="2000" spc="-1" dirty="0">
+                <a:solidFill>
+                  <a:schemeClr val="tx1"/>
+                </a:solidFill>
                 <a:latin typeface="Times New Roman"/>
                 <a:ea typeface="Times New Roman"/>
                 <a:cs typeface="+mj-cs"/>
@@ -3483,6 +5005,9 @@
             <a:pPr algn="l"/>
             <a:r>
               <a:rPr lang="ru-RU" sz="2000" spc="-1" dirty="0" smtClean="0">
+                <a:solidFill>
+                  <a:schemeClr val="tx1"/>
+                </a:solidFill>
                 <a:latin typeface="Times New Roman"/>
                 <a:ea typeface="Times New Roman"/>
                 <a:cs typeface="+mj-cs"/>
@@ -3491,6 +5016,9 @@
             </a:r>
             <a:r>
               <a:rPr lang="en-US" sz="2000" spc="-1" dirty="0" smtClean="0">
+                <a:solidFill>
+                  <a:schemeClr val="tx1"/>
+                </a:solidFill>
                 <a:latin typeface="Times New Roman"/>
                 <a:ea typeface="Times New Roman"/>
                 <a:cs typeface="+mj-cs"/>
@@ -3499,6 +5027,9 @@
             </a:r>
             <a:r>
               <a:rPr lang="ru-RU" sz="2000" spc="-1" dirty="0" err="1" smtClean="0">
+                <a:solidFill>
+                  <a:schemeClr val="tx1"/>
+                </a:solidFill>
                 <a:latin typeface="Times New Roman"/>
                 <a:ea typeface="Times New Roman"/>
                 <a:cs typeface="+mj-cs"/>
@@ -3507,6 +5038,9 @@
             </a:r>
             <a:r>
               <a:rPr lang="ru-RU" sz="2000" spc="-1" dirty="0" smtClean="0">
+                <a:solidFill>
+                  <a:schemeClr val="tx1"/>
+                </a:solidFill>
                 <a:latin typeface="Times New Roman"/>
                 <a:ea typeface="Times New Roman"/>
                 <a:cs typeface="+mj-cs"/>
@@ -3514,6 +5048,9 @@
               <a:t> 20-1</a:t>
             </a:r>
             <a:endParaRPr lang="ru-RU" sz="2000" spc="-1" dirty="0">
+              <a:solidFill>
+                <a:schemeClr val="tx1"/>
+              </a:solidFill>
               <a:latin typeface="Times New Roman"/>
               <a:ea typeface="Times New Roman"/>
               <a:cs typeface="+mj-cs"/>
@@ -3523,6 +5060,9 @@
             <a:pPr algn="l"/>
             <a:r>
               <a:rPr lang="ru-RU" sz="2000" spc="-1" dirty="0" smtClean="0">
+                <a:solidFill>
+                  <a:schemeClr val="tx1"/>
+                </a:solidFill>
                 <a:latin typeface="Times New Roman"/>
                 <a:ea typeface="Times New Roman"/>
                 <a:cs typeface="+mj-cs"/>
@@ -3530,6 +5070,9 @@
               <a:t>Якименко Илья Сергеевич</a:t>
             </a:r>
             <a:endParaRPr lang="ru-RU" sz="2000" spc="-1" dirty="0">
+              <a:solidFill>
+                <a:schemeClr val="tx1"/>
+              </a:solidFill>
               <a:latin typeface="Times New Roman"/>
               <a:ea typeface="Times New Roman"/>
               <a:cs typeface="+mj-cs"/>
@@ -4210,93 +5753,26 @@
       </p:grpSpPr>
       <p:sp>
         <p:nvSpPr>
-          <p:cNvPr id="2" name="Заголовок 1"/>
-          <p:cNvSpPr>
-            <a:spLocks noGrp="1"/>
-          </p:cNvSpPr>
-          <p:nvPr>
-            <p:ph type="title"/>
-          </p:nvPr>
-        </p:nvSpPr>
-        <p:spPr>
-          <a:xfrm>
-            <a:off x="838200" y="151765"/>
-            <a:ext cx="10515600" cy="1325563"/>
-          </a:xfrm>
-        </p:spPr>
+          <p:cNvPr id="4" name="Нижний колонтитул 3"/>
+          <p:cNvSpPr>
+            <a:spLocks noGrp="1"/>
+          </p:cNvSpPr>
+          <p:nvPr>
+            <p:ph type="ftr" sz="quarter" idx="11"/>
+          </p:nvPr>
+        </p:nvSpPr>
+        <p:spPr/>
         <p:txBody>
           <a:bodyPr/>
           <a:lstStyle/>
           <a:p>
-            <a:r>
-              <a:rPr lang="ru-RU" dirty="0" smtClean="0"/>
-              <a:t>Используемые классы</a:t>
-            </a:r>
-            <a:endParaRPr lang="ru-RU" dirty="0"/>
-          </a:p>
-        </p:txBody>
-      </p:sp>
-      <p:sp>
-        <p:nvSpPr>
-          <p:cNvPr id="3" name="Объект 2"/>
-          <p:cNvSpPr>
-            <a:spLocks noGrp="1"/>
-          </p:cNvSpPr>
-          <p:nvPr>
-            <p:ph idx="1"/>
-          </p:nvPr>
-        </p:nvSpPr>
-        <p:spPr>
-          <a:xfrm>
-            <a:off x="1343926" y="1797998"/>
-            <a:ext cx="4134853" cy="4351338"/>
-          </a:xfrm>
-        </p:spPr>
-        <p:txBody>
-          <a:bodyPr/>
-          <a:lstStyle/>
-          <a:p>
-            <a:pPr marL="0" indent="0">
-              <a:buNone/>
-            </a:pPr>
-            <a:r>
-              <a:rPr lang="ru-RU" dirty="0" smtClean="0"/>
-              <a:t>В работе насчитывается 15 классов, главным из которых является класс </a:t>
-            </a:r>
-            <a:r>
-              <a:rPr lang="en-US" dirty="0" smtClean="0"/>
-              <a:t>Player</a:t>
-            </a:r>
-            <a:r>
-              <a:rPr lang="ru-RU" dirty="0" smtClean="0"/>
-              <a:t>, осуществляющий контроль за состоянием игры (пауза и окончание) и выполняющий соответствующие действия в каждой из ситуаций.</a:t>
-            </a:r>
-            <a:endParaRPr lang="ru-RU" dirty="0"/>
-          </a:p>
-        </p:txBody>
-      </p:sp>
-      <p:sp>
-        <p:nvSpPr>
-          <p:cNvPr id="4" name="Нижний колонтитул 3"/>
-          <p:cNvSpPr>
-            <a:spLocks noGrp="1"/>
-          </p:cNvSpPr>
-          <p:nvPr>
-            <p:ph type="ftr" sz="quarter" idx="11"/>
-          </p:nvPr>
-        </p:nvSpPr>
-        <p:spPr/>
-        <p:txBody>
-          <a:bodyPr/>
-          <a:lstStyle/>
-          <a:p>
             <a:endParaRPr lang="ru-RU"/>
           </a:p>
         </p:txBody>
       </p:sp>
       <p:sp>
         <p:nvSpPr>
-          <p:cNvPr id="5" name="Номер слайда 4"/>
+          <p:cNvPr id="6" name="Номер слайда 5"/>
           <p:cNvSpPr>
             <a:spLocks noGrp="1"/>
           </p:cNvSpPr>
@@ -4317,38 +5793,223 @@
           </a:p>
         </p:txBody>
       </p:sp>
+      <p:sp>
+        <p:nvSpPr>
+          <p:cNvPr id="2" name="Заголовок 1"/>
+          <p:cNvSpPr>
+            <a:spLocks noGrp="1"/>
+          </p:cNvSpPr>
+          <p:nvPr>
+            <p:ph type="title"/>
+          </p:nvPr>
+        </p:nvSpPr>
+        <p:spPr>
+          <a:xfrm>
+            <a:off x="335360" y="191549"/>
+            <a:ext cx="5341329" cy="1224136"/>
+          </a:xfrm>
+        </p:spPr>
+        <p:txBody>
+          <a:bodyPr/>
+          <a:lstStyle/>
+          <a:p>
+            <a:r>
+              <a:rPr lang="ru-RU" dirty="0" smtClean="0">
+                <a:solidFill>
+                  <a:schemeClr val="tx1"/>
+                </a:solidFill>
+                <a:effectLst/>
+              </a:rPr>
+              <a:t>Игровой процесс</a:t>
+            </a:r>
+            <a:endParaRPr lang="ru-RU" dirty="0">
+              <a:solidFill>
+                <a:schemeClr val="tx1"/>
+              </a:solidFill>
+              <a:effectLst/>
+            </a:endParaRPr>
+          </a:p>
+        </p:txBody>
+      </p:sp>
+      <p:sp>
+        <p:nvSpPr>
+          <p:cNvPr id="3" name="Объект 2"/>
+          <p:cNvSpPr>
+            <a:spLocks noGrp="1"/>
+          </p:cNvSpPr>
+          <p:nvPr>
+            <p:ph idx="1"/>
+          </p:nvPr>
+        </p:nvSpPr>
+        <p:spPr>
+          <a:xfrm>
+            <a:off x="838200" y="1825625"/>
+            <a:ext cx="4567989" cy="4351338"/>
+          </a:xfrm>
+        </p:spPr>
+        <p:txBody>
+          <a:bodyPr>
+            <a:normAutofit fontScale="85000" lnSpcReduction="20000"/>
+          </a:bodyPr>
+          <a:lstStyle/>
+          <a:p>
+            <a:pPr marL="0" indent="0" algn="just">
+              <a:buNone/>
+            </a:pPr>
+            <a:r>
+              <a:rPr lang="ru-RU" dirty="0" err="1" smtClean="0">
+                <a:solidFill>
+                  <a:schemeClr val="tx1"/>
+                </a:solidFill>
+              </a:rPr>
+              <a:t>Геймплей</a:t>
+            </a:r>
+            <a:r>
+              <a:rPr lang="ru-RU" dirty="0" smtClean="0">
+                <a:solidFill>
+                  <a:schemeClr val="tx1"/>
+                </a:solidFill>
+              </a:rPr>
+              <a:t> игры заключается в уничтожении противников, постоянно надвигающихся на игрока. Чем быстрее игроку удается уничтожать врагов, тем больше очков он получает. Задача игрока состоит в наборе наибольшего количества этих баллов до тех пор, пока он может сдерживать натиск противников.</a:t>
+            </a:r>
+            <a:endParaRPr lang="ru-RU" dirty="0">
+              <a:solidFill>
+                <a:schemeClr val="tx1"/>
+              </a:solidFill>
+            </a:endParaRPr>
+          </a:p>
+        </p:txBody>
+      </p:sp>
       <p:pic>
         <p:nvPicPr>
-          <p:cNvPr id="6" name="Рисунок 5"/>
-          <p:cNvPicPr/>
+          <p:cNvPr id="3074" name="Picture 2" descr="Screenshot_2023-05-02-02-16-12-131_com"/>
+          <p:cNvPicPr>
+            <a:picLocks noChangeAspect="1" noChangeArrowheads="1"/>
+          </p:cNvPicPr>
           <p:nvPr/>
         </p:nvPicPr>
         <p:blipFill>
-          <a:blip r:embed="rId2"/>
+          <a:blip r:embed="rId2" cstate="print">
+            <a:extLst>
+              <a:ext uri="{28A0092B-C50C-407E-A947-70E740481C1C}">
+                <a14:useLocalDpi xmlns:a14="http://schemas.microsoft.com/office/drawing/2010/main" val="0"/>
+              </a:ext>
+            </a:extLst>
+          </a:blip>
+          <a:srcRect/>
           <a:stretch>
             <a:fillRect/>
           </a:stretch>
         </p:blipFill>
-        <p:spPr>
+        <p:spPr bwMode="auto">
           <a:xfrm>
-            <a:off x="6918959" y="259080"/>
-            <a:ext cx="3992881" cy="6210927"/>
+            <a:off x="8645935" y="599182"/>
+            <a:ext cx="2571169" cy="5577779"/>
           </a:xfrm>
           <a:prstGeom prst="rect">
             <a:avLst/>
           </a:prstGeom>
+          <a:noFill/>
+          <a:ln>
+            <a:noFill/>
+          </a:ln>
+          <a:extLst>
+            <a:ext uri="{909E8E84-426E-40DD-AFC4-6F175D3DCCD1}">
+              <a14:hiddenFill xmlns:a14="http://schemas.microsoft.com/office/drawing/2010/main">
+                <a:solidFill>
+                  <a:srgbClr val="FFFFFF"/>
+                </a:solidFill>
+              </a14:hiddenFill>
+            </a:ext>
+            <a:ext uri="{91240B29-F687-4F45-9708-019B960494DF}">
+              <a14:hiddenLine xmlns:a14="http://schemas.microsoft.com/office/drawing/2010/main" w="9525">
+                <a:solidFill>
+                  <a:srgbClr val="000000"/>
+                </a:solidFill>
+                <a:miter lim="800000"/>
+                <a:headEnd/>
+                <a:tailEnd/>
+              </a14:hiddenLine>
+            </a:ext>
+          </a:extLst>
+        </p:spPr>
+      </p:pic>
+      <p:pic>
+        <p:nvPicPr>
+          <p:cNvPr id="1026" name="Picture 2" descr="Screenshot_2023-05-02-02-13-00-154_com"/>
+          <p:cNvPicPr>
+            <a:picLocks noChangeAspect="1" noChangeArrowheads="1"/>
+          </p:cNvPicPr>
+          <p:nvPr/>
+        </p:nvPicPr>
+        <p:blipFill>
+          <a:blip r:embed="rId3" cstate="print">
+            <a:extLst>
+              <a:ext uri="{28A0092B-C50C-407E-A947-70E740481C1C}">
+                <a14:useLocalDpi xmlns:a14="http://schemas.microsoft.com/office/drawing/2010/main" val="0"/>
+              </a:ext>
+            </a:extLst>
+          </a:blip>
+          <a:srcRect/>
+          <a:stretch>
+            <a:fillRect/>
+          </a:stretch>
+        </p:blipFill>
+        <p:spPr bwMode="auto">
+          <a:xfrm>
+            <a:off x="5837382" y="599182"/>
+            <a:ext cx="2575621" cy="5577779"/>
+          </a:xfrm>
+          <a:prstGeom prst="rect">
+            <a:avLst/>
+          </a:prstGeom>
+          <a:noFill/>
+          <a:ln>
+            <a:noFill/>
+          </a:ln>
+          <a:extLst>
+            <a:ext uri="{909E8E84-426E-40DD-AFC4-6F175D3DCCD1}">
+              <a14:hiddenFill xmlns:a14="http://schemas.microsoft.com/office/drawing/2010/main">
+                <a:solidFill>
+                  <a:srgbClr val="FFFFFF"/>
+                </a:solidFill>
+              </a14:hiddenFill>
+            </a:ext>
+            <a:ext uri="{91240B29-F687-4F45-9708-019B960494DF}">
+              <a14:hiddenLine xmlns:a14="http://schemas.microsoft.com/office/drawing/2010/main" w="9525">
+                <a:solidFill>
+                  <a:srgbClr val="000000"/>
+                </a:solidFill>
+                <a:miter lim="800000"/>
+                <a:headEnd/>
+                <a:tailEnd/>
+              </a14:hiddenLine>
+            </a:ext>
+          </a:extLst>
         </p:spPr>
       </p:pic>
     </p:spTree>
     <p:extLst>
       <p:ext uri="{BB962C8B-B14F-4D97-AF65-F5344CB8AC3E}">
-        <p14:creationId xmlns:p14="http://schemas.microsoft.com/office/powerpoint/2010/main" val="1843029262"/>
+        <p14:creationId xmlns:p14="http://schemas.microsoft.com/office/powerpoint/2010/main" val="1262966666"/>
       </p:ext>
     </p:extLst>
   </p:cSld>
   <p:clrMapOvr>
     <a:masterClrMapping/>
   </p:clrMapOvr>
+  <mc:AlternateContent xmlns:mc="http://schemas.openxmlformats.org/markup-compatibility/2006" xmlns:p14="http://schemas.microsoft.com/office/powerpoint/2010/main">
+    <mc:Choice Requires="p14">
+      <p:transition spd="med" p14:dur="700">
+        <p:fade/>
+      </p:transition>
+    </mc:Choice>
+    <mc:Fallback xmlns="">
+      <p:transition spd="med">
+        <p:fade/>
+      </p:transition>
+    </mc:Fallback>
+  </mc:AlternateContent>
   <p:timing>
     <p:tnLst>
       <p:par>
@@ -4378,12 +6039,12 @@
       </p:grpSpPr>
       <p:sp>
         <p:nvSpPr>
-          <p:cNvPr id="2" name="Заголовок 1"/>
-          <p:cNvSpPr>
-            <a:spLocks noGrp="1"/>
-          </p:cNvSpPr>
-          <p:nvPr>
-            <p:ph type="title"/>
+          <p:cNvPr id="4" name="Нижний колонтитул 3"/>
+          <p:cNvSpPr>
+            <a:spLocks noGrp="1"/>
+          </p:cNvSpPr>
+          <p:nvPr>
+            <p:ph type="ftr" sz="quarter" idx="11"/>
           </p:nvPr>
         </p:nvSpPr>
         <p:spPr/>
@@ -4391,112 +6052,13 @@
           <a:bodyPr/>
           <a:lstStyle/>
           <a:p>
-            <a:r>
-              <a:rPr lang="ru-RU" dirty="0" smtClean="0"/>
-              <a:t>Достоинства разработки</a:t>
-            </a:r>
-            <a:endParaRPr lang="ru-RU" dirty="0"/>
-          </a:p>
-        </p:txBody>
-      </p:sp>
-      <p:sp>
-        <p:nvSpPr>
-          <p:cNvPr id="3" name="Объект 2"/>
-          <p:cNvSpPr>
-            <a:spLocks noGrp="1"/>
-          </p:cNvSpPr>
-          <p:nvPr>
-            <p:ph idx="1"/>
-          </p:nvPr>
-        </p:nvSpPr>
-        <p:spPr>
-          <a:xfrm>
-            <a:off x="838200" y="1825625"/>
-            <a:ext cx="5787189" cy="4351338"/>
-          </a:xfrm>
-        </p:spPr>
-        <p:txBody>
-          <a:bodyPr/>
-          <a:lstStyle/>
-          <a:p>
-            <a:pPr marL="514350" indent="-514350">
-              <a:buAutoNum type="arabicPeriod"/>
-            </a:pPr>
-            <a:r>
-              <a:rPr lang="ru-RU" dirty="0" smtClean="0"/>
-              <a:t>Приложение использует виртуальную реальность в качестве основной технологии</a:t>
-            </a:r>
-          </a:p>
-          <a:p>
-            <a:pPr marL="514350" indent="-514350">
-              <a:buAutoNum type="arabicPeriod"/>
-            </a:pPr>
-            <a:r>
-              <a:rPr lang="ru-RU" dirty="0" smtClean="0"/>
-              <a:t>Приложение было создано без применения плагинов</a:t>
-            </a:r>
-            <a:r>
-              <a:rPr lang="ru-RU" dirty="0" smtClean="0"/>
-              <a:t> или </a:t>
-            </a:r>
-            <a:r>
-              <a:rPr lang="en-US" dirty="0" smtClean="0"/>
-              <a:t>SDK</a:t>
-            </a:r>
-            <a:r>
-              <a:rPr lang="ru-RU" dirty="0" smtClean="0"/>
-              <a:t>, сокращающих количество совместимых устройств</a:t>
-            </a:r>
-            <a:endParaRPr lang="ru-RU" dirty="0"/>
-          </a:p>
-        </p:txBody>
-      </p:sp>
-      <p:pic>
-        <p:nvPicPr>
-          <p:cNvPr id="4" name="Рисунок 3"/>
-          <p:cNvPicPr>
-            <a:picLocks noChangeAspect="1"/>
-          </p:cNvPicPr>
-          <p:nvPr/>
-        </p:nvPicPr>
-        <p:blipFill>
-          <a:blip r:embed="rId2"/>
-          <a:stretch>
-            <a:fillRect/>
-          </a:stretch>
-        </p:blipFill>
-        <p:spPr>
-          <a:xfrm>
-            <a:off x="7275256" y="1825625"/>
-            <a:ext cx="3777755" cy="4061796"/>
-          </a:xfrm>
-          <a:prstGeom prst="rect">
-            <a:avLst/>
-          </a:prstGeom>
-        </p:spPr>
-      </p:pic>
-      <p:sp>
-        <p:nvSpPr>
-          <p:cNvPr id="5" name="Нижний колонтитул 4"/>
-          <p:cNvSpPr>
-            <a:spLocks noGrp="1"/>
-          </p:cNvSpPr>
-          <p:nvPr>
-            <p:ph type="ftr" sz="quarter" idx="11"/>
-          </p:nvPr>
-        </p:nvSpPr>
-        <p:spPr/>
-        <p:txBody>
-          <a:bodyPr/>
-          <a:lstStyle/>
-          <a:p>
             <a:endParaRPr lang="ru-RU"/>
           </a:p>
         </p:txBody>
       </p:sp>
       <p:sp>
         <p:nvSpPr>
-          <p:cNvPr id="6" name="Номер слайда 5"/>
+          <p:cNvPr id="5" name="Номер слайда 4"/>
           <p:cNvSpPr>
             <a:spLocks noGrp="1"/>
           </p:cNvSpPr>
@@ -4517,43 +6079,6 @@
           </a:p>
         </p:txBody>
       </p:sp>
-    </p:spTree>
-    <p:extLst>
-      <p:ext uri="{BB962C8B-B14F-4D97-AF65-F5344CB8AC3E}">
-        <p14:creationId xmlns:p14="http://schemas.microsoft.com/office/powerpoint/2010/main" val="2372452343"/>
-      </p:ext>
-    </p:extLst>
-  </p:cSld>
-  <p:clrMapOvr>
-    <a:masterClrMapping/>
-  </p:clrMapOvr>
-  <p:timing>
-    <p:tnLst>
-      <p:par>
-        <p:cTn id="1" dur="indefinite" restart="never" nodeType="tmRoot"/>
-      </p:par>
-    </p:tnLst>
-  </p:timing>
-</p:sld>
-</file>
-
-<file path=ppt/slides/slide12.xml><?xml version="1.0" encoding="utf-8"?>
-<p:sld xmlns:a="http://schemas.openxmlformats.org/drawingml/2006/main" xmlns:r="http://schemas.openxmlformats.org/officeDocument/2006/relationships" xmlns:p="http://schemas.openxmlformats.org/presentationml/2006/main">
-  <p:cSld>
-    <p:spTree>
-      <p:nvGrpSpPr>
-        <p:cNvPr id="1" name=""/>
-        <p:cNvGrpSpPr/>
-        <p:nvPr/>
-      </p:nvGrpSpPr>
-      <p:grpSpPr>
-        <a:xfrm>
-          <a:off x="0" y="0"/>
-          <a:ext cx="0" cy="0"/>
-          <a:chOff x="0" y="0"/>
-          <a:chExt cx="0" cy="0"/>
-        </a:xfrm>
-      </p:grpSpPr>
       <p:sp>
         <p:nvSpPr>
           <p:cNvPr id="2" name="Заголовок 1"/>
@@ -4564,16 +6089,31 @@
             <p:ph type="title"/>
           </p:nvPr>
         </p:nvSpPr>
-        <p:spPr/>
+        <p:spPr>
+          <a:xfrm>
+            <a:off x="335360" y="191549"/>
+            <a:ext cx="5760640" cy="1224136"/>
+          </a:xfrm>
+        </p:spPr>
         <p:txBody>
           <a:bodyPr/>
           <a:lstStyle/>
           <a:p>
             <a:r>
-              <a:rPr lang="ru-RU" dirty="0" smtClean="0"/>
+              <a:rPr lang="ru-RU" dirty="0" smtClean="0">
+                <a:solidFill>
+                  <a:schemeClr val="tx1"/>
+                </a:solidFill>
+                <a:effectLst/>
+              </a:rPr>
               <a:t>Пояснения к работе</a:t>
             </a:r>
-            <a:endParaRPr lang="ru-RU" dirty="0"/>
+            <a:endParaRPr lang="ru-RU" dirty="0">
+              <a:solidFill>
+                <a:schemeClr val="tx1"/>
+              </a:solidFill>
+              <a:effectLst/>
+            </a:endParaRPr>
           </a:p>
         </p:txBody>
       </p:sp>
@@ -4594,14 +6134,20 @@
           </a:xfrm>
         </p:spPr>
         <p:txBody>
-          <a:bodyPr/>
+          <a:bodyPr>
+            <a:normAutofit fontScale="92500" lnSpcReduction="20000"/>
+          </a:bodyPr>
           <a:lstStyle/>
           <a:p>
             <a:pPr marL="0" indent="0" algn="just">
               <a:buNone/>
             </a:pPr>
             <a:r>
-              <a:rPr lang="ru-RU" dirty="0" smtClean="0"/>
+              <a:rPr lang="ru-RU" dirty="0" smtClean="0">
+                <a:solidFill>
+                  <a:schemeClr val="tx1"/>
+                </a:solidFill>
+              </a:rPr>
               <a:t>Основной способ управление приложением во время игровой сессии – это вращение устройства для наведения прицела на цель и нажатия на экран для ее уничтожения.</a:t>
             </a:r>
           </a:p>
@@ -4610,10 +6156,18 @@
               <a:buNone/>
             </a:pPr>
             <a:r>
-              <a:rPr lang="ru-RU" dirty="0" smtClean="0"/>
+              <a:rPr lang="ru-RU" dirty="0" smtClean="0">
+                <a:solidFill>
+                  <a:schemeClr val="tx1"/>
+                </a:solidFill>
+              </a:rPr>
               <a:t>При желании пользователь может останавливать, возобновлять, перезагружать игру, а также выходить в главное меню.</a:t>
             </a:r>
-            <a:endParaRPr lang="ru-RU" dirty="0"/>
+            <a:endParaRPr lang="ru-RU" dirty="0">
+              <a:solidFill>
+                <a:schemeClr val="tx1"/>
+              </a:solidFill>
+            </a:endParaRPr>
           </a:p>
         </p:txBody>
       </p:sp>
@@ -4704,48 +6258,6 @@
           </a:ln>
         </p:spPr>
       </p:pic>
-      <p:sp>
-        <p:nvSpPr>
-          <p:cNvPr id="4" name="Нижний колонтитул 3"/>
-          <p:cNvSpPr>
-            <a:spLocks noGrp="1"/>
-          </p:cNvSpPr>
-          <p:nvPr>
-            <p:ph type="ftr" sz="quarter" idx="11"/>
-          </p:nvPr>
-        </p:nvSpPr>
-        <p:spPr/>
-        <p:txBody>
-          <a:bodyPr/>
-          <a:lstStyle/>
-          <a:p>
-            <a:endParaRPr lang="ru-RU"/>
-          </a:p>
-        </p:txBody>
-      </p:sp>
-      <p:sp>
-        <p:nvSpPr>
-          <p:cNvPr id="5" name="Номер слайда 4"/>
-          <p:cNvSpPr>
-            <a:spLocks noGrp="1"/>
-          </p:cNvSpPr>
-          <p:nvPr>
-            <p:ph type="sldNum" sz="quarter" idx="12"/>
-          </p:nvPr>
-        </p:nvSpPr>
-        <p:spPr/>
-        <p:txBody>
-          <a:bodyPr/>
-          <a:lstStyle/>
-          <a:p>
-            <a:fld id="{EB5D16D0-C52B-4A38-89D5-05CED3AB676C}" type="slidenum">
-              <a:rPr lang="ru-RU" smtClean="0"/>
-              <a:t>12</a:t>
-            </a:fld>
-            <a:endParaRPr lang="ru-RU"/>
-          </a:p>
-        </p:txBody>
-      </p:sp>
     </p:spTree>
     <p:extLst>
       <p:ext uri="{BB962C8B-B14F-4D97-AF65-F5344CB8AC3E}">
@@ -4756,6 +6268,241 @@
   <p:clrMapOvr>
     <a:masterClrMapping/>
   </p:clrMapOvr>
+  <mc:AlternateContent xmlns:mc="http://schemas.openxmlformats.org/markup-compatibility/2006" xmlns:p14="http://schemas.microsoft.com/office/powerpoint/2010/main">
+    <mc:Choice Requires="p14">
+      <p:transition spd="med" p14:dur="700">
+        <p:fade/>
+      </p:transition>
+    </mc:Choice>
+    <mc:Fallback xmlns="">
+      <p:transition spd="med">
+        <p:fade/>
+      </p:transition>
+    </mc:Fallback>
+  </mc:AlternateContent>
+  <p:timing>
+    <p:tnLst>
+      <p:par>
+        <p:cTn id="1" dur="indefinite" restart="never" nodeType="tmRoot"/>
+      </p:par>
+    </p:tnLst>
+  </p:timing>
+</p:sld>
+</file>
+
+<file path=ppt/slides/slide12.xml><?xml version="1.0" encoding="utf-8"?>
+<p:sld xmlns:a="http://schemas.openxmlformats.org/drawingml/2006/main" xmlns:r="http://schemas.openxmlformats.org/officeDocument/2006/relationships" xmlns:p="http://schemas.openxmlformats.org/presentationml/2006/main">
+  <p:cSld>
+    <p:spTree>
+      <p:nvGrpSpPr>
+        <p:cNvPr id="1" name=""/>
+        <p:cNvGrpSpPr/>
+        <p:nvPr/>
+      </p:nvGrpSpPr>
+      <p:grpSpPr>
+        <a:xfrm>
+          <a:off x="0" y="0"/>
+          <a:ext cx="0" cy="0"/>
+          <a:chOff x="0" y="0"/>
+          <a:chExt cx="0" cy="0"/>
+        </a:xfrm>
+      </p:grpSpPr>
+      <p:sp>
+        <p:nvSpPr>
+          <p:cNvPr id="5" name="Нижний колонтитул 4"/>
+          <p:cNvSpPr>
+            <a:spLocks noGrp="1"/>
+          </p:cNvSpPr>
+          <p:nvPr>
+            <p:ph type="ftr" sz="quarter" idx="11"/>
+          </p:nvPr>
+        </p:nvSpPr>
+        <p:spPr/>
+        <p:txBody>
+          <a:bodyPr/>
+          <a:lstStyle/>
+          <a:p>
+            <a:endParaRPr lang="ru-RU"/>
+          </a:p>
+        </p:txBody>
+      </p:sp>
+      <p:sp>
+        <p:nvSpPr>
+          <p:cNvPr id="6" name="Номер слайда 5"/>
+          <p:cNvSpPr>
+            <a:spLocks noGrp="1"/>
+          </p:cNvSpPr>
+          <p:nvPr>
+            <p:ph type="sldNum" sz="quarter" idx="12"/>
+          </p:nvPr>
+        </p:nvSpPr>
+        <p:spPr/>
+        <p:txBody>
+          <a:bodyPr/>
+          <a:lstStyle/>
+          <a:p>
+            <a:fld id="{EB5D16D0-C52B-4A38-89D5-05CED3AB676C}" type="slidenum">
+              <a:rPr lang="ru-RU" smtClean="0"/>
+              <a:t>12</a:t>
+            </a:fld>
+            <a:endParaRPr lang="ru-RU"/>
+          </a:p>
+        </p:txBody>
+      </p:sp>
+      <p:sp>
+        <p:nvSpPr>
+          <p:cNvPr id="2" name="Заголовок 1"/>
+          <p:cNvSpPr>
+            <a:spLocks noGrp="1"/>
+          </p:cNvSpPr>
+          <p:nvPr>
+            <p:ph type="title"/>
+          </p:nvPr>
+        </p:nvSpPr>
+        <p:spPr>
+          <a:xfrm>
+            <a:off x="335360" y="191549"/>
+            <a:ext cx="6290029" cy="1224136"/>
+          </a:xfrm>
+        </p:spPr>
+        <p:txBody>
+          <a:bodyPr/>
+          <a:lstStyle/>
+          <a:p>
+            <a:r>
+              <a:rPr lang="ru-RU" dirty="0" smtClean="0">
+                <a:solidFill>
+                  <a:schemeClr val="tx1"/>
+                </a:solidFill>
+                <a:effectLst/>
+              </a:rPr>
+              <a:t>Достоинства разработки</a:t>
+            </a:r>
+            <a:endParaRPr lang="ru-RU" dirty="0">
+              <a:solidFill>
+                <a:schemeClr val="tx1"/>
+              </a:solidFill>
+              <a:effectLst/>
+            </a:endParaRPr>
+          </a:p>
+        </p:txBody>
+      </p:sp>
+      <p:sp>
+        <p:nvSpPr>
+          <p:cNvPr id="3" name="Объект 2"/>
+          <p:cNvSpPr>
+            <a:spLocks noGrp="1"/>
+          </p:cNvSpPr>
+          <p:nvPr>
+            <p:ph idx="1"/>
+          </p:nvPr>
+        </p:nvSpPr>
+        <p:spPr>
+          <a:xfrm>
+            <a:off x="838200" y="1825625"/>
+            <a:ext cx="5787189" cy="4351338"/>
+          </a:xfrm>
+        </p:spPr>
+        <p:txBody>
+          <a:bodyPr>
+            <a:normAutofit lnSpcReduction="10000"/>
+          </a:bodyPr>
+          <a:lstStyle/>
+          <a:p>
+            <a:pPr marL="514350" indent="-514350">
+              <a:buAutoNum type="arabicPeriod"/>
+            </a:pPr>
+            <a:r>
+              <a:rPr lang="ru-RU" dirty="0" smtClean="0">
+                <a:solidFill>
+                  <a:schemeClr val="tx1"/>
+                </a:solidFill>
+              </a:rPr>
+              <a:t>Приложение использует виртуальную реальность в качестве основной технологии</a:t>
+            </a:r>
+          </a:p>
+          <a:p>
+            <a:pPr marL="514350" indent="-514350">
+              <a:buAutoNum type="arabicPeriod"/>
+            </a:pPr>
+            <a:r>
+              <a:rPr lang="ru-RU" dirty="0" smtClean="0">
+                <a:solidFill>
+                  <a:schemeClr val="tx1"/>
+                </a:solidFill>
+              </a:rPr>
+              <a:t>Приложение было создано без применения плагинов или </a:t>
+            </a:r>
+            <a:r>
+              <a:rPr lang="en-US" dirty="0" smtClean="0">
+                <a:solidFill>
+                  <a:schemeClr val="tx1"/>
+                </a:solidFill>
+              </a:rPr>
+              <a:t>SDK</a:t>
+            </a:r>
+            <a:r>
+              <a:rPr lang="ru-RU" dirty="0" smtClean="0">
+                <a:solidFill>
+                  <a:schemeClr val="tx1"/>
+                </a:solidFill>
+              </a:rPr>
+              <a:t>, сокращающих количество совместимых устройств</a:t>
+            </a:r>
+            <a:endParaRPr lang="ru-RU" dirty="0">
+              <a:solidFill>
+                <a:schemeClr val="tx1"/>
+              </a:solidFill>
+            </a:endParaRPr>
+          </a:p>
+        </p:txBody>
+      </p:sp>
+      <p:pic>
+        <p:nvPicPr>
+          <p:cNvPr id="4" name="Рисунок 3"/>
+          <p:cNvPicPr>
+            <a:picLocks noChangeAspect="1"/>
+          </p:cNvPicPr>
+          <p:nvPr/>
+        </p:nvPicPr>
+        <p:blipFill>
+          <a:blip r:embed="rId2"/>
+          <a:stretch>
+            <a:fillRect/>
+          </a:stretch>
+        </p:blipFill>
+        <p:spPr>
+          <a:xfrm>
+            <a:off x="7275256" y="1825625"/>
+            <a:ext cx="3777755" cy="4061796"/>
+          </a:xfrm>
+          <a:prstGeom prst="rect">
+            <a:avLst/>
+          </a:prstGeom>
+        </p:spPr>
+      </p:pic>
+    </p:spTree>
+    <p:extLst>
+      <p:ext uri="{BB962C8B-B14F-4D97-AF65-F5344CB8AC3E}">
+        <p14:creationId xmlns:p14="http://schemas.microsoft.com/office/powerpoint/2010/main" val="2372452343"/>
+      </p:ext>
+    </p:extLst>
+  </p:cSld>
+  <p:clrMapOvr>
+    <a:masterClrMapping/>
+  </p:clrMapOvr>
+  <mc:AlternateContent xmlns:mc="http://schemas.openxmlformats.org/markup-compatibility/2006" xmlns:p14="http://schemas.microsoft.com/office/powerpoint/2010/main">
+    <mc:Choice Requires="p14">
+      <p:transition spd="med" p14:dur="700">
+        <p:fade/>
+      </p:transition>
+    </mc:Choice>
+    <mc:Fallback xmlns="">
+      <p:transition spd="med">
+        <p:fade/>
+      </p:transition>
+    </mc:Fallback>
+  </mc:AlternateContent>
   <p:timing>
     <p:tnLst>
       <p:par>
@@ -4785,12 +6532,12 @@
       </p:grpSpPr>
       <p:sp>
         <p:nvSpPr>
-          <p:cNvPr id="2" name="Заголовок 1"/>
-          <p:cNvSpPr>
-            <a:spLocks noGrp="1"/>
-          </p:cNvSpPr>
-          <p:nvPr>
-            <p:ph type="title"/>
+          <p:cNvPr id="6" name="Нижний колонтитул 5"/>
+          <p:cNvSpPr>
+            <a:spLocks noGrp="1"/>
+          </p:cNvSpPr>
+          <p:nvPr>
+            <p:ph type="ftr" sz="quarter" idx="11"/>
           </p:nvPr>
         </p:nvSpPr>
         <p:spPr/>
@@ -4798,15 +6545,77 @@
           <a:bodyPr/>
           <a:lstStyle/>
           <a:p>
-            <a:r>
-              <a:rPr lang="ru-RU" dirty="0" smtClean="0"/>
-              <a:t>Экономическая </a:t>
-            </a:r>
-            <a:r>
-              <a:rPr lang="ru-RU" dirty="0" smtClean="0"/>
+            <a:endParaRPr lang="ru-RU"/>
+          </a:p>
+        </p:txBody>
+      </p:sp>
+      <p:sp>
+        <p:nvSpPr>
+          <p:cNvPr id="7" name="Номер слайда 6"/>
+          <p:cNvSpPr>
+            <a:spLocks noGrp="1"/>
+          </p:cNvSpPr>
+          <p:nvPr>
+            <p:ph type="sldNum" sz="quarter" idx="12"/>
+          </p:nvPr>
+        </p:nvSpPr>
+        <p:spPr/>
+        <p:txBody>
+          <a:bodyPr/>
+          <a:lstStyle/>
+          <a:p>
+            <a:fld id="{EB5D16D0-C52B-4A38-89D5-05CED3AB676C}" type="slidenum">
+              <a:rPr lang="ru-RU" smtClean="0"/>
+              <a:t>13</a:t>
+            </a:fld>
+            <a:endParaRPr lang="ru-RU"/>
+          </a:p>
+        </p:txBody>
+      </p:sp>
+      <p:sp>
+        <p:nvSpPr>
+          <p:cNvPr id="2" name="Заголовок 1"/>
+          <p:cNvSpPr>
+            <a:spLocks noGrp="1"/>
+          </p:cNvSpPr>
+          <p:nvPr>
+            <p:ph type="title"/>
+          </p:nvPr>
+        </p:nvSpPr>
+        <p:spPr>
+          <a:xfrm>
+            <a:off x="335360" y="191549"/>
+            <a:ext cx="7192276" cy="1224136"/>
+          </a:xfrm>
+        </p:spPr>
+        <p:txBody>
+          <a:bodyPr/>
+          <a:lstStyle/>
+          <a:p>
+            <a:r>
+              <a:rPr lang="ru-RU" dirty="0" smtClean="0">
+                <a:solidFill>
+                  <a:schemeClr val="tx1"/>
+                </a:solidFill>
+                <a:effectLst/>
+              </a:rPr>
+              <a:t>Экономические </a:t>
+            </a:r>
+            <a:r>
+              <a:rPr lang="ru-RU" dirty="0" smtClean="0">
+                <a:solidFill>
+                  <a:schemeClr val="tx1"/>
+                </a:solidFill>
+                <a:effectLst/>
+              </a:rPr>
               <a:t>перспективы</a:t>
             </a:r>
-            <a:endParaRPr lang="ru-RU" dirty="0"/>
+            <a:endParaRPr lang="ru-RU" dirty="0">
+              <a:solidFill>
+                <a:schemeClr val="tx1"/>
+              </a:solidFill>
+              <a:effectLst/>
+            </a:endParaRPr>
           </a:p>
         </p:txBody>
       </p:sp>
@@ -4827,25 +6636,43 @@
           </a:xfrm>
         </p:spPr>
         <p:txBody>
-          <a:bodyPr/>
+          <a:bodyPr>
+            <a:normAutofit fontScale="92500" lnSpcReduction="10000"/>
+          </a:bodyPr>
           <a:lstStyle/>
           <a:p>
             <a:pPr marL="0" indent="0" algn="just">
               <a:buNone/>
             </a:pPr>
             <a:r>
-              <a:rPr lang="ru-RU" dirty="0" smtClean="0"/>
+              <a:rPr lang="ru-RU" dirty="0" smtClean="0">
+                <a:solidFill>
+                  <a:schemeClr val="tx1"/>
+                </a:solidFill>
+              </a:rPr>
               <a:t>Разработка и поддержка подобных проектов потенциально является очень прибыльным, поскольку рынок мобильных игр продолжает оставаться самым большим в индустрии, а само создание </a:t>
             </a:r>
             <a:r>
-              <a:rPr lang="en-US" dirty="0" smtClean="0"/>
+              <a:rPr lang="en-US" dirty="0" smtClean="0">
+                <a:solidFill>
+                  <a:schemeClr val="tx1"/>
+                </a:solidFill>
+              </a:rPr>
               <a:t>AR – </a:t>
             </a:r>
             <a:r>
-              <a:rPr lang="ru-RU" dirty="0" smtClean="0"/>
+              <a:rPr lang="ru-RU" dirty="0" smtClean="0">
+                <a:solidFill>
+                  <a:schemeClr val="tx1"/>
+                </a:solidFill>
+              </a:rPr>
               <a:t>игр относительно дешево.</a:t>
             </a:r>
-            <a:endParaRPr lang="ru-RU" dirty="0"/>
+            <a:endParaRPr lang="ru-RU" dirty="0">
+              <a:solidFill>
+                <a:schemeClr val="tx1"/>
+              </a:solidFill>
+            </a:endParaRPr>
           </a:p>
         </p:txBody>
       </p:sp>
@@ -4903,48 +6730,6 @@
           </a:p>
         </p:txBody>
       </p:sp>
-      <p:sp>
-        <p:nvSpPr>
-          <p:cNvPr id="6" name="Нижний колонтитул 5"/>
-          <p:cNvSpPr>
-            <a:spLocks noGrp="1"/>
-          </p:cNvSpPr>
-          <p:nvPr>
-            <p:ph type="ftr" sz="quarter" idx="11"/>
-          </p:nvPr>
-        </p:nvSpPr>
-        <p:spPr/>
-        <p:txBody>
-          <a:bodyPr/>
-          <a:lstStyle/>
-          <a:p>
-            <a:endParaRPr lang="ru-RU"/>
-          </a:p>
-        </p:txBody>
-      </p:sp>
-      <p:sp>
-        <p:nvSpPr>
-          <p:cNvPr id="7" name="Номер слайда 6"/>
-          <p:cNvSpPr>
-            <a:spLocks noGrp="1"/>
-          </p:cNvSpPr>
-          <p:nvPr>
-            <p:ph type="sldNum" sz="quarter" idx="12"/>
-          </p:nvPr>
-        </p:nvSpPr>
-        <p:spPr/>
-        <p:txBody>
-          <a:bodyPr/>
-          <a:lstStyle/>
-          <a:p>
-            <a:fld id="{EB5D16D0-C52B-4A38-89D5-05CED3AB676C}" type="slidenum">
-              <a:rPr lang="ru-RU" smtClean="0"/>
-              <a:t>13</a:t>
-            </a:fld>
-            <a:endParaRPr lang="ru-RU"/>
-          </a:p>
-        </p:txBody>
-      </p:sp>
     </p:spTree>
     <p:extLst>
       <p:ext uri="{BB962C8B-B14F-4D97-AF65-F5344CB8AC3E}">
@@ -4955,6 +6740,18 @@
   <p:clrMapOvr>
     <a:masterClrMapping/>
   </p:clrMapOvr>
+  <mc:AlternateContent xmlns:mc="http://schemas.openxmlformats.org/markup-compatibility/2006" xmlns:p14="http://schemas.microsoft.com/office/powerpoint/2010/main">
+    <mc:Choice Requires="p14">
+      <p:transition spd="med" p14:dur="700">
+        <p:fade/>
+      </p:transition>
+    </mc:Choice>
+    <mc:Fallback xmlns="">
+      <p:transition spd="med">
+        <p:fade/>
+      </p:transition>
+    </mc:Fallback>
+  </mc:AlternateContent>
   <p:timing>
     <p:tnLst>
       <p:par>
@@ -4984,89 +6781,6 @@
       </p:grpSpPr>
       <p:sp>
         <p:nvSpPr>
-          <p:cNvPr id="2" name="Заголовок 1"/>
-          <p:cNvSpPr>
-            <a:spLocks noGrp="1"/>
-          </p:cNvSpPr>
-          <p:nvPr>
-            <p:ph type="title"/>
-          </p:nvPr>
-        </p:nvSpPr>
-        <p:spPr/>
-        <p:txBody>
-          <a:bodyPr/>
-          <a:lstStyle/>
-          <a:p>
-            <a:r>
-              <a:rPr lang="ru-RU" dirty="0" smtClean="0"/>
-              <a:t>Анализ результатов работы</a:t>
-            </a:r>
-            <a:endParaRPr lang="ru-RU" dirty="0"/>
-          </a:p>
-        </p:txBody>
-      </p:sp>
-      <p:sp>
-        <p:nvSpPr>
-          <p:cNvPr id="3" name="Объект 2"/>
-          <p:cNvSpPr>
-            <a:spLocks noGrp="1"/>
-          </p:cNvSpPr>
-          <p:nvPr>
-            <p:ph idx="1"/>
-          </p:nvPr>
-        </p:nvSpPr>
-        <p:spPr/>
-        <p:txBody>
-          <a:bodyPr/>
-          <a:lstStyle/>
-          <a:p>
-            <a:pPr marL="514350" indent="-514350">
-              <a:buAutoNum type="arabicPeriod"/>
-            </a:pPr>
-            <a:r>
-              <a:rPr lang="ru-RU" dirty="0" smtClean="0"/>
-              <a:t>В ходе изучения предметной области применения </a:t>
-            </a:r>
-            <a:r>
-              <a:rPr lang="en-US" dirty="0" smtClean="0"/>
-              <a:t>AR </a:t>
-            </a:r>
-            <a:r>
-              <a:rPr lang="ru-RU" dirty="0" smtClean="0"/>
-              <a:t>в видеоиграх были выявлены проблемы данной сферы.</a:t>
-            </a:r>
-          </a:p>
-          <a:p>
-            <a:pPr marL="514350" indent="-514350">
-              <a:buAutoNum type="arabicPeriod"/>
-            </a:pPr>
-            <a:r>
-              <a:rPr lang="ru-RU" dirty="0" smtClean="0"/>
-              <a:t>После выявления проблем была предложена концепция способа их решений в виде создания приложений, являющихся достойными примерами использования дополненной реальности.</a:t>
-            </a:r>
-          </a:p>
-          <a:p>
-            <a:pPr marL="514350" indent="-514350">
-              <a:buAutoNum type="arabicPeriod"/>
-            </a:pPr>
-            <a:r>
-              <a:rPr lang="ru-RU" dirty="0" smtClean="0"/>
-              <a:t>В результате проектной деятельности была разработана программа с использованием </a:t>
-            </a:r>
-            <a:r>
-              <a:rPr lang="en-US" dirty="0" smtClean="0"/>
-              <a:t>AR</a:t>
-            </a:r>
-            <a:r>
-              <a:rPr lang="ru-RU" dirty="0" smtClean="0"/>
-              <a:t>, отвечающая всем изначальным требованиям.</a:t>
-            </a:r>
-            <a:endParaRPr lang="ru-RU" dirty="0"/>
-          </a:p>
-        </p:txBody>
-      </p:sp>
-      <p:sp>
-        <p:nvSpPr>
           <p:cNvPr id="4" name="Нижний колонтитул 3"/>
           <p:cNvSpPr>
             <a:spLocks noGrp="1"/>
@@ -5104,6 +6818,133 @@
               <a:t>14</a:t>
             </a:fld>
             <a:endParaRPr lang="ru-RU"/>
+          </a:p>
+        </p:txBody>
+      </p:sp>
+      <p:sp>
+        <p:nvSpPr>
+          <p:cNvPr id="2" name="Заголовок 1"/>
+          <p:cNvSpPr>
+            <a:spLocks noGrp="1"/>
+          </p:cNvSpPr>
+          <p:nvPr>
+            <p:ph type="title"/>
+          </p:nvPr>
+        </p:nvSpPr>
+        <p:spPr/>
+        <p:txBody>
+          <a:bodyPr/>
+          <a:lstStyle/>
+          <a:p>
+            <a:r>
+              <a:rPr lang="ru-RU" dirty="0" smtClean="0">
+                <a:solidFill>
+                  <a:schemeClr val="tx1"/>
+                </a:solidFill>
+                <a:effectLst/>
+              </a:rPr>
+              <a:t>Анализ результатов работы</a:t>
+            </a:r>
+            <a:endParaRPr lang="ru-RU" dirty="0">
+              <a:solidFill>
+                <a:schemeClr val="tx1"/>
+              </a:solidFill>
+              <a:effectLst/>
+            </a:endParaRPr>
+          </a:p>
+        </p:txBody>
+      </p:sp>
+      <p:sp>
+        <p:nvSpPr>
+          <p:cNvPr id="3" name="Объект 2"/>
+          <p:cNvSpPr>
+            <a:spLocks noGrp="1"/>
+          </p:cNvSpPr>
+          <p:nvPr>
+            <p:ph idx="1"/>
+          </p:nvPr>
+        </p:nvSpPr>
+        <p:spPr/>
+        <p:txBody>
+          <a:bodyPr>
+            <a:normAutofit lnSpcReduction="10000"/>
+          </a:bodyPr>
+          <a:lstStyle/>
+          <a:p>
+            <a:pPr marL="514350" indent="-514350">
+              <a:buAutoNum type="arabicPeriod"/>
+            </a:pPr>
+            <a:r>
+              <a:rPr lang="ru-RU" dirty="0" smtClean="0">
+                <a:solidFill>
+                  <a:schemeClr val="tx1"/>
+                </a:solidFill>
+              </a:rPr>
+              <a:t>В ходе изучения предметной области применения </a:t>
+            </a:r>
+            <a:r>
+              <a:rPr lang="en-US" dirty="0" smtClean="0">
+                <a:solidFill>
+                  <a:schemeClr val="tx1"/>
+                </a:solidFill>
+              </a:rPr>
+              <a:t>AR </a:t>
+            </a:r>
+            <a:r>
+              <a:rPr lang="ru-RU" dirty="0" smtClean="0">
+                <a:solidFill>
+                  <a:schemeClr val="tx1"/>
+                </a:solidFill>
+              </a:rPr>
+              <a:t>в видеоиграх были выявлены проблемы данной сферы.</a:t>
+            </a:r>
+          </a:p>
+          <a:p>
+            <a:pPr marL="514350" indent="-514350">
+              <a:buAutoNum type="arabicPeriod"/>
+            </a:pPr>
+            <a:r>
+              <a:rPr lang="ru-RU" dirty="0" smtClean="0">
+                <a:solidFill>
+                  <a:schemeClr val="tx1"/>
+                </a:solidFill>
+              </a:rPr>
+              <a:t>После выявления проблем была предложена концепция способа их решений в виде создания приложений, являющихся достойными примерами использования дополненной реальности.</a:t>
+            </a:r>
+          </a:p>
+          <a:p>
+            <a:pPr marL="514350" indent="-514350">
+              <a:buAutoNum type="arabicPeriod"/>
+            </a:pPr>
+            <a:r>
+              <a:rPr lang="ru-RU" dirty="0" smtClean="0">
+                <a:solidFill>
+                  <a:schemeClr val="tx1"/>
+                </a:solidFill>
+              </a:rPr>
+              <a:t>В результате проектной деятельности была разработана программа с использованием </a:t>
+            </a:r>
+            <a:r>
+              <a:rPr lang="en-US" dirty="0" smtClean="0">
+                <a:solidFill>
+                  <a:schemeClr val="tx1"/>
+                </a:solidFill>
+              </a:rPr>
+              <a:t>AR</a:t>
+            </a:r>
+            <a:r>
+              <a:rPr lang="ru-RU" dirty="0" smtClean="0">
+                <a:solidFill>
+                  <a:schemeClr val="tx1"/>
+                </a:solidFill>
+              </a:rPr>
+              <a:t>, отвечающая всем изначальным требованиям.</a:t>
+            </a:r>
+            <a:endParaRPr lang="ru-RU" dirty="0">
+              <a:solidFill>
+                <a:schemeClr val="tx1"/>
+              </a:solidFill>
+            </a:endParaRPr>
           </a:p>
         </p:txBody>
       </p:sp>
@@ -5117,6 +6958,18 @@
   <p:clrMapOvr>
     <a:masterClrMapping/>
   </p:clrMapOvr>
+  <mc:AlternateContent xmlns:mc="http://schemas.openxmlformats.org/markup-compatibility/2006" xmlns:p14="http://schemas.microsoft.com/office/powerpoint/2010/main">
+    <mc:Choice Requires="p14">
+      <p:transition spd="med" p14:dur="700">
+        <p:fade/>
+      </p:transition>
+    </mc:Choice>
+    <mc:Fallback xmlns="">
+      <p:transition spd="med">
+        <p:fade/>
+      </p:transition>
+    </mc:Fallback>
+  </mc:AlternateContent>
   <p:timing>
     <p:tnLst>
       <p:par>
@@ -5146,6 +6999,48 @@
       </p:grpSpPr>
       <p:sp>
         <p:nvSpPr>
+          <p:cNvPr id="3" name="Нижний колонтитул 2"/>
+          <p:cNvSpPr>
+            <a:spLocks noGrp="1"/>
+          </p:cNvSpPr>
+          <p:nvPr>
+            <p:ph type="ftr" sz="quarter" idx="11"/>
+          </p:nvPr>
+        </p:nvSpPr>
+        <p:spPr/>
+        <p:txBody>
+          <a:bodyPr/>
+          <a:lstStyle/>
+          <a:p>
+            <a:endParaRPr lang="ru-RU"/>
+          </a:p>
+        </p:txBody>
+      </p:sp>
+      <p:sp>
+        <p:nvSpPr>
+          <p:cNvPr id="4" name="Номер слайда 3"/>
+          <p:cNvSpPr>
+            <a:spLocks noGrp="1"/>
+          </p:cNvSpPr>
+          <p:nvPr>
+            <p:ph type="sldNum" sz="quarter" idx="12"/>
+          </p:nvPr>
+        </p:nvSpPr>
+        <p:spPr/>
+        <p:txBody>
+          <a:bodyPr/>
+          <a:lstStyle/>
+          <a:p>
+            <a:fld id="{EB5D16D0-C52B-4A38-89D5-05CED3AB676C}" type="slidenum">
+              <a:rPr lang="ru-RU" smtClean="0"/>
+              <a:t>15</a:t>
+            </a:fld>
+            <a:endParaRPr lang="ru-RU"/>
+          </a:p>
+        </p:txBody>
+      </p:sp>
+      <p:sp>
+        <p:nvSpPr>
           <p:cNvPr id="2" name="Заголовок 1"/>
           <p:cNvSpPr>
             <a:spLocks noGrp="1"/>
@@ -5168,39 +7063,89 @@
           <a:p>
             <a:pPr algn="ctr"/>
             <a:r>
-              <a:rPr lang="ru-RU" sz="3600" dirty="0" smtClean="0"/>
+              <a:rPr lang="ru-RU" sz="3600" dirty="0" smtClean="0">
+                <a:solidFill>
+                  <a:schemeClr val="tx1"/>
+                </a:solidFill>
+                <a:effectLst/>
+              </a:rPr>
               <a:t>Курсовая работа выполнена студентом группы </a:t>
             </a:r>
             <a:r>
-              <a:rPr lang="ru-RU" sz="3600" dirty="0" err="1" smtClean="0"/>
+              <a:rPr lang="ru-RU" sz="3600" dirty="0" err="1" smtClean="0">
+                <a:solidFill>
+                  <a:schemeClr val="tx1"/>
+                </a:solidFill>
+                <a:effectLst/>
+              </a:rPr>
               <a:t>ИСп</a:t>
             </a:r>
             <a:r>
-              <a:rPr lang="ru-RU" sz="3600" dirty="0" smtClean="0"/>
+              <a:rPr lang="ru-RU" sz="3600" dirty="0" smtClean="0">
+                <a:solidFill>
+                  <a:schemeClr val="tx1"/>
+                </a:solidFill>
+                <a:effectLst/>
+              </a:rPr>
               <a:t> 20-1</a:t>
             </a:r>
             <a:br>
-              <a:rPr lang="ru-RU" sz="3600" dirty="0" smtClean="0"/>
+              <a:rPr lang="ru-RU" sz="3600" dirty="0" smtClean="0">
+                <a:solidFill>
+                  <a:schemeClr val="tx1"/>
+                </a:solidFill>
+                <a:effectLst/>
+              </a:rPr>
             </a:br>
             <a:r>
-              <a:rPr lang="ru-RU" sz="3600" dirty="0" smtClean="0"/>
+              <a:rPr lang="ru-RU" sz="3600" dirty="0" smtClean="0">
+                <a:solidFill>
+                  <a:schemeClr val="tx1"/>
+                </a:solidFill>
+                <a:effectLst/>
+              </a:rPr>
               <a:t>Якименко Ильей Сергеевичем</a:t>
             </a:r>
             <a:br>
-              <a:rPr lang="ru-RU" sz="3600" dirty="0" smtClean="0"/>
+              <a:rPr lang="ru-RU" sz="3600" dirty="0" smtClean="0">
+                <a:solidFill>
+                  <a:schemeClr val="tx1"/>
+                </a:solidFill>
+                <a:effectLst/>
+              </a:rPr>
             </a:br>
             <a:r>
-              <a:rPr lang="ru-RU" sz="3600" dirty="0" smtClean="0"/>
+              <a:rPr lang="ru-RU" sz="3600" dirty="0" smtClean="0">
+                <a:solidFill>
+                  <a:schemeClr val="tx1"/>
+                </a:solidFill>
+                <a:effectLst/>
+              </a:rPr>
               <a:t>Руководитель</a:t>
             </a:r>
             <a:br>
-              <a:rPr lang="ru-RU" sz="3600" dirty="0" smtClean="0"/>
+              <a:rPr lang="ru-RU" sz="3600" dirty="0" smtClean="0">
+                <a:solidFill>
+                  <a:schemeClr val="tx1"/>
+                </a:solidFill>
+                <a:effectLst/>
+              </a:rPr>
             </a:br>
             <a:r>
-              <a:rPr lang="ru-RU" sz="3600" dirty="0" smtClean="0"/>
+              <a:rPr lang="ru-RU" sz="3600" dirty="0" smtClean="0">
+                <a:solidFill>
+                  <a:schemeClr val="tx1"/>
+                </a:solidFill>
+                <a:effectLst/>
+              </a:rPr>
               <a:t>Большакова – Стрекалова Анна Викторовна</a:t>
             </a:r>
-            <a:endParaRPr lang="ru-RU" sz="3600" dirty="0"/>
+            <a:endParaRPr lang="ru-RU" sz="3600" dirty="0">
+              <a:solidFill>
+                <a:schemeClr val="tx1"/>
+              </a:solidFill>
+              <a:effectLst/>
+            </a:endParaRPr>
           </a:p>
         </p:txBody>
       </p:sp>
@@ -5231,48 +7176,6 @@
               <a:t>Калининград, 2023</a:t>
             </a:r>
             <a:endParaRPr lang="ru-RU" dirty="0"/>
-          </a:p>
-        </p:txBody>
-      </p:sp>
-      <p:sp>
-        <p:nvSpPr>
-          <p:cNvPr id="3" name="Нижний колонтитул 2"/>
-          <p:cNvSpPr>
-            <a:spLocks noGrp="1"/>
-          </p:cNvSpPr>
-          <p:nvPr>
-            <p:ph type="ftr" sz="quarter" idx="11"/>
-          </p:nvPr>
-        </p:nvSpPr>
-        <p:spPr/>
-        <p:txBody>
-          <a:bodyPr/>
-          <a:lstStyle/>
-          <a:p>
-            <a:endParaRPr lang="ru-RU"/>
-          </a:p>
-        </p:txBody>
-      </p:sp>
-      <p:sp>
-        <p:nvSpPr>
-          <p:cNvPr id="4" name="Номер слайда 3"/>
-          <p:cNvSpPr>
-            <a:spLocks noGrp="1"/>
-          </p:cNvSpPr>
-          <p:nvPr>
-            <p:ph type="sldNum" sz="quarter" idx="12"/>
-          </p:nvPr>
-        </p:nvSpPr>
-        <p:spPr/>
-        <p:txBody>
-          <a:bodyPr/>
-          <a:lstStyle/>
-          <a:p>
-            <a:fld id="{EB5D16D0-C52B-4A38-89D5-05CED3AB676C}" type="slidenum">
-              <a:rPr lang="ru-RU" smtClean="0"/>
-              <a:t>15</a:t>
-            </a:fld>
-            <a:endParaRPr lang="ru-RU"/>
           </a:p>
         </p:txBody>
       </p:sp>
@@ -5327,6 +7230,18 @@
   <p:clrMapOvr>
     <a:masterClrMapping/>
   </p:clrMapOvr>
+  <mc:AlternateContent xmlns:mc="http://schemas.openxmlformats.org/markup-compatibility/2006" xmlns:p14="http://schemas.microsoft.com/office/powerpoint/2010/main">
+    <mc:Choice Requires="p14">
+      <p:transition spd="med" p14:dur="700">
+        <p:fade/>
+      </p:transition>
+    </mc:Choice>
+    <mc:Fallback xmlns="">
+      <p:transition spd="med">
+        <p:fade/>
+      </p:transition>
+    </mc:Fallback>
+  </mc:AlternateContent>
   <p:timing>
     <p:tnLst>
       <p:par>
@@ -5370,13 +7285,13 @@
               </a:ext>
             </a:extLst>
           </a:blip>
-          <a:srcRect l="13297" t="12422" r="8870" b="13312"/>
+          <a:srcRect l="19445" t="14641" r="19068" b="14482"/>
           <a:stretch/>
         </p:blipFill>
         <p:spPr bwMode="auto">
           <a:xfrm>
-            <a:off x="7347284" y="1690688"/>
-            <a:ext cx="4844716" cy="4622667"/>
+            <a:off x="8026400" y="1825918"/>
+            <a:ext cx="3827283" cy="4411744"/>
           </a:xfrm>
           <a:prstGeom prst="rect">
             <a:avLst/>
@@ -5395,6 +7310,48 @@
       </p:pic>
       <p:sp>
         <p:nvSpPr>
+          <p:cNvPr id="7" name="Нижний колонтитул 6"/>
+          <p:cNvSpPr>
+            <a:spLocks noGrp="1"/>
+          </p:cNvSpPr>
+          <p:nvPr>
+            <p:ph type="ftr" sz="quarter" idx="11"/>
+          </p:nvPr>
+        </p:nvSpPr>
+        <p:spPr/>
+        <p:txBody>
+          <a:bodyPr/>
+          <a:lstStyle/>
+          <a:p>
+            <a:endParaRPr lang="ru-RU"/>
+          </a:p>
+        </p:txBody>
+      </p:sp>
+      <p:sp>
+        <p:nvSpPr>
+          <p:cNvPr id="8" name="Номер слайда 7"/>
+          <p:cNvSpPr>
+            <a:spLocks noGrp="1"/>
+          </p:cNvSpPr>
+          <p:nvPr>
+            <p:ph type="sldNum" sz="quarter" idx="12"/>
+          </p:nvPr>
+        </p:nvSpPr>
+        <p:spPr/>
+        <p:txBody>
+          <a:bodyPr/>
+          <a:lstStyle/>
+          <a:p>
+            <a:fld id="{EB5D16D0-C52B-4A38-89D5-05CED3AB676C}" type="slidenum">
+              <a:rPr lang="ru-RU" smtClean="0"/>
+              <a:t>2</a:t>
+            </a:fld>
+            <a:endParaRPr lang="ru-RU" dirty="0"/>
+          </a:p>
+        </p:txBody>
+      </p:sp>
+      <p:sp>
+        <p:nvSpPr>
           <p:cNvPr id="2" name="Заголовок 1"/>
           <p:cNvSpPr>
             <a:spLocks noGrp="1"/>
@@ -5406,7 +7363,7 @@
         <p:spPr>
           <a:xfrm>
             <a:off x="822958" y="892577"/>
-            <a:ext cx="10515600" cy="974408"/>
+            <a:ext cx="3145727" cy="974408"/>
           </a:xfrm>
         </p:spPr>
         <p:txBody>
@@ -5416,10 +7373,20 @@
           <a:lstStyle/>
           <a:p>
             <a:r>
-              <a:rPr lang="ru-RU" sz="4000" dirty="0" smtClean="0"/>
+              <a:rPr lang="ru-RU" sz="4000" dirty="0" smtClean="0">
+                <a:solidFill>
+                  <a:schemeClr val="tx1"/>
+                </a:solidFill>
+                <a:effectLst/>
+              </a:rPr>
               <a:t>Цель работы:</a:t>
             </a:r>
-            <a:endParaRPr lang="ru-RU" sz="4000" dirty="0"/>
+            <a:endParaRPr lang="ru-RU" sz="4000" dirty="0">
+              <a:solidFill>
+                <a:schemeClr val="tx1"/>
+              </a:solidFill>
+              <a:effectLst/>
+            </a:endParaRPr>
           </a:p>
         </p:txBody>
       </p:sp>
@@ -5441,7 +7408,7 @@
         </p:spPr>
         <p:txBody>
           <a:bodyPr>
-            <a:normAutofit fontScale="92500" lnSpcReduction="10000"/>
+            <a:normAutofit fontScale="85000" lnSpcReduction="20000"/>
           </a:bodyPr>
           <a:lstStyle/>
           <a:p>
@@ -5449,18 +7416,34 @@
               <a:buNone/>
             </a:pPr>
             <a:r>
-              <a:rPr lang="ru-RU" dirty="0" smtClean="0"/>
+              <a:rPr lang="ru-RU" dirty="0" smtClean="0">
+                <a:solidFill>
+                  <a:schemeClr val="tx1"/>
+                </a:solidFill>
+              </a:rPr>
               <a:t>Разработать мобильное приложения «</a:t>
             </a:r>
             <a:r>
-              <a:rPr lang="en-US" dirty="0" smtClean="0"/>
+              <a:rPr lang="en-US" dirty="0" smtClean="0">
+                <a:solidFill>
+                  <a:schemeClr val="tx1"/>
+                </a:solidFill>
+              </a:rPr>
               <a:t>Phantasmagoria</a:t>
             </a:r>
             <a:r>
-              <a:rPr lang="ru-RU" dirty="0" smtClean="0"/>
+              <a:rPr lang="ru-RU" dirty="0" smtClean="0">
+                <a:solidFill>
+                  <a:schemeClr val="tx1"/>
+                </a:solidFill>
+              </a:rPr>
               <a:t>» с применением дополненной реальности.</a:t>
             </a:r>
-            <a:endParaRPr lang="ru-RU" dirty="0"/>
+            <a:endParaRPr lang="ru-RU" dirty="0">
+              <a:solidFill>
+                <a:schemeClr val="tx1"/>
+              </a:solidFill>
+            </a:endParaRPr>
           </a:p>
         </p:txBody>
       </p:sp>
@@ -5786,48 +7769,6 @@
       </p:sp>
       <p:sp>
         <p:nvSpPr>
-          <p:cNvPr id="7" name="Нижний колонтитул 6"/>
-          <p:cNvSpPr>
-            <a:spLocks noGrp="1"/>
-          </p:cNvSpPr>
-          <p:nvPr>
-            <p:ph type="ftr" sz="quarter" idx="11"/>
-          </p:nvPr>
-        </p:nvSpPr>
-        <p:spPr/>
-        <p:txBody>
-          <a:bodyPr/>
-          <a:lstStyle/>
-          <a:p>
-            <a:endParaRPr lang="ru-RU"/>
-          </a:p>
-        </p:txBody>
-      </p:sp>
-      <p:sp>
-        <p:nvSpPr>
-          <p:cNvPr id="8" name="Номер слайда 7"/>
-          <p:cNvSpPr>
-            <a:spLocks noGrp="1"/>
-          </p:cNvSpPr>
-          <p:nvPr>
-            <p:ph type="sldNum" sz="quarter" idx="12"/>
-          </p:nvPr>
-        </p:nvSpPr>
-        <p:spPr/>
-        <p:txBody>
-          <a:bodyPr/>
-          <a:lstStyle/>
-          <a:p>
-            <a:fld id="{EB5D16D0-C52B-4A38-89D5-05CED3AB676C}" type="slidenum">
-              <a:rPr lang="ru-RU" smtClean="0"/>
-              <a:t>2</a:t>
-            </a:fld>
-            <a:endParaRPr lang="ru-RU" dirty="0"/>
-          </a:p>
-        </p:txBody>
-      </p:sp>
-      <p:sp>
-        <p:nvSpPr>
           <p:cNvPr id="9" name="Заголовок 1"/>
           <p:cNvSpPr txBox="1">
             <a:spLocks/>
@@ -5885,6 +7826,18 @@
   <p:clrMapOvr>
     <a:masterClrMapping/>
   </p:clrMapOvr>
+  <mc:AlternateContent xmlns:mc="http://schemas.openxmlformats.org/markup-compatibility/2006" xmlns:p14="http://schemas.microsoft.com/office/powerpoint/2010/main">
+    <mc:Choice Requires="p14">
+      <p:transition spd="med" p14:dur="700">
+        <p:fade/>
+      </p:transition>
+    </mc:Choice>
+    <mc:Fallback xmlns="">
+      <p:transition spd="med">
+        <p:fade/>
+      </p:transition>
+    </mc:Fallback>
+  </mc:AlternateContent>
   <p:timing>
     <p:tnLst>
       <p:par>
@@ -5914,12 +7867,12 @@
       </p:grpSpPr>
       <p:sp>
         <p:nvSpPr>
-          <p:cNvPr id="2" name="Заголовок 1"/>
-          <p:cNvSpPr>
-            <a:spLocks noGrp="1"/>
-          </p:cNvSpPr>
-          <p:nvPr>
-            <p:ph type="title"/>
+          <p:cNvPr id="7" name="Нижний колонтитул 6"/>
+          <p:cNvSpPr>
+            <a:spLocks noGrp="1"/>
+          </p:cNvSpPr>
+          <p:nvPr>
+            <p:ph type="ftr" sz="quarter" idx="11"/>
           </p:nvPr>
         </p:nvSpPr>
         <p:spPr/>
@@ -5927,11 +7880,63 @@
           <a:bodyPr/>
           <a:lstStyle/>
           <a:p>
-            <a:r>
-              <a:rPr lang="ru-RU" dirty="0" smtClean="0"/>
+            <a:endParaRPr lang="ru-RU"/>
+          </a:p>
+        </p:txBody>
+      </p:sp>
+      <p:sp>
+        <p:nvSpPr>
+          <p:cNvPr id="8" name="Номер слайда 7"/>
+          <p:cNvSpPr>
+            <a:spLocks noGrp="1"/>
+          </p:cNvSpPr>
+          <p:nvPr>
+            <p:ph type="sldNum" sz="quarter" idx="12"/>
+          </p:nvPr>
+        </p:nvSpPr>
+        <p:spPr/>
+        <p:txBody>
+          <a:bodyPr/>
+          <a:lstStyle/>
+          <a:p>
+            <a:fld id="{EB5D16D0-C52B-4A38-89D5-05CED3AB676C}" type="slidenum">
+              <a:rPr lang="ru-RU" smtClean="0"/>
+              <a:t>3</a:t>
+            </a:fld>
+            <a:endParaRPr lang="ru-RU"/>
+          </a:p>
+        </p:txBody>
+      </p:sp>
+      <p:sp>
+        <p:nvSpPr>
+          <p:cNvPr id="2" name="Заголовок 1"/>
+          <p:cNvSpPr>
+            <a:spLocks noGrp="1"/>
+          </p:cNvSpPr>
+          <p:nvPr>
+            <p:ph type="title"/>
+          </p:nvPr>
+        </p:nvSpPr>
+        <p:spPr/>
+        <p:txBody>
+          <a:bodyPr/>
+          <a:lstStyle/>
+          <a:p>
+            <a:r>
+              <a:rPr lang="ru-RU" dirty="0" smtClean="0">
+                <a:solidFill>
+                  <a:schemeClr val="tx1"/>
+                </a:solidFill>
+                <a:effectLst/>
+              </a:rPr>
               <a:t>Анализ предметной области и аналогов</a:t>
             </a:r>
-            <a:endParaRPr lang="ru-RU" dirty="0"/>
+            <a:endParaRPr lang="ru-RU" dirty="0">
+              <a:solidFill>
+                <a:schemeClr val="tx1"/>
+              </a:solidFill>
+              <a:effectLst/>
+            </a:endParaRPr>
           </a:p>
         </p:txBody>
       </p:sp>
@@ -5961,11 +7966,19 @@
               <a:buNone/>
             </a:pPr>
             <a:r>
-              <a:rPr lang="en-US" sz="2000" dirty="0" smtClean="0"/>
+              <a:rPr lang="en-US" sz="2000" dirty="0" smtClean="0">
+                <a:solidFill>
+                  <a:schemeClr val="tx1"/>
+                </a:solidFill>
+              </a:rPr>
               <a:t>AR – </a:t>
             </a:r>
             <a:r>
-              <a:rPr lang="ru-RU" sz="2000" dirty="0" smtClean="0"/>
+              <a:rPr lang="ru-RU" sz="2000" dirty="0" smtClean="0">
+                <a:solidFill>
+                  <a:schemeClr val="tx1"/>
+                </a:solidFill>
+              </a:rPr>
               <a:t>интересная технология, которая относительно редко используется даже в тех сферах, где у нее имеется потенциал, например, видеоигры.</a:t>
             </a:r>
           </a:p>
@@ -5974,10 +7987,18 @@
               <a:buNone/>
             </a:pPr>
             <a:r>
-              <a:rPr lang="ru-RU" sz="2000" dirty="0" smtClean="0"/>
+              <a:rPr lang="ru-RU" sz="2000" dirty="0" smtClean="0">
+                <a:solidFill>
+                  <a:schemeClr val="tx1"/>
+                </a:solidFill>
+              </a:rPr>
               <a:t>Разработчики представленных аналогов могли бы использовать технологию в большей мере, чем представлено в их проектах на данный момент.</a:t>
             </a:r>
-            <a:endParaRPr lang="ru-RU" sz="2000" dirty="0"/>
+            <a:endParaRPr lang="ru-RU" sz="2000" dirty="0">
+              <a:solidFill>
+                <a:schemeClr val="tx1"/>
+              </a:solidFill>
+            </a:endParaRPr>
           </a:p>
         </p:txBody>
       </p:sp>
@@ -6080,48 +8101,6 @@
           </a:ln>
         </p:spPr>
       </p:pic>
-      <p:sp>
-        <p:nvSpPr>
-          <p:cNvPr id="7" name="Нижний колонтитул 6"/>
-          <p:cNvSpPr>
-            <a:spLocks noGrp="1"/>
-          </p:cNvSpPr>
-          <p:nvPr>
-            <p:ph type="ftr" sz="quarter" idx="11"/>
-          </p:nvPr>
-        </p:nvSpPr>
-        <p:spPr/>
-        <p:txBody>
-          <a:bodyPr/>
-          <a:lstStyle/>
-          <a:p>
-            <a:endParaRPr lang="ru-RU"/>
-          </a:p>
-        </p:txBody>
-      </p:sp>
-      <p:sp>
-        <p:nvSpPr>
-          <p:cNvPr id="8" name="Номер слайда 7"/>
-          <p:cNvSpPr>
-            <a:spLocks noGrp="1"/>
-          </p:cNvSpPr>
-          <p:nvPr>
-            <p:ph type="sldNum" sz="quarter" idx="12"/>
-          </p:nvPr>
-        </p:nvSpPr>
-        <p:spPr/>
-        <p:txBody>
-          <a:bodyPr/>
-          <a:lstStyle/>
-          <a:p>
-            <a:fld id="{EB5D16D0-C52B-4A38-89D5-05CED3AB676C}" type="slidenum">
-              <a:rPr lang="ru-RU" smtClean="0"/>
-              <a:t>3</a:t>
-            </a:fld>
-            <a:endParaRPr lang="ru-RU"/>
-          </a:p>
-        </p:txBody>
-      </p:sp>
     </p:spTree>
     <p:extLst>
       <p:ext uri="{BB962C8B-B14F-4D97-AF65-F5344CB8AC3E}">
@@ -6132,6 +8111,18 @@
   <p:clrMapOvr>
     <a:masterClrMapping/>
   </p:clrMapOvr>
+  <mc:AlternateContent xmlns:mc="http://schemas.openxmlformats.org/markup-compatibility/2006" xmlns:p14="http://schemas.microsoft.com/office/powerpoint/2010/main">
+    <mc:Choice Requires="p14">
+      <p:transition spd="med" p14:dur="700">
+        <p:fade/>
+      </p:transition>
+    </mc:Choice>
+    <mc:Fallback xmlns="">
+      <p:transition spd="med">
+        <p:fade/>
+      </p:transition>
+    </mc:Fallback>
+  </mc:AlternateContent>
   <p:timing>
     <p:tnLst>
       <p:par>
@@ -6161,12 +8152,12 @@
       </p:grpSpPr>
       <p:sp>
         <p:nvSpPr>
-          <p:cNvPr id="2" name="Заголовок 1"/>
-          <p:cNvSpPr>
-            <a:spLocks noGrp="1"/>
-          </p:cNvSpPr>
-          <p:nvPr>
-            <p:ph type="title"/>
+          <p:cNvPr id="4" name="Нижний колонтитул 3"/>
+          <p:cNvSpPr>
+            <a:spLocks noGrp="1"/>
+          </p:cNvSpPr>
+          <p:nvPr>
+            <p:ph type="ftr" sz="quarter" idx="11"/>
           </p:nvPr>
         </p:nvSpPr>
         <p:spPr/>
@@ -6174,11 +8165,68 @@
           <a:bodyPr/>
           <a:lstStyle/>
           <a:p>
-            <a:r>
-              <a:rPr lang="ru-RU" dirty="0" smtClean="0"/>
+            <a:endParaRPr lang="ru-RU"/>
+          </a:p>
+        </p:txBody>
+      </p:sp>
+      <p:sp>
+        <p:nvSpPr>
+          <p:cNvPr id="5" name="Номер слайда 4"/>
+          <p:cNvSpPr>
+            <a:spLocks noGrp="1"/>
+          </p:cNvSpPr>
+          <p:nvPr>
+            <p:ph type="sldNum" sz="quarter" idx="12"/>
+          </p:nvPr>
+        </p:nvSpPr>
+        <p:spPr/>
+        <p:txBody>
+          <a:bodyPr/>
+          <a:lstStyle/>
+          <a:p>
+            <a:fld id="{EB5D16D0-C52B-4A38-89D5-05CED3AB676C}" type="slidenum">
+              <a:rPr lang="ru-RU" smtClean="0"/>
+              <a:t>4</a:t>
+            </a:fld>
+            <a:endParaRPr lang="ru-RU"/>
+          </a:p>
+        </p:txBody>
+      </p:sp>
+      <p:sp>
+        <p:nvSpPr>
+          <p:cNvPr id="2" name="Заголовок 1"/>
+          <p:cNvSpPr>
+            <a:spLocks noGrp="1"/>
+          </p:cNvSpPr>
+          <p:nvPr>
+            <p:ph type="title"/>
+          </p:nvPr>
+        </p:nvSpPr>
+        <p:spPr>
+          <a:xfrm>
+            <a:off x="335360" y="191549"/>
+            <a:ext cx="6589983" cy="1224136"/>
+          </a:xfrm>
+        </p:spPr>
+        <p:txBody>
+          <a:bodyPr/>
+          <a:lstStyle/>
+          <a:p>
+            <a:r>
+              <a:rPr lang="ru-RU" dirty="0" smtClean="0">
+                <a:solidFill>
+                  <a:schemeClr val="tx1"/>
+                </a:solidFill>
+                <a:effectLst/>
+              </a:rPr>
               <a:t>Техническое задание</a:t>
             </a:r>
-            <a:endParaRPr lang="ru-RU" dirty="0"/>
+            <a:endParaRPr lang="ru-RU" dirty="0">
+              <a:solidFill>
+                <a:schemeClr val="tx1"/>
+              </a:solidFill>
+              <a:effectLst/>
+            </a:endParaRPr>
           </a:p>
         </p:txBody>
       </p:sp>
@@ -6200,7 +8248,7 @@
         </p:spPr>
         <p:txBody>
           <a:bodyPr>
-            <a:normAutofit fontScale="92500" lnSpcReduction="20000"/>
+            <a:normAutofit fontScale="77500" lnSpcReduction="20000"/>
           </a:bodyPr>
           <a:lstStyle/>
           <a:p>
@@ -6208,7 +8256,11 @@
               <a:buAutoNum type="arabicPeriod"/>
             </a:pPr>
             <a:r>
-              <a:rPr lang="ru-RU" dirty="0" smtClean="0"/>
+              <a:rPr lang="ru-RU" dirty="0" smtClean="0">
+                <a:solidFill>
+                  <a:schemeClr val="tx1"/>
+                </a:solidFill>
+              </a:rPr>
               <a:t>Программа является развлекательной и предназначенной для массового пользователя</a:t>
             </a:r>
           </a:p>
@@ -6217,7 +8269,11 @@
               <a:buAutoNum type="arabicPeriod"/>
             </a:pPr>
             <a:r>
-              <a:rPr lang="ru-RU" dirty="0" smtClean="0"/>
+              <a:rPr lang="ru-RU" dirty="0" smtClean="0">
+                <a:solidFill>
+                  <a:schemeClr val="tx1"/>
+                </a:solidFill>
+              </a:rPr>
               <a:t>Программа должна применять технологию дополненной реальности</a:t>
             </a:r>
           </a:p>
@@ -6226,7 +8282,11 @@
               <a:buAutoNum type="arabicPeriod"/>
             </a:pPr>
             <a:r>
-              <a:rPr lang="ru-RU" dirty="0" smtClean="0"/>
+              <a:rPr lang="ru-RU" dirty="0" smtClean="0">
+                <a:solidFill>
+                  <a:schemeClr val="tx1"/>
+                </a:solidFill>
+              </a:rPr>
               <a:t>Игра должна корректно запускаться и работать на тестируемом устройстве, правильно проводить все необходимые расчеты, а также правильно и своевременно отвечать на действия со стороны пользователя.</a:t>
             </a:r>
           </a:p>
@@ -6279,48 +8339,6 @@
           </a:extLst>
         </p:spPr>
       </p:pic>
-      <p:sp>
-        <p:nvSpPr>
-          <p:cNvPr id="4" name="Нижний колонтитул 3"/>
-          <p:cNvSpPr>
-            <a:spLocks noGrp="1"/>
-          </p:cNvSpPr>
-          <p:nvPr>
-            <p:ph type="ftr" sz="quarter" idx="11"/>
-          </p:nvPr>
-        </p:nvSpPr>
-        <p:spPr/>
-        <p:txBody>
-          <a:bodyPr/>
-          <a:lstStyle/>
-          <a:p>
-            <a:endParaRPr lang="ru-RU"/>
-          </a:p>
-        </p:txBody>
-      </p:sp>
-      <p:sp>
-        <p:nvSpPr>
-          <p:cNvPr id="5" name="Номер слайда 4"/>
-          <p:cNvSpPr>
-            <a:spLocks noGrp="1"/>
-          </p:cNvSpPr>
-          <p:nvPr>
-            <p:ph type="sldNum" sz="quarter" idx="12"/>
-          </p:nvPr>
-        </p:nvSpPr>
-        <p:spPr/>
-        <p:txBody>
-          <a:bodyPr/>
-          <a:lstStyle/>
-          <a:p>
-            <a:fld id="{EB5D16D0-C52B-4A38-89D5-05CED3AB676C}" type="slidenum">
-              <a:rPr lang="ru-RU" smtClean="0"/>
-              <a:t>4</a:t>
-            </a:fld>
-            <a:endParaRPr lang="ru-RU"/>
-          </a:p>
-        </p:txBody>
-      </p:sp>
     </p:spTree>
     <p:extLst>
       <p:ext uri="{BB962C8B-B14F-4D97-AF65-F5344CB8AC3E}">
@@ -6331,6 +8349,18 @@
   <p:clrMapOvr>
     <a:masterClrMapping/>
   </p:clrMapOvr>
+  <mc:AlternateContent xmlns:mc="http://schemas.openxmlformats.org/markup-compatibility/2006" xmlns:p14="http://schemas.microsoft.com/office/powerpoint/2010/main">
+    <mc:Choice Requires="p14">
+      <p:transition spd="med" p14:dur="700">
+        <p:fade/>
+      </p:transition>
+    </mc:Choice>
+    <mc:Fallback xmlns="">
+      <p:transition spd="med">
+        <p:fade/>
+      </p:transition>
+    </mc:Fallback>
+  </mc:AlternateContent>
   <p:timing>
     <p:tnLst>
       <p:par>
@@ -6360,12 +8390,12 @@
       </p:grpSpPr>
       <p:sp>
         <p:nvSpPr>
-          <p:cNvPr id="2" name="Заголовок 1"/>
-          <p:cNvSpPr>
-            <a:spLocks noGrp="1"/>
-          </p:cNvSpPr>
-          <p:nvPr>
-            <p:ph type="title"/>
+          <p:cNvPr id="5" name="Нижний колонтитул 4"/>
+          <p:cNvSpPr>
+            <a:spLocks noGrp="1"/>
+          </p:cNvSpPr>
+          <p:nvPr>
+            <p:ph type="ftr" sz="quarter" idx="11"/>
           </p:nvPr>
         </p:nvSpPr>
         <p:spPr/>
@@ -6373,11 +8403,68 @@
           <a:bodyPr/>
           <a:lstStyle/>
           <a:p>
-            <a:r>
-              <a:rPr lang="ru-RU" dirty="0" smtClean="0"/>
+            <a:endParaRPr lang="ru-RU"/>
+          </a:p>
+        </p:txBody>
+      </p:sp>
+      <p:sp>
+        <p:nvSpPr>
+          <p:cNvPr id="6" name="Номер слайда 5"/>
+          <p:cNvSpPr>
+            <a:spLocks noGrp="1"/>
+          </p:cNvSpPr>
+          <p:nvPr>
+            <p:ph type="sldNum" sz="quarter" idx="12"/>
+          </p:nvPr>
+        </p:nvSpPr>
+        <p:spPr/>
+        <p:txBody>
+          <a:bodyPr/>
+          <a:lstStyle/>
+          <a:p>
+            <a:fld id="{EB5D16D0-C52B-4A38-89D5-05CED3AB676C}" type="slidenum">
+              <a:rPr lang="ru-RU" smtClean="0"/>
+              <a:t>5</a:t>
+            </a:fld>
+            <a:endParaRPr lang="ru-RU"/>
+          </a:p>
+        </p:txBody>
+      </p:sp>
+      <p:sp>
+        <p:nvSpPr>
+          <p:cNvPr id="2" name="Заголовок 1"/>
+          <p:cNvSpPr>
+            <a:spLocks noGrp="1"/>
+          </p:cNvSpPr>
+          <p:nvPr>
+            <p:ph type="title"/>
+          </p:nvPr>
+        </p:nvSpPr>
+        <p:spPr>
+          <a:xfrm>
+            <a:off x="335360" y="191549"/>
+            <a:ext cx="5169513" cy="1224136"/>
+          </a:xfrm>
+        </p:spPr>
+        <p:txBody>
+          <a:bodyPr/>
+          <a:lstStyle/>
+          <a:p>
+            <a:r>
+              <a:rPr lang="ru-RU" dirty="0" smtClean="0">
+                <a:solidFill>
+                  <a:schemeClr val="tx1"/>
+                </a:solidFill>
+                <a:effectLst/>
+              </a:rPr>
               <a:t>Логическая модель</a:t>
             </a:r>
-            <a:endParaRPr lang="ru-RU" dirty="0"/>
+            <a:endParaRPr lang="ru-RU" dirty="0">
+              <a:solidFill>
+                <a:schemeClr val="tx1"/>
+              </a:solidFill>
+              <a:effectLst/>
+            </a:endParaRPr>
           </a:p>
         </p:txBody>
       </p:sp>
@@ -6398,17 +8485,27 @@
           </a:xfrm>
         </p:spPr>
         <p:txBody>
-          <a:bodyPr/>
+          <a:bodyPr>
+            <a:normAutofit fontScale="92500"/>
+          </a:bodyPr>
           <a:lstStyle/>
           <a:p>
             <a:pPr marL="0" indent="0" algn="just">
               <a:buNone/>
             </a:pPr>
             <a:r>
-              <a:rPr lang="ru-RU" dirty="0" smtClean="0"/>
+              <a:rPr lang="ru-RU" dirty="0" smtClean="0">
+                <a:solidFill>
+                  <a:schemeClr val="tx1"/>
+                </a:solidFill>
+              </a:rPr>
               <a:t>Приложение состоит из 3-х сцен. Главное меню выступает как начальная сцена, через которую можно получить доступ к сцене перед основной игрой, а уже после к основной игровой сцене.</a:t>
             </a:r>
-            <a:endParaRPr lang="ru-RU" dirty="0"/>
+            <a:endParaRPr lang="ru-RU" dirty="0">
+              <a:solidFill>
+                <a:schemeClr val="tx1"/>
+              </a:solidFill>
+            </a:endParaRPr>
           </a:p>
         </p:txBody>
       </p:sp>
@@ -6436,48 +8533,6 @@
           </a:prstGeom>
         </p:spPr>
       </p:pic>
-      <p:sp>
-        <p:nvSpPr>
-          <p:cNvPr id="5" name="Нижний колонтитул 4"/>
-          <p:cNvSpPr>
-            <a:spLocks noGrp="1"/>
-          </p:cNvSpPr>
-          <p:nvPr>
-            <p:ph type="ftr" sz="quarter" idx="11"/>
-          </p:nvPr>
-        </p:nvSpPr>
-        <p:spPr/>
-        <p:txBody>
-          <a:bodyPr/>
-          <a:lstStyle/>
-          <a:p>
-            <a:endParaRPr lang="ru-RU"/>
-          </a:p>
-        </p:txBody>
-      </p:sp>
-      <p:sp>
-        <p:nvSpPr>
-          <p:cNvPr id="6" name="Номер слайда 5"/>
-          <p:cNvSpPr>
-            <a:spLocks noGrp="1"/>
-          </p:cNvSpPr>
-          <p:nvPr>
-            <p:ph type="sldNum" sz="quarter" idx="12"/>
-          </p:nvPr>
-        </p:nvSpPr>
-        <p:spPr/>
-        <p:txBody>
-          <a:bodyPr/>
-          <a:lstStyle/>
-          <a:p>
-            <a:fld id="{EB5D16D0-C52B-4A38-89D5-05CED3AB676C}" type="slidenum">
-              <a:rPr lang="ru-RU" smtClean="0"/>
-              <a:t>5</a:t>
-            </a:fld>
-            <a:endParaRPr lang="ru-RU"/>
-          </a:p>
-        </p:txBody>
-      </p:sp>
     </p:spTree>
     <p:extLst>
       <p:ext uri="{BB962C8B-B14F-4D97-AF65-F5344CB8AC3E}">
@@ -6488,6 +8543,18 @@
   <p:clrMapOvr>
     <a:masterClrMapping/>
   </p:clrMapOvr>
+  <mc:AlternateContent xmlns:mc="http://schemas.openxmlformats.org/markup-compatibility/2006" xmlns:p14="http://schemas.microsoft.com/office/powerpoint/2010/main">
+    <mc:Choice Requires="p14">
+      <p:transition spd="med" p14:dur="700">
+        <p:fade/>
+      </p:transition>
+    </mc:Choice>
+    <mc:Fallback xmlns="">
+      <p:transition spd="med">
+        <p:fade/>
+      </p:transition>
+    </mc:Fallback>
+  </mc:AlternateContent>
   <p:timing>
     <p:tnLst>
       <p:par>
@@ -6517,12 +8584,12 @@
       </p:grpSpPr>
       <p:sp>
         <p:nvSpPr>
-          <p:cNvPr id="2" name="Заголовок 1"/>
-          <p:cNvSpPr>
-            <a:spLocks noGrp="1"/>
-          </p:cNvSpPr>
-          <p:nvPr>
-            <p:ph type="title"/>
+          <p:cNvPr id="5" name="Нижний колонтитул 4"/>
+          <p:cNvSpPr>
+            <a:spLocks noGrp="1"/>
+          </p:cNvSpPr>
+          <p:nvPr>
+            <p:ph type="ftr" sz="quarter" idx="11"/>
           </p:nvPr>
         </p:nvSpPr>
         <p:spPr/>
@@ -6530,11 +8597,68 @@
           <a:bodyPr/>
           <a:lstStyle/>
           <a:p>
-            <a:r>
-              <a:rPr lang="ru-RU" dirty="0" smtClean="0"/>
+            <a:endParaRPr lang="ru-RU"/>
+          </a:p>
+        </p:txBody>
+      </p:sp>
+      <p:sp>
+        <p:nvSpPr>
+          <p:cNvPr id="6" name="Номер слайда 5"/>
+          <p:cNvSpPr>
+            <a:spLocks noGrp="1"/>
+          </p:cNvSpPr>
+          <p:nvPr>
+            <p:ph type="sldNum" sz="quarter" idx="12"/>
+          </p:nvPr>
+        </p:nvSpPr>
+        <p:spPr/>
+        <p:txBody>
+          <a:bodyPr/>
+          <a:lstStyle/>
+          <a:p>
+            <a:fld id="{EB5D16D0-C52B-4A38-89D5-05CED3AB676C}" type="slidenum">
+              <a:rPr lang="ru-RU" smtClean="0"/>
+              <a:t>6</a:t>
+            </a:fld>
+            <a:endParaRPr lang="ru-RU"/>
+          </a:p>
+        </p:txBody>
+      </p:sp>
+      <p:sp>
+        <p:nvSpPr>
+          <p:cNvPr id="2" name="Заголовок 1"/>
+          <p:cNvSpPr>
+            <a:spLocks noGrp="1"/>
+          </p:cNvSpPr>
+          <p:nvPr>
+            <p:ph type="title"/>
+          </p:nvPr>
+        </p:nvSpPr>
+        <p:spPr>
+          <a:xfrm>
+            <a:off x="335360" y="191549"/>
+            <a:ext cx="5355061" cy="1224136"/>
+          </a:xfrm>
+        </p:spPr>
+        <p:txBody>
+          <a:bodyPr/>
+          <a:lstStyle/>
+          <a:p>
+            <a:r>
+              <a:rPr lang="ru-RU" dirty="0" smtClean="0">
+                <a:solidFill>
+                  <a:schemeClr val="tx1"/>
+                </a:solidFill>
+                <a:effectLst/>
+              </a:rPr>
               <a:t>Средства разработки</a:t>
             </a:r>
-            <a:endParaRPr lang="ru-RU" dirty="0"/>
+            <a:endParaRPr lang="ru-RU" dirty="0">
+              <a:solidFill>
+                <a:schemeClr val="tx1"/>
+              </a:solidFill>
+              <a:effectLst/>
+            </a:endParaRPr>
           </a:p>
         </p:txBody>
       </p:sp>
@@ -6555,22 +8679,36 @@
           </a:xfrm>
         </p:spPr>
         <p:txBody>
-          <a:bodyPr/>
+          <a:bodyPr>
+            <a:normAutofit fontScale="85000" lnSpcReduction="10000"/>
+          </a:bodyPr>
           <a:lstStyle/>
           <a:p>
             <a:pPr marL="0" indent="0">
               <a:buNone/>
             </a:pPr>
             <a:r>
-              <a:rPr lang="ru-RU" dirty="0" smtClean="0"/>
+              <a:rPr lang="ru-RU" dirty="0" smtClean="0">
+                <a:solidFill>
+                  <a:schemeClr val="tx1"/>
+                </a:solidFill>
+              </a:rPr>
               <a:t>В качестве средства разработки был выбран игровой движок </a:t>
             </a:r>
             <a:r>
-              <a:rPr lang="en-US" dirty="0" smtClean="0"/>
+              <a:rPr lang="en-US" dirty="0" smtClean="0">
+                <a:solidFill>
+                  <a:schemeClr val="tx1"/>
+                </a:solidFill>
+              </a:rPr>
               <a:t>Unity</a:t>
             </a:r>
             <a:r>
-              <a:rPr lang="ru-RU" dirty="0" smtClean="0"/>
+              <a:rPr lang="ru-RU" dirty="0" smtClean="0">
+                <a:solidFill>
+                  <a:schemeClr val="tx1"/>
+                </a:solidFill>
+              </a:rPr>
               <a:t>.</a:t>
             </a:r>
           </a:p>
@@ -6579,38 +8717,74 @@
               <a:buNone/>
             </a:pPr>
             <a:r>
-              <a:rPr lang="ru-RU" dirty="0" smtClean="0"/>
+              <a:rPr lang="ru-RU" dirty="0" smtClean="0">
+                <a:solidFill>
+                  <a:schemeClr val="tx1"/>
+                </a:solidFill>
+              </a:rPr>
               <a:t>При изучении предметной области было принято решение не использовать плагины дополненной реальности, такие как </a:t>
             </a:r>
             <a:r>
-              <a:rPr lang="en-US" dirty="0" err="1" smtClean="0"/>
+              <a:rPr lang="en-US" dirty="0" err="1" smtClean="0">
+                <a:solidFill>
+                  <a:schemeClr val="tx1"/>
+                </a:solidFill>
+              </a:rPr>
               <a:t>ARCore</a:t>
             </a:r>
             <a:r>
-              <a:rPr lang="ru-RU" dirty="0" smtClean="0"/>
+              <a:rPr lang="ru-RU" dirty="0" smtClean="0">
+                <a:solidFill>
+                  <a:schemeClr val="tx1"/>
+                </a:solidFill>
+              </a:rPr>
               <a:t>, </a:t>
             </a:r>
             <a:r>
-              <a:rPr lang="en-US" dirty="0" err="1" smtClean="0"/>
+              <a:rPr lang="en-US" dirty="0" err="1" smtClean="0">
+                <a:solidFill>
+                  <a:schemeClr val="tx1"/>
+                </a:solidFill>
+              </a:rPr>
               <a:t>Vuforia</a:t>
             </a:r>
             <a:r>
-              <a:rPr lang="ru-RU" dirty="0" smtClean="0"/>
+              <a:rPr lang="ru-RU" dirty="0" smtClean="0">
+                <a:solidFill>
+                  <a:schemeClr val="tx1"/>
+                </a:solidFill>
+              </a:rPr>
               <a:t>, </a:t>
             </a:r>
             <a:r>
-              <a:rPr lang="en-US" dirty="0" err="1" smtClean="0"/>
+              <a:rPr lang="en-US" dirty="0" err="1" smtClean="0">
+                <a:solidFill>
+                  <a:schemeClr val="tx1"/>
+                </a:solidFill>
+              </a:rPr>
               <a:t>EasyAR</a:t>
             </a:r>
             <a:r>
-              <a:rPr lang="en-US" dirty="0" smtClean="0"/>
+              <a:rPr lang="en-US" dirty="0" smtClean="0">
+                <a:solidFill>
+                  <a:schemeClr val="tx1"/>
+                </a:solidFill>
+              </a:rPr>
               <a:t> </a:t>
             </a:r>
             <a:r>
-              <a:rPr lang="ru-RU" dirty="0" smtClean="0"/>
+              <a:rPr lang="ru-RU" dirty="0" smtClean="0">
+                <a:solidFill>
+                  <a:schemeClr val="tx1"/>
+                </a:solidFill>
+              </a:rPr>
               <a:t>и т.д.</a:t>
             </a:r>
-            <a:endParaRPr lang="ru-RU" dirty="0"/>
+            <a:endParaRPr lang="ru-RU" dirty="0">
+              <a:solidFill>
+                <a:schemeClr val="tx1"/>
+              </a:solidFill>
+            </a:endParaRPr>
           </a:p>
         </p:txBody>
       </p:sp>
@@ -6874,48 +9048,6 @@
           </a:p>
         </p:txBody>
       </p:sp>
-      <p:sp>
-        <p:nvSpPr>
-          <p:cNvPr id="5" name="Нижний колонтитул 4"/>
-          <p:cNvSpPr>
-            <a:spLocks noGrp="1"/>
-          </p:cNvSpPr>
-          <p:nvPr>
-            <p:ph type="ftr" sz="quarter" idx="11"/>
-          </p:nvPr>
-        </p:nvSpPr>
-        <p:spPr/>
-        <p:txBody>
-          <a:bodyPr/>
-          <a:lstStyle/>
-          <a:p>
-            <a:endParaRPr lang="ru-RU"/>
-          </a:p>
-        </p:txBody>
-      </p:sp>
-      <p:sp>
-        <p:nvSpPr>
-          <p:cNvPr id="6" name="Номер слайда 5"/>
-          <p:cNvSpPr>
-            <a:spLocks noGrp="1"/>
-          </p:cNvSpPr>
-          <p:nvPr>
-            <p:ph type="sldNum" sz="quarter" idx="12"/>
-          </p:nvPr>
-        </p:nvSpPr>
-        <p:spPr/>
-        <p:txBody>
-          <a:bodyPr/>
-          <a:lstStyle/>
-          <a:p>
-            <a:fld id="{EB5D16D0-C52B-4A38-89D5-05CED3AB676C}" type="slidenum">
-              <a:rPr lang="ru-RU" smtClean="0"/>
-              <a:t>6</a:t>
-            </a:fld>
-            <a:endParaRPr lang="ru-RU"/>
-          </a:p>
-        </p:txBody>
-      </p:sp>
     </p:spTree>
     <p:extLst>
       <p:ext uri="{BB962C8B-B14F-4D97-AF65-F5344CB8AC3E}">
@@ -6926,6 +9058,18 @@
   <p:clrMapOvr>
     <a:masterClrMapping/>
   </p:clrMapOvr>
+  <mc:AlternateContent xmlns:mc="http://schemas.openxmlformats.org/markup-compatibility/2006" xmlns:p14="http://schemas.microsoft.com/office/powerpoint/2010/main">
+    <mc:Choice Requires="p14">
+      <p:transition spd="med" p14:dur="700">
+        <p:fade/>
+      </p:transition>
+    </mc:Choice>
+    <mc:Fallback xmlns="">
+      <p:transition spd="med">
+        <p:fade/>
+      </p:transition>
+    </mc:Fallback>
+  </mc:AlternateContent>
   <p:timing>
     <p:tnLst>
       <p:par>
@@ -6955,12 +9099,12 @@
       </p:grpSpPr>
       <p:sp>
         <p:nvSpPr>
-          <p:cNvPr id="2" name="Заголовок 1"/>
-          <p:cNvSpPr>
-            <a:spLocks noGrp="1"/>
-          </p:cNvSpPr>
-          <p:nvPr>
-            <p:ph type="title"/>
+          <p:cNvPr id="4" name="Нижний колонтитул 3"/>
+          <p:cNvSpPr>
+            <a:spLocks noGrp="1"/>
+          </p:cNvSpPr>
+          <p:nvPr>
+            <p:ph type="ftr" sz="quarter" idx="11"/>
           </p:nvPr>
         </p:nvSpPr>
         <p:spPr/>
@@ -6968,11 +9112,68 @@
           <a:bodyPr/>
           <a:lstStyle/>
           <a:p>
-            <a:r>
-              <a:rPr lang="ru-RU" dirty="0" smtClean="0"/>
+            <a:endParaRPr lang="ru-RU"/>
+          </a:p>
+        </p:txBody>
+      </p:sp>
+      <p:sp>
+        <p:nvSpPr>
+          <p:cNvPr id="5" name="Номер слайда 4"/>
+          <p:cNvSpPr>
+            <a:spLocks noGrp="1"/>
+          </p:cNvSpPr>
+          <p:nvPr>
+            <p:ph type="sldNum" sz="quarter" idx="12"/>
+          </p:nvPr>
+        </p:nvSpPr>
+        <p:spPr/>
+        <p:txBody>
+          <a:bodyPr/>
+          <a:lstStyle/>
+          <a:p>
+            <a:fld id="{EB5D16D0-C52B-4A38-89D5-05CED3AB676C}" type="slidenum">
+              <a:rPr lang="ru-RU" smtClean="0"/>
+              <a:t>7</a:t>
+            </a:fld>
+            <a:endParaRPr lang="ru-RU"/>
+          </a:p>
+        </p:txBody>
+      </p:sp>
+      <p:sp>
+        <p:nvSpPr>
+          <p:cNvPr id="2" name="Заголовок 1"/>
+          <p:cNvSpPr>
+            <a:spLocks noGrp="1"/>
+          </p:cNvSpPr>
+          <p:nvPr>
+            <p:ph type="title"/>
+          </p:nvPr>
+        </p:nvSpPr>
+        <p:spPr>
+          <a:xfrm>
+            <a:off x="335360" y="191549"/>
+            <a:ext cx="6093084" cy="1224136"/>
+          </a:xfrm>
+        </p:spPr>
+        <p:txBody>
+          <a:bodyPr/>
+          <a:lstStyle/>
+          <a:p>
+            <a:r>
+              <a:rPr lang="ru-RU" dirty="0" smtClean="0">
+                <a:solidFill>
+                  <a:schemeClr val="tx1"/>
+                </a:solidFill>
+                <a:effectLst/>
+              </a:rPr>
               <a:t>Разработка интерфейса</a:t>
             </a:r>
-            <a:endParaRPr lang="ru-RU" dirty="0"/>
+            <a:endParaRPr lang="ru-RU" dirty="0">
+              <a:solidFill>
+                <a:schemeClr val="tx1"/>
+              </a:solidFill>
+              <a:effectLst/>
+            </a:endParaRPr>
           </a:p>
         </p:txBody>
       </p:sp>
@@ -6993,29 +9194,51 @@
           </a:xfrm>
         </p:spPr>
         <p:txBody>
-          <a:bodyPr/>
+          <a:bodyPr>
+            <a:normAutofit fontScale="92500" lnSpcReduction="20000"/>
+          </a:bodyPr>
           <a:lstStyle/>
           <a:p>
             <a:pPr marL="0" indent="0">
               <a:buNone/>
             </a:pPr>
             <a:r>
-              <a:rPr lang="ru-RU" dirty="0" smtClean="0"/>
+              <a:rPr lang="ru-RU" dirty="0" smtClean="0">
+                <a:solidFill>
+                  <a:schemeClr val="tx1"/>
+                </a:solidFill>
+              </a:rPr>
               <a:t>Дизайн для приложения был создан при помощи </a:t>
             </a:r>
             <a:r>
-              <a:rPr lang="en-US" dirty="0" smtClean="0"/>
+              <a:rPr lang="en-US" dirty="0" smtClean="0">
+                <a:solidFill>
+                  <a:schemeClr val="tx1"/>
+                </a:solidFill>
+              </a:rPr>
               <a:t>Adobe XD</a:t>
             </a:r>
             <a:r>
-              <a:rPr lang="ru-RU" dirty="0"/>
+              <a:rPr lang="ru-RU" dirty="0">
+                <a:solidFill>
+                  <a:schemeClr val="tx1"/>
+                </a:solidFill>
+              </a:rPr>
               <a:t> </a:t>
             </a:r>
             <a:r>
-              <a:rPr lang="ru-RU" dirty="0" smtClean="0"/>
+              <a:rPr lang="ru-RU" dirty="0" smtClean="0">
+                <a:solidFill>
+                  <a:schemeClr val="tx1"/>
+                </a:solidFill>
+              </a:rPr>
               <a:t>– одной из самых популярных программ для создания интерфейсов для сайтов, приложений и игр. </a:t>
             </a:r>
-            <a:endParaRPr lang="ru-RU" dirty="0"/>
+            <a:endParaRPr lang="ru-RU" dirty="0">
+              <a:solidFill>
+                <a:schemeClr val="tx1"/>
+              </a:solidFill>
+            </a:endParaRPr>
           </a:p>
         </p:txBody>
       </p:sp>
@@ -7104,48 +9327,6 @@
           </a:prstGeom>
         </p:spPr>
       </p:pic>
-      <p:sp>
-        <p:nvSpPr>
-          <p:cNvPr id="4" name="Нижний колонтитул 3"/>
-          <p:cNvSpPr>
-            <a:spLocks noGrp="1"/>
-          </p:cNvSpPr>
-          <p:nvPr>
-            <p:ph type="ftr" sz="quarter" idx="11"/>
-          </p:nvPr>
-        </p:nvSpPr>
-        <p:spPr/>
-        <p:txBody>
-          <a:bodyPr/>
-          <a:lstStyle/>
-          <a:p>
-            <a:endParaRPr lang="ru-RU"/>
-          </a:p>
-        </p:txBody>
-      </p:sp>
-      <p:sp>
-        <p:nvSpPr>
-          <p:cNvPr id="5" name="Номер слайда 4"/>
-          <p:cNvSpPr>
-            <a:spLocks noGrp="1"/>
-          </p:cNvSpPr>
-          <p:nvPr>
-            <p:ph type="sldNum" sz="quarter" idx="12"/>
-          </p:nvPr>
-        </p:nvSpPr>
-        <p:spPr/>
-        <p:txBody>
-          <a:bodyPr/>
-          <a:lstStyle/>
-          <a:p>
-            <a:fld id="{EB5D16D0-C52B-4A38-89D5-05CED3AB676C}" type="slidenum">
-              <a:rPr lang="ru-RU" smtClean="0"/>
-              <a:t>7</a:t>
-            </a:fld>
-            <a:endParaRPr lang="ru-RU"/>
-          </a:p>
-        </p:txBody>
-      </p:sp>
     </p:spTree>
     <p:extLst>
       <p:ext uri="{BB962C8B-B14F-4D97-AF65-F5344CB8AC3E}">
@@ -7156,6 +9337,18 @@
   <p:clrMapOvr>
     <a:masterClrMapping/>
   </p:clrMapOvr>
+  <mc:AlternateContent xmlns:mc="http://schemas.openxmlformats.org/markup-compatibility/2006" xmlns:p14="http://schemas.microsoft.com/office/powerpoint/2010/main">
+    <mc:Choice Requires="p14">
+      <p:transition spd="med" p14:dur="700">
+        <p:fade/>
+      </p:transition>
+    </mc:Choice>
+    <mc:Fallback xmlns="">
+      <p:transition spd="med">
+        <p:fade/>
+      </p:transition>
+    </mc:Fallback>
+  </mc:AlternateContent>
   <p:timing>
     <p:tnLst>
       <p:par>
@@ -7185,12 +9378,12 @@
       </p:grpSpPr>
       <p:sp>
         <p:nvSpPr>
-          <p:cNvPr id="2" name="Заголовок 1"/>
-          <p:cNvSpPr>
-            <a:spLocks noGrp="1"/>
-          </p:cNvSpPr>
-          <p:nvPr>
-            <p:ph type="title"/>
+          <p:cNvPr id="5" name="Нижний колонтитул 4"/>
+          <p:cNvSpPr>
+            <a:spLocks noGrp="1"/>
+          </p:cNvSpPr>
+          <p:nvPr>
+            <p:ph type="ftr" sz="quarter" idx="11"/>
           </p:nvPr>
         </p:nvSpPr>
         <p:spPr/>
@@ -7198,168 +9391,13 @@
           <a:bodyPr/>
           <a:lstStyle/>
           <a:p>
-            <a:r>
-              <a:rPr lang="ru-RU" dirty="0" smtClean="0"/>
-              <a:t>Игровой процесс</a:t>
-            </a:r>
-            <a:endParaRPr lang="ru-RU" dirty="0"/>
-          </a:p>
-        </p:txBody>
-      </p:sp>
-      <p:sp>
-        <p:nvSpPr>
-          <p:cNvPr id="3" name="Объект 2"/>
-          <p:cNvSpPr>
-            <a:spLocks noGrp="1"/>
-          </p:cNvSpPr>
-          <p:nvPr>
-            <p:ph idx="1"/>
-          </p:nvPr>
-        </p:nvSpPr>
-        <p:spPr>
-          <a:xfrm>
-            <a:off x="838200" y="1825625"/>
-            <a:ext cx="4567989" cy="4351338"/>
-          </a:xfrm>
-        </p:spPr>
-        <p:txBody>
-          <a:bodyPr>
-            <a:normAutofit fontScale="92500" lnSpcReduction="10000"/>
-          </a:bodyPr>
-          <a:lstStyle/>
-          <a:p>
-            <a:pPr marL="0" indent="0" algn="just">
-              <a:buNone/>
-            </a:pPr>
-            <a:r>
-              <a:rPr lang="ru-RU" dirty="0" err="1" smtClean="0"/>
-              <a:t>Геймплей</a:t>
-            </a:r>
-            <a:r>
-              <a:rPr lang="ru-RU" dirty="0" smtClean="0"/>
-              <a:t> игры заключается в уничтожении противников, постоянно надвигающихся на игрока. Чем быстрее игроку удается уничтожать врагов, тем больше очков он получает. Задача игрока состоит в наборе наибольшего количества этих баллов до тех пор, пока он может сдерживать натиск </a:t>
-            </a:r>
-            <a:r>
-              <a:rPr lang="ru-RU" dirty="0" smtClean="0"/>
-              <a:t>противников</a:t>
-            </a:r>
-            <a:r>
-              <a:rPr lang="ru-RU" dirty="0" smtClean="0"/>
-              <a:t>.</a:t>
-            </a:r>
-            <a:endParaRPr lang="ru-RU" dirty="0"/>
-          </a:p>
-        </p:txBody>
-      </p:sp>
-      <p:pic>
-        <p:nvPicPr>
-          <p:cNvPr id="3074" name="Picture 2" descr="Screenshot_2023-05-02-02-16-12-131_com"/>
-          <p:cNvPicPr>
-            <a:picLocks noChangeAspect="1" noChangeArrowheads="1"/>
-          </p:cNvPicPr>
-          <p:nvPr/>
-        </p:nvPicPr>
-        <p:blipFill>
-          <a:blip r:embed="rId2" cstate="print">
-            <a:extLst>
-              <a:ext uri="{28A0092B-C50C-407E-A947-70E740481C1C}">
-                <a14:useLocalDpi xmlns:a14="http://schemas.microsoft.com/office/drawing/2010/main" val="0"/>
-              </a:ext>
-            </a:extLst>
-          </a:blip>
-          <a:srcRect/>
-          <a:stretch>
-            <a:fillRect/>
-          </a:stretch>
-        </p:blipFill>
-        <p:spPr bwMode="auto">
-          <a:xfrm>
-            <a:off x="5947188" y="599184"/>
-            <a:ext cx="2571169" cy="5577779"/>
-          </a:xfrm>
-          <a:prstGeom prst="rect">
-            <a:avLst/>
-          </a:prstGeom>
-          <a:noFill/>
-          <a:ln>
-            <a:noFill/>
-          </a:ln>
-          <a:extLst>
-            <a:ext uri="{909E8E84-426E-40DD-AFC4-6F175D3DCCD1}">
-              <a14:hiddenFill xmlns:a14="http://schemas.microsoft.com/office/drawing/2010/main">
-                <a:solidFill>
-                  <a:srgbClr val="FFFFFF"/>
-                </a:solidFill>
-              </a14:hiddenFill>
-            </a:ext>
-            <a:ext uri="{91240B29-F687-4F45-9708-019B960494DF}">
-              <a14:hiddenLine xmlns:a14="http://schemas.microsoft.com/office/drawing/2010/main" w="9525">
-                <a:solidFill>
-                  <a:srgbClr val="000000"/>
-                </a:solidFill>
-                <a:miter lim="800000"/>
-                <a:headEnd/>
-                <a:tailEnd/>
-              </a14:hiddenLine>
-            </a:ext>
-          </a:extLst>
-        </p:spPr>
-      </p:pic>
-      <p:pic>
-        <p:nvPicPr>
-          <p:cNvPr id="5" name="Рисунок 4" descr="C:\Users\user\AppData\Local\Microsoft\Windows\INetCache\Content.Word\Screenshot_2023-05-02-02-13-26-325_com.HEADSPACE.Phantasmagoria.jpg"/>
-          <p:cNvPicPr/>
-          <p:nvPr/>
-        </p:nvPicPr>
-        <p:blipFill>
-          <a:blip r:embed="rId3" cstate="print">
-            <a:extLst>
-              <a:ext uri="{28A0092B-C50C-407E-A947-70E740481C1C}">
-                <a14:useLocalDpi xmlns:a14="http://schemas.microsoft.com/office/drawing/2010/main" val="0"/>
-              </a:ext>
-            </a:extLst>
-          </a:blip>
-          <a:srcRect/>
-          <a:stretch>
-            <a:fillRect/>
-          </a:stretch>
-        </p:blipFill>
-        <p:spPr bwMode="auto">
-          <a:xfrm>
-            <a:off x="8788856" y="599184"/>
-            <a:ext cx="2564944" cy="5577779"/>
-          </a:xfrm>
-          <a:prstGeom prst="rect">
-            <a:avLst/>
-          </a:prstGeom>
-          <a:noFill/>
-          <a:ln>
-            <a:noFill/>
-          </a:ln>
-        </p:spPr>
-      </p:pic>
-      <p:sp>
-        <p:nvSpPr>
-          <p:cNvPr id="4" name="Нижний колонтитул 3"/>
-          <p:cNvSpPr>
-            <a:spLocks noGrp="1"/>
-          </p:cNvSpPr>
-          <p:nvPr>
-            <p:ph type="ftr" sz="quarter" idx="11"/>
-          </p:nvPr>
-        </p:nvSpPr>
-        <p:spPr/>
-        <p:txBody>
-          <a:bodyPr/>
-          <a:lstStyle/>
-          <a:p>
             <a:endParaRPr lang="ru-RU"/>
           </a:p>
         </p:txBody>
       </p:sp>
       <p:sp>
         <p:nvSpPr>
-          <p:cNvPr id="6" name="Номер слайда 5"/>
+          <p:cNvPr id="7" name="Номер слайда 6"/>
           <p:cNvSpPr>
             <a:spLocks noGrp="1"/>
           </p:cNvSpPr>
@@ -7380,43 +9418,6 @@
           </a:p>
         </p:txBody>
       </p:sp>
-    </p:spTree>
-    <p:extLst>
-      <p:ext uri="{BB962C8B-B14F-4D97-AF65-F5344CB8AC3E}">
-        <p14:creationId xmlns:p14="http://schemas.microsoft.com/office/powerpoint/2010/main" val="1262966666"/>
-      </p:ext>
-    </p:extLst>
-  </p:cSld>
-  <p:clrMapOvr>
-    <a:masterClrMapping/>
-  </p:clrMapOvr>
-  <p:timing>
-    <p:tnLst>
-      <p:par>
-        <p:cTn id="1" dur="indefinite" restart="never" nodeType="tmRoot"/>
-      </p:par>
-    </p:tnLst>
-  </p:timing>
-</p:sld>
-</file>
-
-<file path=ppt/slides/slide9.xml><?xml version="1.0" encoding="utf-8"?>
-<p:sld xmlns:a="http://schemas.openxmlformats.org/drawingml/2006/main" xmlns:r="http://schemas.openxmlformats.org/officeDocument/2006/relationships" xmlns:p="http://schemas.openxmlformats.org/presentationml/2006/main">
-  <p:cSld>
-    <p:spTree>
-      <p:nvGrpSpPr>
-        <p:cNvPr id="1" name=""/>
-        <p:cNvGrpSpPr/>
-        <p:nvPr/>
-      </p:nvGrpSpPr>
-      <p:grpSpPr>
-        <a:xfrm>
-          <a:off x="0" y="0"/>
-          <a:ext cx="0" cy="0"/>
-          <a:chOff x="0" y="0"/>
-          <a:chExt cx="0" cy="0"/>
-        </a:xfrm>
-      </p:grpSpPr>
       <p:sp>
         <p:nvSpPr>
           <p:cNvPr id="2" name="Заголовок 1"/>
@@ -7430,7 +9431,7 @@
         <p:spPr>
           <a:xfrm>
             <a:off x="838200" y="0"/>
-            <a:ext cx="10515600" cy="1325563"/>
+            <a:ext cx="8324273" cy="1325563"/>
           </a:xfrm>
         </p:spPr>
         <p:txBody>
@@ -7438,10 +9439,20 @@
           <a:lstStyle/>
           <a:p>
             <a:r>
-              <a:rPr lang="ru-RU" dirty="0" smtClean="0"/>
+              <a:rPr lang="ru-RU" dirty="0" smtClean="0">
+                <a:solidFill>
+                  <a:schemeClr val="tx1"/>
+                </a:solidFill>
+                <a:effectLst/>
+              </a:rPr>
               <a:t>Разработка функционала (логики)</a:t>
             </a:r>
-            <a:endParaRPr lang="ru-RU" dirty="0"/>
+            <a:endParaRPr lang="ru-RU" dirty="0">
+              <a:solidFill>
+                <a:schemeClr val="tx1"/>
+              </a:solidFill>
+              <a:effectLst/>
+            </a:endParaRPr>
           </a:p>
         </p:txBody>
       </p:sp>
@@ -7463,7 +9474,7 @@
         </p:spPr>
         <p:txBody>
           <a:bodyPr>
-            <a:normAutofit lnSpcReduction="10000"/>
+            <a:normAutofit fontScale="92500" lnSpcReduction="20000"/>
           </a:bodyPr>
           <a:lstStyle/>
           <a:p>
@@ -7471,84 +9482,82 @@
               <a:buNone/>
             </a:pPr>
             <a:r>
-              <a:rPr lang="ru-RU" dirty="0" smtClean="0"/>
+              <a:rPr lang="ru-RU" dirty="0" smtClean="0">
+                <a:solidFill>
+                  <a:schemeClr val="tx1"/>
+                </a:solidFill>
+              </a:rPr>
               <a:t>Функционал приложения был разработан на языке </a:t>
             </a:r>
             <a:r>
-              <a:rPr lang="en-US" dirty="0" smtClean="0"/>
+              <a:rPr lang="en-US" dirty="0" smtClean="0">
+                <a:solidFill>
+                  <a:schemeClr val="tx1"/>
+                </a:solidFill>
+              </a:rPr>
               <a:t>C#</a:t>
             </a:r>
             <a:r>
-              <a:rPr lang="ru-RU" dirty="0" smtClean="0"/>
+              <a:rPr lang="ru-RU" dirty="0" smtClean="0">
+                <a:solidFill>
+                  <a:schemeClr val="tx1"/>
+                </a:solidFill>
+              </a:rPr>
               <a:t>. Это объектно-ориентированный язык программирования, который является основным в </a:t>
             </a:r>
             <a:r>
-              <a:rPr lang="en-US" dirty="0" smtClean="0"/>
+              <a:rPr lang="en-US" dirty="0" smtClean="0">
+                <a:solidFill>
+                  <a:schemeClr val="tx1"/>
+                </a:solidFill>
+              </a:rPr>
               <a:t>Unity </a:t>
             </a:r>
             <a:r>
-              <a:rPr lang="ru-RU" dirty="0" smtClean="0"/>
+              <a:rPr lang="ru-RU" dirty="0" smtClean="0">
+                <a:solidFill>
+                  <a:schemeClr val="tx1"/>
+                </a:solidFill>
+              </a:rPr>
               <a:t>и имеет синтаксис, подобный </a:t>
             </a:r>
             <a:r>
-              <a:rPr lang="en-US" dirty="0" smtClean="0"/>
+              <a:rPr lang="en-US" dirty="0" smtClean="0">
+                <a:solidFill>
+                  <a:schemeClr val="tx1"/>
+                </a:solidFill>
+              </a:rPr>
               <a:t>Java </a:t>
             </a:r>
             <a:r>
-              <a:rPr lang="ru-RU" dirty="0" smtClean="0"/>
+              <a:rPr lang="ru-RU" dirty="0" smtClean="0">
+                <a:solidFill>
+                  <a:schemeClr val="tx1"/>
+                </a:solidFill>
+              </a:rPr>
               <a:t>и </a:t>
             </a:r>
             <a:r>
-              <a:rPr lang="en-US" dirty="0" smtClean="0"/>
+              <a:rPr lang="en-US" dirty="0" smtClean="0">
+                <a:solidFill>
+                  <a:schemeClr val="tx1"/>
+                </a:solidFill>
+              </a:rPr>
               <a:t>C++</a:t>
             </a:r>
             <a:r>
-              <a:rPr lang="ru-RU" dirty="0" smtClean="0"/>
+              <a:rPr lang="ru-RU" dirty="0" smtClean="0">
+                <a:solidFill>
+                  <a:schemeClr val="tx1"/>
+                </a:solidFill>
+              </a:rPr>
               <a:t>.</a:t>
             </a:r>
-            <a:endParaRPr lang="ru-RU" dirty="0"/>
-          </a:p>
-        </p:txBody>
-      </p:sp>
-      <p:sp>
-        <p:nvSpPr>
-          <p:cNvPr id="5" name="Нижний колонтитул 4"/>
-          <p:cNvSpPr>
-            <a:spLocks noGrp="1"/>
-          </p:cNvSpPr>
-          <p:nvPr>
-            <p:ph type="ftr" sz="quarter" idx="11"/>
-          </p:nvPr>
-        </p:nvSpPr>
-        <p:spPr/>
-        <p:txBody>
-          <a:bodyPr/>
-          <a:lstStyle/>
-          <a:p>
-            <a:endParaRPr lang="ru-RU"/>
-          </a:p>
-        </p:txBody>
-      </p:sp>
-      <p:sp>
-        <p:nvSpPr>
-          <p:cNvPr id="7" name="Номер слайда 6"/>
-          <p:cNvSpPr>
-            <a:spLocks noGrp="1"/>
-          </p:cNvSpPr>
-          <p:nvPr>
-            <p:ph type="sldNum" sz="quarter" idx="12"/>
-          </p:nvPr>
-        </p:nvSpPr>
-        <p:spPr/>
-        <p:txBody>
-          <a:bodyPr/>
-          <a:lstStyle/>
-          <a:p>
-            <a:fld id="{EB5D16D0-C52B-4A38-89D5-05CED3AB676C}" type="slidenum">
-              <a:rPr lang="ru-RU" smtClean="0"/>
-              <a:t>9</a:t>
-            </a:fld>
-            <a:endParaRPr lang="ru-RU"/>
+            <a:endParaRPr lang="ru-RU" dirty="0">
+              <a:solidFill>
+                <a:schemeClr val="tx1"/>
+              </a:solidFill>
+            </a:endParaRPr>
           </a:p>
         </p:txBody>
       </p:sp>
@@ -7683,6 +9692,226 @@
   <p:clrMapOvr>
     <a:masterClrMapping/>
   </p:clrMapOvr>
+  <mc:AlternateContent xmlns:mc="http://schemas.openxmlformats.org/markup-compatibility/2006" xmlns:p14="http://schemas.microsoft.com/office/powerpoint/2010/main">
+    <mc:Choice Requires="p14">
+      <p:transition spd="med" p14:dur="700">
+        <p:fade/>
+      </p:transition>
+    </mc:Choice>
+    <mc:Fallback xmlns="">
+      <p:transition spd="med">
+        <p:fade/>
+      </p:transition>
+    </mc:Fallback>
+  </mc:AlternateContent>
+  <p:timing>
+    <p:tnLst>
+      <p:par>
+        <p:cTn id="1" dur="indefinite" restart="never" nodeType="tmRoot"/>
+      </p:par>
+    </p:tnLst>
+  </p:timing>
+</p:sld>
+</file>
+
+<file path=ppt/slides/slide9.xml><?xml version="1.0" encoding="utf-8"?>
+<p:sld xmlns:a="http://schemas.openxmlformats.org/drawingml/2006/main" xmlns:r="http://schemas.openxmlformats.org/officeDocument/2006/relationships" xmlns:p="http://schemas.openxmlformats.org/presentationml/2006/main">
+  <p:cSld>
+    <p:spTree>
+      <p:nvGrpSpPr>
+        <p:cNvPr id="1" name=""/>
+        <p:cNvGrpSpPr/>
+        <p:nvPr/>
+      </p:nvGrpSpPr>
+      <p:grpSpPr>
+        <a:xfrm>
+          <a:off x="0" y="0"/>
+          <a:ext cx="0" cy="0"/>
+          <a:chOff x="0" y="0"/>
+          <a:chExt cx="0" cy="0"/>
+        </a:xfrm>
+      </p:grpSpPr>
+      <p:sp>
+        <p:nvSpPr>
+          <p:cNvPr id="4" name="Нижний колонтитул 3"/>
+          <p:cNvSpPr>
+            <a:spLocks noGrp="1"/>
+          </p:cNvSpPr>
+          <p:nvPr>
+            <p:ph type="ftr" sz="quarter" idx="11"/>
+          </p:nvPr>
+        </p:nvSpPr>
+        <p:spPr/>
+        <p:txBody>
+          <a:bodyPr/>
+          <a:lstStyle/>
+          <a:p>
+            <a:endParaRPr lang="ru-RU"/>
+          </a:p>
+        </p:txBody>
+      </p:sp>
+      <p:sp>
+        <p:nvSpPr>
+          <p:cNvPr id="5" name="Номер слайда 4"/>
+          <p:cNvSpPr>
+            <a:spLocks noGrp="1"/>
+          </p:cNvSpPr>
+          <p:nvPr>
+            <p:ph type="sldNum" sz="quarter" idx="12"/>
+          </p:nvPr>
+        </p:nvSpPr>
+        <p:spPr/>
+        <p:txBody>
+          <a:bodyPr/>
+          <a:lstStyle/>
+          <a:p>
+            <a:fld id="{EB5D16D0-C52B-4A38-89D5-05CED3AB676C}" type="slidenum">
+              <a:rPr lang="ru-RU" smtClean="0"/>
+              <a:t>9</a:t>
+            </a:fld>
+            <a:endParaRPr lang="ru-RU"/>
+          </a:p>
+        </p:txBody>
+      </p:sp>
+      <p:sp>
+        <p:nvSpPr>
+          <p:cNvPr id="2" name="Заголовок 1"/>
+          <p:cNvSpPr>
+            <a:spLocks noGrp="1"/>
+          </p:cNvSpPr>
+          <p:nvPr>
+            <p:ph type="title"/>
+          </p:nvPr>
+        </p:nvSpPr>
+        <p:spPr>
+          <a:xfrm>
+            <a:off x="838200" y="151765"/>
+            <a:ext cx="5941291" cy="1325563"/>
+          </a:xfrm>
+        </p:spPr>
+        <p:txBody>
+          <a:bodyPr/>
+          <a:lstStyle/>
+          <a:p>
+            <a:r>
+              <a:rPr lang="ru-RU" dirty="0" smtClean="0">
+                <a:solidFill>
+                  <a:schemeClr val="tx1"/>
+                </a:solidFill>
+                <a:effectLst/>
+              </a:rPr>
+              <a:t>Используемые классы</a:t>
+            </a:r>
+            <a:endParaRPr lang="ru-RU" dirty="0">
+              <a:solidFill>
+                <a:schemeClr val="tx1"/>
+              </a:solidFill>
+              <a:effectLst/>
+            </a:endParaRPr>
+          </a:p>
+        </p:txBody>
+      </p:sp>
+      <p:sp>
+        <p:nvSpPr>
+          <p:cNvPr id="3" name="Объект 2"/>
+          <p:cNvSpPr>
+            <a:spLocks noGrp="1"/>
+          </p:cNvSpPr>
+          <p:nvPr>
+            <p:ph idx="1"/>
+          </p:nvPr>
+        </p:nvSpPr>
+        <p:spPr>
+          <a:xfrm>
+            <a:off x="1343926" y="1797998"/>
+            <a:ext cx="4134853" cy="4351338"/>
+          </a:xfrm>
+        </p:spPr>
+        <p:txBody>
+          <a:bodyPr>
+            <a:normAutofit fontScale="92500" lnSpcReduction="20000"/>
+          </a:bodyPr>
+          <a:lstStyle/>
+          <a:p>
+            <a:pPr marL="0" indent="0">
+              <a:buNone/>
+            </a:pPr>
+            <a:r>
+              <a:rPr lang="ru-RU" dirty="0" smtClean="0">
+                <a:solidFill>
+                  <a:schemeClr val="tx1"/>
+                </a:solidFill>
+              </a:rPr>
+              <a:t>В работе насчитывается 15 классов, главным из которых является класс </a:t>
+            </a:r>
+            <a:r>
+              <a:rPr lang="en-US" dirty="0" smtClean="0">
+                <a:solidFill>
+                  <a:schemeClr val="tx1"/>
+                </a:solidFill>
+              </a:rPr>
+              <a:t>Player</a:t>
+            </a:r>
+            <a:r>
+              <a:rPr lang="ru-RU" dirty="0" smtClean="0">
+                <a:solidFill>
+                  <a:schemeClr val="tx1"/>
+                </a:solidFill>
+              </a:rPr>
+              <a:t>, осуществляющий контроль за состоянием игры (пауза и окончание) и выполняющий соответствующие действия в каждой из ситуаций.</a:t>
+            </a:r>
+            <a:endParaRPr lang="ru-RU" dirty="0">
+              <a:solidFill>
+                <a:schemeClr val="tx1"/>
+              </a:solidFill>
+            </a:endParaRPr>
+          </a:p>
+        </p:txBody>
+      </p:sp>
+      <p:pic>
+        <p:nvPicPr>
+          <p:cNvPr id="6" name="Рисунок 5"/>
+          <p:cNvPicPr/>
+          <p:nvPr/>
+        </p:nvPicPr>
+        <p:blipFill>
+          <a:blip r:embed="rId2"/>
+          <a:stretch>
+            <a:fillRect/>
+          </a:stretch>
+        </p:blipFill>
+        <p:spPr>
+          <a:xfrm>
+            <a:off x="6918959" y="259080"/>
+            <a:ext cx="3992881" cy="6210927"/>
+          </a:xfrm>
+          <a:prstGeom prst="rect">
+            <a:avLst/>
+          </a:prstGeom>
+        </p:spPr>
+      </p:pic>
+    </p:spTree>
+    <p:extLst>
+      <p:ext uri="{BB962C8B-B14F-4D97-AF65-F5344CB8AC3E}">
+        <p14:creationId xmlns:p14="http://schemas.microsoft.com/office/powerpoint/2010/main" val="1843029262"/>
+      </p:ext>
+    </p:extLst>
+  </p:cSld>
+  <p:clrMapOvr>
+    <a:masterClrMapping/>
+  </p:clrMapOvr>
+  <mc:AlternateContent xmlns:mc="http://schemas.openxmlformats.org/markup-compatibility/2006" xmlns:p14="http://schemas.microsoft.com/office/powerpoint/2010/main">
+    <mc:Choice Requires="p14">
+      <p:transition spd="med" p14:dur="700">
+        <p:fade/>
+      </p:transition>
+    </mc:Choice>
+    <mc:Fallback xmlns="">
+      <p:transition spd="med">
+        <p:fade/>
+      </p:transition>
+    </mc:Fallback>
+  </mc:AlternateContent>
   <p:timing>
     <p:tnLst>
       <p:par>
@@ -7694,9 +9923,9 @@
 </file>
 
 <file path=ppt/theme/theme1.xml><?xml version="1.0" encoding="utf-8"?>
-<a:theme xmlns:a="http://schemas.openxmlformats.org/drawingml/2006/main" name="Тема Office">
+<a:theme xmlns:a="http://schemas.openxmlformats.org/drawingml/2006/main" name="borduri-golubih-ottenkov">
   <a:themeElements>
-    <a:clrScheme name="Стандартная">
+    <a:clrScheme name="Открытая">
       <a:dk1>
         <a:sysClr val="windowText" lastClr="000000"/>
       </a:dk1>
@@ -7704,44 +9933,44 @@
         <a:sysClr val="window" lastClr="FFFFFF"/>
       </a:lt1>
       <a:dk2>
-        <a:srgbClr val="44546A"/>
+        <a:srgbClr val="464646"/>
       </a:dk2>
       <a:lt2>
-        <a:srgbClr val="E7E6E6"/>
+        <a:srgbClr val="DEF5FA"/>
       </a:lt2>
       <a:accent1>
-        <a:srgbClr val="5B9BD5"/>
+        <a:srgbClr val="2DA2BF"/>
       </a:accent1>
       <a:accent2>
-        <a:srgbClr val="ED7D31"/>
+        <a:srgbClr val="DA1F28"/>
       </a:accent2>
       <a:accent3>
-        <a:srgbClr val="A5A5A5"/>
+        <a:srgbClr val="EB641B"/>
       </a:accent3>
       <a:accent4>
-        <a:srgbClr val="FFC000"/>
+        <a:srgbClr val="39639D"/>
       </a:accent4>
       <a:accent5>
-        <a:srgbClr val="4472C4"/>
+        <a:srgbClr val="474B78"/>
       </a:accent5>
       <a:accent6>
-        <a:srgbClr val="70AD47"/>
+        <a:srgbClr val="7D3C4A"/>
       </a:accent6>
       <a:hlink>
-        <a:srgbClr val="0563C1"/>
+        <a:srgbClr val="FF8119"/>
       </a:hlink>
       <a:folHlink>
-        <a:srgbClr val="954F72"/>
+        <a:srgbClr val="44B9E8"/>
       </a:folHlink>
     </a:clrScheme>
     <a:fontScheme name="Стандартная">
       <a:majorFont>
-        <a:latin typeface="Calibri Light" panose="020F0302020204030204"/>
+        <a:latin typeface="Calibri"/>
         <a:ea typeface=""/>
         <a:cs typeface=""/>
-        <a:font script="Jpan" typeface="游ゴシック Light"/>
+        <a:font script="Jpan" typeface="ＭＳ Ｐゴシック"/>
         <a:font script="Hang" typeface="맑은 고딕"/>
-        <a:font script="Hans" typeface="等线 Light"/>
+        <a:font script="Hans" typeface="宋体"/>
         <a:font script="Hant" typeface="新細明體"/>
         <a:font script="Arab" typeface="Times New Roman"/>
         <a:font script="Hebr" typeface="Times New Roman"/>
@@ -7771,12 +10000,12 @@
         <a:font script="Geor" typeface="Sylfaen"/>
       </a:majorFont>
       <a:minorFont>
-        <a:latin typeface="Calibri" panose="020F0502020204030204"/>
+        <a:latin typeface="Calibri"/>
         <a:ea typeface=""/>
         <a:cs typeface=""/>
-        <a:font script="Jpan" typeface="游ゴシック"/>
+        <a:font script="Jpan" typeface="ＭＳ Ｐゴシック"/>
         <a:font script="Hang" typeface="맑은 고딕"/>
-        <a:font script="Hans" typeface="等线"/>
+        <a:font script="Hans" typeface="宋体"/>
         <a:font script="Hant" typeface="新細明體"/>
         <a:font script="Arab" typeface="Arial"/>
         <a:font script="Hebr" typeface="Arial"/>
@@ -7815,142 +10044,166 @@
           <a:gsLst>
             <a:gs pos="0">
               <a:schemeClr val="phClr">
-                <a:lumMod val="110000"/>
-                <a:satMod val="105000"/>
-                <a:tint val="67000"/>
+                <a:tint val="50000"/>
+                <a:satMod val="300000"/>
               </a:schemeClr>
             </a:gs>
-            <a:gs pos="50000">
+            <a:gs pos="35000">
               <a:schemeClr val="phClr">
-                <a:lumMod val="105000"/>
-                <a:satMod val="103000"/>
-                <a:tint val="73000"/>
+                <a:tint val="37000"/>
+                <a:satMod val="300000"/>
               </a:schemeClr>
             </a:gs>
             <a:gs pos="100000">
               <a:schemeClr val="phClr">
-                <a:lumMod val="105000"/>
-                <a:satMod val="109000"/>
-                <a:tint val="81000"/>
+                <a:tint val="15000"/>
+                <a:satMod val="350000"/>
               </a:schemeClr>
             </a:gs>
           </a:gsLst>
-          <a:lin ang="5400000" scaled="0"/>
+          <a:lin ang="16200000" scaled="1"/>
         </a:gradFill>
         <a:gradFill rotWithShape="1">
           <a:gsLst>
             <a:gs pos="0">
               <a:schemeClr val="phClr">
-                <a:satMod val="103000"/>
-                <a:lumMod val="102000"/>
-                <a:tint val="94000"/>
+                <a:shade val="51000"/>
+                <a:satMod val="130000"/>
               </a:schemeClr>
             </a:gs>
-            <a:gs pos="50000">
+            <a:gs pos="80000">
               <a:schemeClr val="phClr">
-                <a:satMod val="110000"/>
-                <a:lumMod val="100000"/>
-                <a:shade val="100000"/>
+                <a:shade val="93000"/>
+                <a:satMod val="130000"/>
               </a:schemeClr>
             </a:gs>
             <a:gs pos="100000">
               <a:schemeClr val="phClr">
-                <a:lumMod val="99000"/>
-                <a:satMod val="120000"/>
-                <a:shade val="78000"/>
+                <a:shade val="94000"/>
+                <a:satMod val="135000"/>
               </a:schemeClr>
             </a:gs>
           </a:gsLst>
-          <a:lin ang="5400000" scaled="0"/>
+          <a:lin ang="16200000" scaled="0"/>
         </a:gradFill>
       </a:fillStyleLst>
       <a:lnStyleLst>
-        <a:ln w="6350" cap="flat" cmpd="sng" algn="ctr">
+        <a:ln w="9525" cap="flat" cmpd="sng" algn="ctr">
+          <a:solidFill>
+            <a:schemeClr val="phClr">
+              <a:shade val="95000"/>
+              <a:satMod val="105000"/>
+            </a:schemeClr>
+          </a:solidFill>
+          <a:prstDash val="solid"/>
+        </a:ln>
+        <a:ln w="25400" cap="flat" cmpd="sng" algn="ctr">
           <a:solidFill>
             <a:schemeClr val="phClr"/>
           </a:solidFill>
           <a:prstDash val="solid"/>
-          <a:miter lim="800000"/>
         </a:ln>
-        <a:ln w="12700" cap="flat" cmpd="sng" algn="ctr">
+        <a:ln w="38100" cap="flat" cmpd="sng" algn="ctr">
           <a:solidFill>
             <a:schemeClr val="phClr"/>
           </a:solidFill>
           <a:prstDash val="solid"/>
-          <a:miter lim="800000"/>
-        </a:ln>
-        <a:ln w="19050" cap="flat" cmpd="sng" algn="ctr">
-          <a:solidFill>
-            <a:schemeClr val="phClr"/>
-          </a:solidFill>
-          <a:prstDash val="solid"/>
-          <a:miter lim="800000"/>
         </a:ln>
       </a:lnStyleLst>
       <a:effectStyleLst>
         <a:effectStyle>
-          <a:effectLst/>
-        </a:effectStyle>
-        <a:effectStyle>
-          <a:effectLst/>
+          <a:effectLst>
+            <a:outerShdw blurRad="40000" dist="20000" dir="5400000" rotWithShape="0">
+              <a:srgbClr val="000000">
+                <a:alpha val="38000"/>
+              </a:srgbClr>
+            </a:outerShdw>
+          </a:effectLst>
         </a:effectStyle>
         <a:effectStyle>
           <a:effectLst>
-            <a:outerShdw blurRad="57150" dist="19050" dir="5400000" algn="ctr" rotWithShape="0">
+            <a:outerShdw blurRad="40000" dist="23000" dir="5400000" rotWithShape="0">
               <a:srgbClr val="000000">
-                <a:alpha val="63000"/>
+                <a:alpha val="35000"/>
               </a:srgbClr>
             </a:outerShdw>
           </a:effectLst>
+        </a:effectStyle>
+        <a:effectStyle>
+          <a:effectLst>
+            <a:outerShdw blurRad="40000" dist="23000" dir="5400000" rotWithShape="0">
+              <a:srgbClr val="000000">
+                <a:alpha val="35000"/>
+              </a:srgbClr>
+            </a:outerShdw>
+          </a:effectLst>
+          <a:scene3d>
+            <a:camera prst="orthographicFront">
+              <a:rot lat="0" lon="0" rev="0"/>
+            </a:camera>
+            <a:lightRig rig="threePt" dir="t">
+              <a:rot lat="0" lon="0" rev="1200000"/>
+            </a:lightRig>
+          </a:scene3d>
+          <a:sp3d>
+            <a:bevelT w="63500" h="25400"/>
+          </a:sp3d>
         </a:effectStyle>
       </a:effectStyleLst>
       <a:bgFillStyleLst>
         <a:solidFill>
           <a:schemeClr val="phClr"/>
         </a:solidFill>
-        <a:solidFill>
-          <a:schemeClr val="phClr">
-            <a:tint val="95000"/>
-            <a:satMod val="170000"/>
-          </a:schemeClr>
-        </a:solidFill>
         <a:gradFill rotWithShape="1">
           <a:gsLst>
             <a:gs pos="0">
               <a:schemeClr val="phClr">
-                <a:tint val="93000"/>
-                <a:satMod val="150000"/>
-                <a:shade val="98000"/>
-                <a:lumMod val="102000"/>
+                <a:tint val="40000"/>
+                <a:satMod val="350000"/>
               </a:schemeClr>
             </a:gs>
-            <a:gs pos="50000">
+            <a:gs pos="40000">
               <a:schemeClr val="phClr">
-                <a:tint val="98000"/>
-                <a:satMod val="130000"/>
-                <a:shade val="90000"/>
-                <a:lumMod val="103000"/>
+                <a:tint val="45000"/>
+                <a:shade val="99000"/>
+                <a:satMod val="350000"/>
               </a:schemeClr>
             </a:gs>
             <a:gs pos="100000">
               <a:schemeClr val="phClr">
-                <a:shade val="63000"/>
-                <a:satMod val="120000"/>
+                <a:shade val="20000"/>
+                <a:satMod val="255000"/>
               </a:schemeClr>
             </a:gs>
           </a:gsLst>
-          <a:lin ang="5400000" scaled="0"/>
+          <a:path path="circle">
+            <a:fillToRect l="50000" t="-80000" r="50000" b="180000"/>
+          </a:path>
+        </a:gradFill>
+        <a:gradFill rotWithShape="1">
+          <a:gsLst>
+            <a:gs pos="0">
+              <a:schemeClr val="phClr">
+                <a:tint val="80000"/>
+                <a:satMod val="300000"/>
+              </a:schemeClr>
+            </a:gs>
+            <a:gs pos="100000">
+              <a:schemeClr val="phClr">
+                <a:shade val="30000"/>
+                <a:satMod val="200000"/>
+              </a:schemeClr>
+            </a:gs>
+          </a:gsLst>
+          <a:path path="circle">
+            <a:fillToRect l="50000" t="50000" r="50000" b="50000"/>
+          </a:path>
         </a:gradFill>
       </a:bgFillStyleLst>
     </a:fmtScheme>
   </a:themeElements>
   <a:objectDefaults/>
   <a:extraClrSchemeLst/>
-  <a:extLst>
-    <a:ext uri="{05A4C25C-085E-4340-85A3-A5531E510DB2}">
-      <thm15:themeFamily xmlns:thm15="http://schemas.microsoft.com/office/thememl/2012/main" name="Office Theme" id="{62F939B6-93AF-4DB8-9C6B-D6C7DFDC589F}" vid="{4A3C46E8-61CC-4603-A589-7422A47A8E4A}"/>
-    </a:ext>
-  </a:extLst>
 </a:theme>
 </file>
 

--- a/Якименко Курсовая.pptx
+++ b/Якименко Курсовая.pptx
@@ -211,7 +211,7 @@
           <a:p>
             <a:fld id="{AE682762-9CE7-4A61-ABB0-5F1A0454520D}" type="datetimeFigureOut">
               <a:rPr lang="ru-RU" smtClean="0"/>
-              <a:t>09.05.2023</a:t>
+              <a:t>10.05.2023</a:t>
             </a:fld>
             <a:endParaRPr lang="ru-RU"/>
           </a:p>
@@ -582,7 +582,7 @@
           <a:p>
             <a:fld id="{2062729E-D5F3-406B-96EC-31767236469D}" type="datetime1">
               <a:rPr lang="ru-RU" smtClean="0"/>
-              <a:t>09.05.2023</a:t>
+              <a:t>10.05.2023</a:t>
             </a:fld>
             <a:endParaRPr lang="ru-RU"/>
           </a:p>
@@ -864,7 +864,7 @@
           <a:p>
             <a:fld id="{B1BB59D2-D372-4274-A0E1-8DA728E019A9}" type="datetime1">
               <a:rPr lang="ru-RU" smtClean="0"/>
-              <a:t>09.05.2023</a:t>
+              <a:t>10.05.2023</a:t>
             </a:fld>
             <a:endParaRPr lang="ru-RU"/>
           </a:p>
@@ -1158,7 +1158,7 @@
           <a:p>
             <a:fld id="{69B99EE2-B150-46EC-B789-69F0B6B77066}" type="datetime1">
               <a:rPr lang="ru-RU" smtClean="0"/>
-              <a:t>09.05.2023</a:t>
+              <a:t>10.05.2023</a:t>
             </a:fld>
             <a:endParaRPr lang="ru-RU"/>
           </a:p>
@@ -1391,7 +1391,7 @@
           <a:p>
             <a:fld id="{FD6A1CC3-0A60-45A1-BF0D-81FCC514A82F}" type="datetime1">
               <a:rPr lang="ru-RU" smtClean="0"/>
-              <a:t>09.05.2023</a:t>
+              <a:t>10.05.2023</a:t>
             </a:fld>
             <a:endParaRPr lang="ru-RU"/>
           </a:p>
@@ -1510,7 +1510,7 @@
           <a:p>
             <a:fld id="{519DE261-CABA-47A7-BD2F-82C457E9F5F2}" type="datetime1">
               <a:rPr lang="ru-RU" smtClean="0"/>
-              <a:t>09.05.2023</a:t>
+              <a:t>10.05.2023</a:t>
             </a:fld>
             <a:endParaRPr lang="ru-RU"/>
           </a:p>
@@ -2087,7 +2087,7 @@
           <a:p>
             <a:fld id="{6417DB5F-869C-4AC8-9CBA-B4BC302B6BAF}" type="datetime1">
               <a:rPr lang="ru-RU" smtClean="0"/>
-              <a:t>09.05.2023</a:t>
+              <a:t>10.05.2023</a:t>
             </a:fld>
             <a:endParaRPr lang="ru-RU"/>
           </a:p>
@@ -2494,7 +2494,7 @@
           <a:p>
             <a:fld id="{C33793BD-3D92-45CE-98D0-C6E825A39779}" type="datetime1">
               <a:rPr lang="ru-RU" smtClean="0"/>
-              <a:t>09.05.2023</a:t>
+              <a:t>10.05.2023</a:t>
             </a:fld>
             <a:endParaRPr lang="ru-RU"/>
           </a:p>
@@ -3061,7 +3061,7 @@
           <a:p>
             <a:fld id="{7B6F462F-E131-44B0-BEE7-EA7C1DA617DD}" type="datetime1">
               <a:rPr lang="ru-RU" smtClean="0"/>
-              <a:t>09.05.2023</a:t>
+              <a:t>10.05.2023</a:t>
             </a:fld>
             <a:endParaRPr lang="ru-RU"/>
           </a:p>
@@ -3251,7 +3251,7 @@
           <a:p>
             <a:fld id="{89151A62-1B2F-4C2C-82AE-44C06B8C243D}" type="datetime1">
               <a:rPr lang="ru-RU" smtClean="0"/>
-              <a:t>09.05.2023</a:t>
+              <a:t>10.05.2023</a:t>
             </a:fld>
             <a:endParaRPr lang="ru-RU"/>
           </a:p>
@@ -3398,7 +3398,7 @@
           <a:p>
             <a:fld id="{ADAD23D4-BB8A-4580-808F-F146FFAF7B9F}" type="datetime1">
               <a:rPr lang="ru-RU" smtClean="0"/>
-              <a:t>09.05.2023</a:t>
+              <a:t>10.05.2023</a:t>
             </a:fld>
             <a:endParaRPr lang="ru-RU"/>
           </a:p>
@@ -3776,7 +3776,7 @@
           <a:p>
             <a:fld id="{34529505-0C1D-4992-897F-EC661B4C80C3}" type="datetime1">
               <a:rPr lang="ru-RU" smtClean="0"/>
-              <a:t>09.05.2023</a:t>
+              <a:t>10.05.2023</a:t>
             </a:fld>
             <a:endParaRPr lang="ru-RU"/>
           </a:p>
@@ -4106,7 +4106,7 @@
           <a:p>
             <a:fld id="{2687A07D-E0F8-424D-9BC0-CB2FE89CCED8}" type="datetime1">
               <a:rPr lang="ru-RU" smtClean="0"/>
-              <a:t>09.05.2023</a:t>
+              <a:t>10.05.2023</a:t>
             </a:fld>
             <a:endParaRPr lang="ru-RU"/>
           </a:p>
@@ -4369,7 +4369,7 @@
           <a:p>
             <a:fld id="{2062729E-D5F3-406B-96EC-31767236469D}" type="datetime1">
               <a:rPr lang="ru-RU" smtClean="0"/>
-              <a:t>09.05.2023</a:t>
+              <a:t>10.05.2023</a:t>
             </a:fld>
             <a:endParaRPr lang="ru-RU"/>
           </a:p>
@@ -5870,7 +5870,47 @@
                   <a:schemeClr val="tx1"/>
                 </a:solidFill>
               </a:rPr>
-              <a:t> игры заключается в уничтожении противников, постоянно надвигающихся на игрока. Чем быстрее игроку удается уничтожать врагов, тем больше очков он получает. Задача игрока состоит в наборе наибольшего количества этих баллов до тех пор, пока он может сдерживать натиск противников.</a:t>
+              <a:t> игры заключается в уничтожении противников, постоянно надвигающихся на игрока. Чем </a:t>
+            </a:r>
+            <a:r>
+              <a:rPr lang="ru-RU" dirty="0" smtClean="0">
+                <a:solidFill>
+                  <a:schemeClr val="tx1"/>
+                </a:solidFill>
+              </a:rPr>
+              <a:t>раньше</a:t>
+            </a:r>
+            <a:r>
+              <a:rPr lang="ru-RU" dirty="0" smtClean="0">
+                <a:solidFill>
+                  <a:schemeClr val="tx1"/>
+                </a:solidFill>
+              </a:rPr>
+              <a:t> </a:t>
+            </a:r>
+            <a:r>
+              <a:rPr lang="ru-RU" dirty="0" smtClean="0">
+                <a:solidFill>
+                  <a:schemeClr val="tx1"/>
+                </a:solidFill>
+              </a:rPr>
+              <a:t>игроку удается уничтожать </a:t>
+            </a:r>
+            <a:r>
+              <a:rPr lang="ru-RU" dirty="0" smtClean="0">
+                <a:solidFill>
+                  <a:schemeClr val="tx1"/>
+                </a:solidFill>
+              </a:rPr>
+              <a:t>врага, </a:t>
+            </a:r>
+            <a:r>
+              <a:rPr lang="ru-RU" dirty="0" smtClean="0">
+                <a:solidFill>
+                  <a:schemeClr val="tx1"/>
+                </a:solidFill>
+              </a:rPr>
+              <a:t>тем больше очков он получает. Задача игрока состоит в наборе наибольшего количества этих баллов до тех пор, пока он может сдерживать натиск противников.</a:t>
             </a:r>
             <a:endParaRPr lang="ru-RU" dirty="0">
               <a:solidFill>
@@ -6148,7 +6188,23 @@
                   <a:schemeClr val="tx1"/>
                 </a:solidFill>
               </a:rPr>
-              <a:t>Основной способ управление приложением во время игровой сессии – это вращение устройства для наведения прицела на цель и нажатия на экран для ее уничтожения.</a:t>
+              <a:t>Основной способ </a:t>
+            </a:r>
+            <a:r>
+              <a:rPr lang="ru-RU" dirty="0" smtClean="0">
+                <a:solidFill>
+                  <a:schemeClr val="tx1"/>
+                </a:solidFill>
+              </a:rPr>
+              <a:t>управления </a:t>
+            </a:r>
+            <a:r>
+              <a:rPr lang="ru-RU" dirty="0" smtClean="0">
+                <a:solidFill>
+                  <a:schemeClr val="tx1"/>
+                </a:solidFill>
+              </a:rPr>
+              <a:t>приложением во время игровой сессии – это вращение устройства для наведения прицела на цель и нажатия на экран для ее уничтожения.</a:t>
             </a:r>
           </a:p>
           <a:p>
@@ -6599,16 +6655,7 @@
                 </a:solidFill>
                 <a:effectLst/>
               </a:rPr>
-              <a:t>Экономические </a:t>
-            </a:r>
-            <a:r>
-              <a:rPr lang="ru-RU" dirty="0" smtClean="0">
-                <a:solidFill>
-                  <a:schemeClr val="tx1"/>
-                </a:solidFill>
-                <a:effectLst/>
-              </a:rPr>
-              <a:t>перспективы</a:t>
+              <a:t>Экономические перспективы</a:t>
             </a:r>
             <a:endParaRPr lang="ru-RU" dirty="0">
               <a:solidFill>
@@ -6650,7 +6697,23 @@
                   <a:schemeClr val="tx1"/>
                 </a:solidFill>
               </a:rPr>
-              <a:t>Разработка и поддержка подобных проектов потенциально является очень прибыльным, поскольку рынок мобильных игр продолжает оставаться самым большим в индустрии, а само создание </a:t>
+              <a:t>Разработка и поддержка подобных проектов потенциально является очень </a:t>
+            </a:r>
+            <a:r>
+              <a:rPr lang="ru-RU" dirty="0" smtClean="0">
+                <a:solidFill>
+                  <a:schemeClr val="tx1"/>
+                </a:solidFill>
+              </a:rPr>
+              <a:t>прибыльной, </a:t>
+            </a:r>
+            <a:r>
+              <a:rPr lang="ru-RU" dirty="0" smtClean="0">
+                <a:solidFill>
+                  <a:schemeClr val="tx1"/>
+                </a:solidFill>
+              </a:rPr>
+              <a:t>поскольку рынок мобильных игр продолжает оставаться самым большим в индустрии, а само создание </a:t>
             </a:r>
             <a:r>
               <a:rPr lang="en-US" dirty="0" smtClean="0">
@@ -7953,12 +8016,12 @@
         <p:spPr>
           <a:xfrm>
             <a:off x="555457" y="4857583"/>
-            <a:ext cx="11081085" cy="1446965"/>
+            <a:ext cx="11081085" cy="1783362"/>
           </a:xfrm>
         </p:spPr>
         <p:txBody>
           <a:bodyPr>
-            <a:normAutofit/>
+            <a:normAutofit fontScale="92500"/>
           </a:bodyPr>
           <a:lstStyle/>
           <a:p>
@@ -7979,7 +8042,31 @@
                   <a:schemeClr val="tx1"/>
                 </a:solidFill>
               </a:rPr>
-              <a:t>интересная технология, которая относительно редко используется даже в тех сферах, где у нее имеется потенциал, например, видеоигры.</a:t>
+              <a:t>введение </a:t>
+            </a:r>
+            <a:r>
+              <a:rPr lang="ru-RU" sz="2000" dirty="0">
+                <a:solidFill>
+                  <a:schemeClr val="tx1"/>
+                </a:solidFill>
+              </a:rPr>
+              <a:t>в зрительное поле любых сенсорных данных с целью дополнения сведений об окружении и изменения восприятия окружающей </a:t>
+            </a:r>
+            <a:r>
+              <a:rPr lang="ru-RU" sz="2000" dirty="0" smtClean="0">
+                <a:solidFill>
+                  <a:schemeClr val="tx1"/>
+                </a:solidFill>
+              </a:rPr>
+              <a:t>среды. Это интересная </a:t>
+            </a:r>
+            <a:r>
+              <a:rPr lang="ru-RU" sz="2000" dirty="0" smtClean="0">
+                <a:solidFill>
+                  <a:schemeClr val="tx1"/>
+                </a:solidFill>
+              </a:rPr>
+              <a:t>технология, которая относительно редко используется даже в тех сферах, где у нее имеется потенциал, например, видеоигры.</a:t>
             </a:r>
           </a:p>
           <a:p>
@@ -7992,7 +8079,23 @@
                   <a:schemeClr val="tx1"/>
                 </a:solidFill>
               </a:rPr>
-              <a:t>Разработчики представленных аналогов могли бы использовать технологию в большей мере, чем представлено в их проектах на данный момент.</a:t>
+              <a:t>Разработчики представленных аналогов могли бы использовать технологию в большей </a:t>
+            </a:r>
+            <a:r>
+              <a:rPr lang="ru-RU" sz="2000" dirty="0" smtClean="0">
+                <a:solidFill>
+                  <a:schemeClr val="tx1"/>
+                </a:solidFill>
+              </a:rPr>
+              <a:t>мере или в более интересном оформлении, </a:t>
+            </a:r>
+            <a:r>
+              <a:rPr lang="ru-RU" sz="2000" dirty="0" smtClean="0">
+                <a:solidFill>
+                  <a:schemeClr val="tx1"/>
+                </a:solidFill>
+              </a:rPr>
+              <a:t>чем представлено в их проектах на данный момент.</a:t>
             </a:r>
             <a:endParaRPr lang="ru-RU" sz="2000" dirty="0">
               <a:solidFill>
@@ -8261,7 +8364,23 @@
                   <a:schemeClr val="tx1"/>
                 </a:solidFill>
               </a:rPr>
-              <a:t>Программа является развлекательной и предназначенной для массового пользователя</a:t>
+              <a:t>Программа является развлекательной и </a:t>
+            </a:r>
+            <a:r>
+              <a:rPr lang="ru-RU" dirty="0" smtClean="0">
+                <a:solidFill>
+                  <a:schemeClr val="tx1"/>
+                </a:solidFill>
+              </a:rPr>
+              <a:t>предназначенной </a:t>
+            </a:r>
+            <a:r>
+              <a:rPr lang="ru-RU" dirty="0" smtClean="0">
+                <a:solidFill>
+                  <a:schemeClr val="tx1"/>
+                </a:solidFill>
+              </a:rPr>
+              <a:t>для массового пользователя</a:t>
             </a:r>
           </a:p>
           <a:p>
@@ -9474,7 +9593,7 @@
         </p:spPr>
         <p:txBody>
           <a:bodyPr>
-            <a:normAutofit fontScale="92500" lnSpcReduction="20000"/>
+            <a:normAutofit fontScale="85000" lnSpcReduction="10000"/>
           </a:bodyPr>
           <a:lstStyle/>
           <a:p>
@@ -9503,7 +9622,31 @@
                   <a:schemeClr val="tx1"/>
                 </a:solidFill>
               </a:rPr>
-              <a:t>. Это объектно-ориентированный язык программирования, который является основным в </a:t>
+              <a:t>. Это объектно-ориентированный язык программирования, который является </a:t>
+            </a:r>
+            <a:r>
+              <a:rPr lang="ru-RU" dirty="0" smtClean="0">
+                <a:solidFill>
+                  <a:schemeClr val="tx1"/>
+                </a:solidFill>
+              </a:rPr>
+              <a:t>языком для написания скриптов</a:t>
+            </a:r>
+            <a:r>
+              <a:rPr lang="ru-RU" dirty="0" smtClean="0">
+                <a:solidFill>
+                  <a:schemeClr val="tx1"/>
+                </a:solidFill>
+              </a:rPr>
+              <a:t> </a:t>
+            </a:r>
+            <a:r>
+              <a:rPr lang="ru-RU" dirty="0" smtClean="0">
+                <a:solidFill>
+                  <a:schemeClr val="tx1"/>
+                </a:solidFill>
+              </a:rPr>
+              <a:t>в </a:t>
             </a:r>
             <a:r>
               <a:rPr lang="en-US" dirty="0" smtClean="0">

--- a/Якименко Курсовая.pptx
+++ b/Якименко Курсовая.pptx
@@ -5561,7 +5561,7 @@
         </p:nvSpPr>
         <p:spPr>
           <a:xfrm>
-            <a:off x="3048000" y="235756"/>
+            <a:off x="3362036" y="471512"/>
             <a:ext cx="8141970" cy="941534"/>
           </a:xfrm>
           <a:prstGeom prst="rect">
@@ -5570,7 +5570,7 @@
         </p:spPr>
         <p:txBody>
           <a:bodyPr vert="horz" lIns="91440" tIns="45720" rIns="91440" bIns="45720" rtlCol="0" anchor="b">
-            <a:normAutofit fontScale="97500"/>
+            <a:normAutofit fontScale="25000" lnSpcReduction="20000"/>
           </a:bodyPr>
           <a:lstStyle>
             <a:lvl1pPr algn="ctr" defTabSz="914400" rtl="0" eaLnBrk="1" latinLnBrk="0" hangingPunct="1">
@@ -5592,19 +5592,48 @@
             </a:lvl1pPr>
           </a:lstStyle>
           <a:p>
-            <a:pPr>
-              <a:lnSpc>
-                <a:spcPct val="100000"/>
-              </a:lnSpc>
-            </a:pPr>
-            <a:r>
-              <a:rPr lang="ru-RU" sz="2800" spc="-1" dirty="0">
-                <a:latin typeface="Times New Roman"/>
-                <a:ea typeface="Times New Roman"/>
-              </a:rPr>
-              <a:t>МИНИСТЕРСТВО ПРОСВЕЩЕНИЯ</a:t>
-            </a:r>
-            <a:endParaRPr lang="en-US" sz="2800" dirty="0"/>
+            <a:r>
+              <a:rPr lang="ru-RU" dirty="0"/>
+              <a:t>МИНИСТЕРСТВО ОБРАЗОВАНИЯ И НАУКИ РОССИЙСКОЙ ФЕДЕРАЦИИ</a:t>
+            </a:r>
+          </a:p>
+          <a:p>
+            <a:r>
+              <a:rPr lang="ru-RU" dirty="0"/>
+              <a:t>ГОСУДАРСТВЕННОЕ БЮДЖЕТНОЕ УЧРЕЖДЕНИЕ</a:t>
+            </a:r>
+          </a:p>
+          <a:p>
+            <a:r>
+              <a:rPr lang="ru-RU" dirty="0"/>
+              <a:t>КАЛИНИНГРАДСКОЙ ОБЛАСТИ</a:t>
+            </a:r>
+          </a:p>
+          <a:p>
+            <a:r>
+              <a:rPr lang="ru-RU" dirty="0"/>
+              <a:t>ПРОФЕССИОНАЛЬНАЯ ОБРАЗОВАТЕЛЬНАЯ ОРГАНИЗАЦИЯ</a:t>
+            </a:r>
+          </a:p>
+          <a:p>
+            <a:r>
+              <a:rPr lang="ru-RU" dirty="0"/>
+              <a:t>«КОЛЛЕДЖ ИНФОРМАЦИОННЫХ ТЕХНОЛОГИЙ И СТРОИТЕЛЬСТВА»</a:t>
+            </a:r>
+          </a:p>
+          <a:p>
+            <a:r>
+              <a:rPr lang="ru-RU" dirty="0"/>
+              <a:t>(ГБУ КО ПОО «</a:t>
+            </a:r>
+            <a:r>
+              <a:rPr lang="ru-RU" dirty="0" err="1"/>
+              <a:t>КИТиС</a:t>
+            </a:r>
+            <a:r>
+              <a:rPr lang="ru-RU" dirty="0"/>
+              <a:t>»)</a:t>
+            </a:r>
           </a:p>
         </p:txBody>
       </p:sp>
@@ -5870,47 +5899,7 @@
                   <a:schemeClr val="tx1"/>
                 </a:solidFill>
               </a:rPr>
-              <a:t> игры заключается в уничтожении противников, постоянно надвигающихся на игрока. Чем </a:t>
-            </a:r>
-            <a:r>
-              <a:rPr lang="ru-RU" dirty="0" smtClean="0">
-                <a:solidFill>
-                  <a:schemeClr val="tx1"/>
-                </a:solidFill>
-              </a:rPr>
-              <a:t>раньше</a:t>
-            </a:r>
-            <a:r>
-              <a:rPr lang="ru-RU" dirty="0" smtClean="0">
-                <a:solidFill>
-                  <a:schemeClr val="tx1"/>
-                </a:solidFill>
-              </a:rPr>
-              <a:t> </a:t>
-            </a:r>
-            <a:r>
-              <a:rPr lang="ru-RU" dirty="0" smtClean="0">
-                <a:solidFill>
-                  <a:schemeClr val="tx1"/>
-                </a:solidFill>
-              </a:rPr>
-              <a:t>игроку удается уничтожать </a:t>
-            </a:r>
-            <a:r>
-              <a:rPr lang="ru-RU" dirty="0" smtClean="0">
-                <a:solidFill>
-                  <a:schemeClr val="tx1"/>
-                </a:solidFill>
-              </a:rPr>
-              <a:t>врага, </a:t>
-            </a:r>
-            <a:r>
-              <a:rPr lang="ru-RU" dirty="0" smtClean="0">
-                <a:solidFill>
-                  <a:schemeClr val="tx1"/>
-                </a:solidFill>
-              </a:rPr>
-              <a:t>тем больше очков он получает. Задача игрока состоит в наборе наибольшего количества этих баллов до тех пор, пока он может сдерживать натиск противников.</a:t>
+              <a:t> игры заключается в уничтожении противников, постоянно надвигающихся на игрока. Чем раньше игроку удается уничтожать врага, тем больше очков он получает. Задача игрока состоит в наборе наибольшего количества этих баллов до тех пор, пока он может сдерживать натиск противников.</a:t>
             </a:r>
             <a:endParaRPr lang="ru-RU" dirty="0">
               <a:solidFill>
@@ -6188,23 +6177,7 @@
                   <a:schemeClr val="tx1"/>
                 </a:solidFill>
               </a:rPr>
-              <a:t>Основной способ </a:t>
-            </a:r>
-            <a:r>
-              <a:rPr lang="ru-RU" dirty="0" smtClean="0">
-                <a:solidFill>
-                  <a:schemeClr val="tx1"/>
-                </a:solidFill>
-              </a:rPr>
-              <a:t>управления </a:t>
-            </a:r>
-            <a:r>
-              <a:rPr lang="ru-RU" dirty="0" smtClean="0">
-                <a:solidFill>
-                  <a:schemeClr val="tx1"/>
-                </a:solidFill>
-              </a:rPr>
-              <a:t>приложением во время игровой сессии – это вращение устройства для наведения прицела на цель и нажатия на экран для ее уничтожения.</a:t>
+              <a:t>Основной способ управления приложением во время игровой сессии – это вращение устройства для наведения прицела на цель и нажатия на экран для ее уничтожения.</a:t>
             </a:r>
           </a:p>
           <a:p>
@@ -6697,23 +6670,7 @@
                   <a:schemeClr val="tx1"/>
                 </a:solidFill>
               </a:rPr>
-              <a:t>Разработка и поддержка подобных проектов потенциально является очень </a:t>
-            </a:r>
-            <a:r>
-              <a:rPr lang="ru-RU" dirty="0" smtClean="0">
-                <a:solidFill>
-                  <a:schemeClr val="tx1"/>
-                </a:solidFill>
-              </a:rPr>
-              <a:t>прибыльной, </a:t>
-            </a:r>
-            <a:r>
-              <a:rPr lang="ru-RU" dirty="0" smtClean="0">
-                <a:solidFill>
-                  <a:schemeClr val="tx1"/>
-                </a:solidFill>
-              </a:rPr>
-              <a:t>поскольку рынок мобильных игр продолжает оставаться самым большим в индустрии, а само создание </a:t>
+              <a:t>Разработка и поддержка подобных проектов потенциально является очень прибыльной, поскольку рынок мобильных игр продолжает оставаться самым большим в индустрии, а само создание </a:t>
             </a:r>
             <a:r>
               <a:rPr lang="en-US" dirty="0" smtClean="0">
@@ -6906,7 +6863,7 @@
                 </a:solidFill>
                 <a:effectLst/>
               </a:rPr>
-              <a:t>Анализ результатов работы</a:t>
+              <a:t>Заключение</a:t>
             </a:r>
             <a:endParaRPr lang="ru-RU" dirty="0">
               <a:solidFill>
@@ -7332,45 +7289,6 @@
           <a:chExt cx="0" cy="0"/>
         </a:xfrm>
       </p:grpSpPr>
-      <p:pic>
-        <p:nvPicPr>
-          <p:cNvPr id="6" name="Picture 2" descr="รูปทำไอคอนรายการการ์ตูนสไตล์ PNG , รายการไอคอน, ไอคอนสไตล์, ไอคอนการ์ตูนภาพ  PNG และ เวกเตอร์ สำหรับการดาวน์โหลดฟรี"/>
-          <p:cNvPicPr>
-            <a:picLocks noChangeAspect="1" noChangeArrowheads="1"/>
-          </p:cNvPicPr>
-          <p:nvPr/>
-        </p:nvPicPr>
-        <p:blipFill rotWithShape="1">
-          <a:blip r:embed="rId2">
-            <a:extLst>
-              <a:ext uri="{28A0092B-C50C-407E-A947-70E740481C1C}">
-                <a14:useLocalDpi xmlns:a14="http://schemas.microsoft.com/office/drawing/2010/main" val="0"/>
-              </a:ext>
-            </a:extLst>
-          </a:blip>
-          <a:srcRect l="19445" t="14641" r="19068" b="14482"/>
-          <a:stretch/>
-        </p:blipFill>
-        <p:spPr bwMode="auto">
-          <a:xfrm>
-            <a:off x="8026400" y="1825918"/>
-            <a:ext cx="3827283" cy="4411744"/>
-          </a:xfrm>
-          <a:prstGeom prst="rect">
-            <a:avLst/>
-          </a:prstGeom>
-          <a:noFill/>
-          <a:extLst>
-            <a:ext uri="{909E8E84-426E-40DD-AFC4-6F175D3DCCD1}">
-              <a14:hiddenFill xmlns:a14="http://schemas.microsoft.com/office/drawing/2010/main">
-                <a:solidFill>
-                  <a:srgbClr val="FFFFFF"/>
-                </a:solidFill>
-              </a14:hiddenFill>
-            </a:ext>
-          </a:extLst>
-        </p:spPr>
-      </p:pic>
       <p:sp>
         <p:nvSpPr>
           <p:cNvPr id="7" name="Нижний колонтитул 6"/>
@@ -8058,15 +7976,7 @@
                   <a:schemeClr val="tx1"/>
                 </a:solidFill>
               </a:rPr>
-              <a:t>среды. Это интересная </a:t>
-            </a:r>
-            <a:r>
-              <a:rPr lang="ru-RU" sz="2000" dirty="0" smtClean="0">
-                <a:solidFill>
-                  <a:schemeClr val="tx1"/>
-                </a:solidFill>
-              </a:rPr>
-              <a:t>технология, которая относительно редко используется даже в тех сферах, где у нее имеется потенциал, например, видеоигры.</a:t>
+              <a:t>среды. Это интересная технология, которая относительно редко используется даже в тех сферах, где у нее имеется потенциал, например, видеоигры.</a:t>
             </a:r>
           </a:p>
           <a:p>
@@ -8079,23 +7989,7 @@
                   <a:schemeClr val="tx1"/>
                 </a:solidFill>
               </a:rPr>
-              <a:t>Разработчики представленных аналогов могли бы использовать технологию в большей </a:t>
-            </a:r>
-            <a:r>
-              <a:rPr lang="ru-RU" sz="2000" dirty="0" smtClean="0">
-                <a:solidFill>
-                  <a:schemeClr val="tx1"/>
-                </a:solidFill>
-              </a:rPr>
-              <a:t>мере или в более интересном оформлении, </a:t>
-            </a:r>
-            <a:r>
-              <a:rPr lang="ru-RU" sz="2000" dirty="0" smtClean="0">
-                <a:solidFill>
-                  <a:schemeClr val="tx1"/>
-                </a:solidFill>
-              </a:rPr>
-              <a:t>чем представлено в их проектах на данный момент.</a:t>
+              <a:t>Разработчики представленных аналогов могли бы использовать технологию в большей мере или в более интересном оформлении, чем представлено в их проектах на данный момент.</a:t>
             </a:r>
             <a:endParaRPr lang="ru-RU" sz="2000" dirty="0">
               <a:solidFill>
@@ -8345,13 +8239,13 @@
         </p:nvSpPr>
         <p:spPr>
           <a:xfrm>
-            <a:off x="405063" y="1841667"/>
+            <a:off x="83878" y="2036718"/>
             <a:ext cx="5947611" cy="4351338"/>
           </a:xfrm>
         </p:spPr>
         <p:txBody>
           <a:bodyPr>
-            <a:normAutofit fontScale="77500" lnSpcReduction="20000"/>
+            <a:normAutofit/>
           </a:bodyPr>
           <a:lstStyle/>
           <a:p>
@@ -8359,28 +8253,60 @@
               <a:buAutoNum type="arabicPeriod"/>
             </a:pPr>
             <a:r>
-              <a:rPr lang="ru-RU" dirty="0" smtClean="0">
-                <a:solidFill>
-                  <a:schemeClr val="tx1"/>
-                </a:solidFill>
-              </a:rPr>
-              <a:t>Программа является развлекательной и </a:t>
-            </a:r>
-            <a:r>
-              <a:rPr lang="ru-RU" dirty="0" smtClean="0">
-                <a:solidFill>
-                  <a:schemeClr val="tx1"/>
-                </a:solidFill>
-              </a:rPr>
-              <a:t>предназначенной </a:t>
-            </a:r>
-            <a:r>
-              <a:rPr lang="ru-RU" dirty="0" smtClean="0">
-                <a:solidFill>
-                  <a:schemeClr val="tx1"/>
-                </a:solidFill>
-              </a:rPr>
-              <a:t>для массового пользователя</a:t>
+              <a:rPr lang="ru-RU" sz="2200" dirty="0" smtClean="0">
+                <a:solidFill>
+                  <a:schemeClr val="tx1"/>
+                </a:solidFill>
+              </a:rPr>
+              <a:t>Игра является мобильным приложением для платформы </a:t>
+            </a:r>
+            <a:r>
+              <a:rPr lang="en-US" sz="2200" dirty="0" smtClean="0">
+                <a:solidFill>
+                  <a:schemeClr val="tx1"/>
+                </a:solidFill>
+              </a:rPr>
+              <a:t>Android</a:t>
+            </a:r>
+            <a:r>
+              <a:rPr lang="ru-RU" sz="2200" dirty="0" smtClean="0">
+                <a:solidFill>
+                  <a:schemeClr val="tx1"/>
+                </a:solidFill>
+              </a:rPr>
+              <a:t> 10, поскольку мобильные телефоны являются общедоступным и удобным средством для применения </a:t>
+            </a:r>
+            <a:r>
+              <a:rPr lang="en-US" sz="2200" dirty="0" smtClean="0">
+                <a:solidFill>
+                  <a:schemeClr val="tx1"/>
+                </a:solidFill>
+              </a:rPr>
+              <a:t>AR</a:t>
+            </a:r>
+            <a:r>
+              <a:rPr lang="ru-RU" sz="2200" dirty="0" smtClean="0">
+                <a:solidFill>
+                  <a:schemeClr val="tx1"/>
+                </a:solidFill>
+              </a:rPr>
+              <a:t>, а </a:t>
+            </a:r>
+            <a:r>
+              <a:rPr lang="en-US" sz="2200" dirty="0" smtClean="0">
+                <a:solidFill>
+                  <a:schemeClr val="tx1"/>
+                </a:solidFill>
+              </a:rPr>
+              <a:t>Android</a:t>
+            </a:r>
+            <a:r>
+              <a:rPr lang="ru-RU" sz="2200" dirty="0" smtClean="0">
+                <a:solidFill>
+                  <a:schemeClr val="tx1"/>
+                </a:solidFill>
+              </a:rPr>
+              <a:t> - самой распространенной мобильной ОС.</a:t>
             </a:r>
           </a:p>
           <a:p>
@@ -8388,76 +8314,651 @@
               <a:buAutoNum type="arabicPeriod"/>
             </a:pPr>
             <a:r>
-              <a:rPr lang="ru-RU" dirty="0" smtClean="0">
-                <a:solidFill>
-                  <a:schemeClr val="tx1"/>
-                </a:solidFill>
-              </a:rPr>
-              <a:t>Программа должна применять технологию дополненной реальности</a:t>
-            </a:r>
-          </a:p>
-          <a:p>
-            <a:pPr marL="514350" indent="-514350" algn="just">
-              <a:buAutoNum type="arabicPeriod"/>
-            </a:pPr>
-            <a:r>
-              <a:rPr lang="ru-RU" dirty="0" smtClean="0">
-                <a:solidFill>
-                  <a:schemeClr val="tx1"/>
-                </a:solidFill>
-              </a:rPr>
-              <a:t>Игра должна корректно запускаться и работать на тестируемом устройстве, правильно проводить все необходимые расчеты, а также правильно и своевременно отвечать на действия со стороны пользователя.</a:t>
-            </a:r>
-          </a:p>
-          <a:p>
-            <a:pPr marL="514350" indent="-514350">
-              <a:buAutoNum type="arabicPeriod"/>
-            </a:pPr>
-            <a:endParaRPr lang="ru-RU" dirty="0"/>
-          </a:p>
-        </p:txBody>
-      </p:sp>
-      <p:pic>
-        <p:nvPicPr>
-          <p:cNvPr id="4098" name="Picture 2" descr="Техническое задание на доработку сайта — Блог бизнес архитектура"/>
-          <p:cNvPicPr>
-            <a:picLocks noChangeAspect="1" noChangeArrowheads="1"/>
-          </p:cNvPicPr>
+              <a:rPr lang="ru-RU" sz="2200" dirty="0" smtClean="0">
+                <a:solidFill>
+                  <a:schemeClr val="tx1"/>
+                </a:solidFill>
+              </a:rPr>
+              <a:t>Программа использует технологию дополненной реальности для реализации собственного развлекательного контента</a:t>
+            </a:r>
+          </a:p>
+        </p:txBody>
+      </p:sp>
+      <p:sp>
+        <p:nvSpPr>
+          <p:cNvPr id="7" name="Объект 2"/>
+          <p:cNvSpPr txBox="1">
+            <a:spLocks/>
+          </p:cNvSpPr>
           <p:nvPr/>
-        </p:nvPicPr>
-        <p:blipFill>
-          <a:blip r:embed="rId2">
-            <a:extLst>
-              <a:ext uri="{28A0092B-C50C-407E-A947-70E740481C1C}">
-                <a14:useLocalDpi xmlns:a14="http://schemas.microsoft.com/office/drawing/2010/main" val="0"/>
-              </a:ext>
-            </a:extLst>
-          </a:blip>
-          <a:srcRect/>
-          <a:stretch>
-            <a:fillRect/>
-          </a:stretch>
-        </p:blipFill>
-        <p:spPr bwMode="auto">
+        </p:nvSpPr>
+        <p:spPr>
           <a:xfrm>
-            <a:off x="6925343" y="1690688"/>
-            <a:ext cx="4613037" cy="4233142"/>
+            <a:off x="6244389" y="1530123"/>
+            <a:ext cx="5947611" cy="399861"/>
           </a:xfrm>
           <a:prstGeom prst="rect">
             <a:avLst/>
           </a:prstGeom>
-          <a:noFill/>
-          <a:extLst>
-            <a:ext uri="{909E8E84-426E-40DD-AFC4-6F175D3DCCD1}">
-              <a14:hiddenFill xmlns:a14="http://schemas.microsoft.com/office/drawing/2010/main">
-                <a:solidFill>
-                  <a:srgbClr val="FFFFFF"/>
-                </a:solidFill>
-              </a14:hiddenFill>
-            </a:ext>
-          </a:extLst>
         </p:spPr>
-      </p:pic>
+        <p:txBody>
+          <a:bodyPr vert="horz" lIns="91440" tIns="45720" rIns="91440" bIns="45720" rtlCol="0">
+            <a:normAutofit/>
+          </a:bodyPr>
+          <a:lstStyle>
+            <a:lvl1pPr marL="342900" indent="-342900" algn="l" defTabSz="914400" rtl="0" eaLnBrk="1" latinLnBrk="0" hangingPunct="1">
+              <a:spcBef>
+                <a:spcPct val="20000"/>
+              </a:spcBef>
+              <a:buFont typeface="Arial" panose="020B0604020202020204" pitchFamily="34" charset="0"/>
+              <a:buChar char="•"/>
+              <a:defRPr sz="3200" kern="1200">
+                <a:solidFill>
+                  <a:schemeClr val="bg2">
+                    <a:lumMod val="50000"/>
+                  </a:schemeClr>
+                </a:solidFill>
+                <a:latin typeface="+mn-lt"/>
+                <a:ea typeface="+mn-ea"/>
+                <a:cs typeface="+mn-cs"/>
+              </a:defRPr>
+            </a:lvl1pPr>
+            <a:lvl2pPr marL="742950" indent="-285750" algn="l" defTabSz="914400" rtl="0" eaLnBrk="1" latinLnBrk="0" hangingPunct="1">
+              <a:spcBef>
+                <a:spcPct val="20000"/>
+              </a:spcBef>
+              <a:buFont typeface="Arial" panose="020B0604020202020204" pitchFamily="34" charset="0"/>
+              <a:buChar char="–"/>
+              <a:defRPr sz="2800" kern="1200">
+                <a:solidFill>
+                  <a:schemeClr val="bg2">
+                    <a:lumMod val="50000"/>
+                  </a:schemeClr>
+                </a:solidFill>
+                <a:latin typeface="+mn-lt"/>
+                <a:ea typeface="+mn-ea"/>
+                <a:cs typeface="+mn-cs"/>
+              </a:defRPr>
+            </a:lvl2pPr>
+            <a:lvl3pPr marL="1143000" indent="-228600" algn="l" defTabSz="914400" rtl="0" eaLnBrk="1" latinLnBrk="0" hangingPunct="1">
+              <a:spcBef>
+                <a:spcPct val="20000"/>
+              </a:spcBef>
+              <a:buFont typeface="Arial" panose="020B0604020202020204" pitchFamily="34" charset="0"/>
+              <a:buChar char="•"/>
+              <a:defRPr sz="2400" kern="1200">
+                <a:solidFill>
+                  <a:schemeClr val="bg2">
+                    <a:lumMod val="50000"/>
+                  </a:schemeClr>
+                </a:solidFill>
+                <a:latin typeface="+mn-lt"/>
+                <a:ea typeface="+mn-ea"/>
+                <a:cs typeface="+mn-cs"/>
+              </a:defRPr>
+            </a:lvl3pPr>
+            <a:lvl4pPr marL="1600200" indent="-228600" algn="l" defTabSz="914400" rtl="0" eaLnBrk="1" latinLnBrk="0" hangingPunct="1">
+              <a:spcBef>
+                <a:spcPct val="20000"/>
+              </a:spcBef>
+              <a:buFont typeface="Arial" panose="020B0604020202020204" pitchFamily="34" charset="0"/>
+              <a:buChar char="–"/>
+              <a:defRPr sz="2000" kern="1200">
+                <a:solidFill>
+                  <a:schemeClr val="bg2">
+                    <a:lumMod val="50000"/>
+                  </a:schemeClr>
+                </a:solidFill>
+                <a:latin typeface="+mn-lt"/>
+                <a:ea typeface="+mn-ea"/>
+                <a:cs typeface="+mn-cs"/>
+              </a:defRPr>
+            </a:lvl4pPr>
+            <a:lvl5pPr marL="2057400" indent="-228600" algn="l" defTabSz="914400" rtl="0" eaLnBrk="1" latinLnBrk="0" hangingPunct="1">
+              <a:spcBef>
+                <a:spcPct val="20000"/>
+              </a:spcBef>
+              <a:buFont typeface="Arial" panose="020B0604020202020204" pitchFamily="34" charset="0"/>
+              <a:buChar char="»"/>
+              <a:defRPr sz="2000" kern="1200">
+                <a:solidFill>
+                  <a:schemeClr val="bg2">
+                    <a:lumMod val="50000"/>
+                  </a:schemeClr>
+                </a:solidFill>
+                <a:latin typeface="+mn-lt"/>
+                <a:ea typeface="+mn-ea"/>
+                <a:cs typeface="+mn-cs"/>
+              </a:defRPr>
+            </a:lvl5pPr>
+            <a:lvl6pPr marL="2514600" indent="-228600" algn="l" defTabSz="914400" rtl="0" eaLnBrk="1" latinLnBrk="0" hangingPunct="1">
+              <a:spcBef>
+                <a:spcPct val="20000"/>
+              </a:spcBef>
+              <a:buFont typeface="Arial" panose="020B0604020202020204" pitchFamily="34" charset="0"/>
+              <a:buChar char="•"/>
+              <a:defRPr sz="2000" kern="1200">
+                <a:solidFill>
+                  <a:schemeClr val="tx1"/>
+                </a:solidFill>
+                <a:latin typeface="+mn-lt"/>
+                <a:ea typeface="+mn-ea"/>
+                <a:cs typeface="+mn-cs"/>
+              </a:defRPr>
+            </a:lvl6pPr>
+            <a:lvl7pPr marL="2971800" indent="-228600" algn="l" defTabSz="914400" rtl="0" eaLnBrk="1" latinLnBrk="0" hangingPunct="1">
+              <a:spcBef>
+                <a:spcPct val="20000"/>
+              </a:spcBef>
+              <a:buFont typeface="Arial" panose="020B0604020202020204" pitchFamily="34" charset="0"/>
+              <a:buChar char="•"/>
+              <a:defRPr sz="2000" kern="1200">
+                <a:solidFill>
+                  <a:schemeClr val="tx1"/>
+                </a:solidFill>
+                <a:latin typeface="+mn-lt"/>
+                <a:ea typeface="+mn-ea"/>
+                <a:cs typeface="+mn-cs"/>
+              </a:defRPr>
+            </a:lvl7pPr>
+            <a:lvl8pPr marL="3429000" indent="-228600" algn="l" defTabSz="914400" rtl="0" eaLnBrk="1" latinLnBrk="0" hangingPunct="1">
+              <a:spcBef>
+                <a:spcPct val="20000"/>
+              </a:spcBef>
+              <a:buFont typeface="Arial" panose="020B0604020202020204" pitchFamily="34" charset="0"/>
+              <a:buChar char="•"/>
+              <a:defRPr sz="2000" kern="1200">
+                <a:solidFill>
+                  <a:schemeClr val="tx1"/>
+                </a:solidFill>
+                <a:latin typeface="+mn-lt"/>
+                <a:ea typeface="+mn-ea"/>
+                <a:cs typeface="+mn-cs"/>
+              </a:defRPr>
+            </a:lvl8pPr>
+            <a:lvl9pPr marL="3886200" indent="-228600" algn="l" defTabSz="914400" rtl="0" eaLnBrk="1" latinLnBrk="0" hangingPunct="1">
+              <a:spcBef>
+                <a:spcPct val="20000"/>
+              </a:spcBef>
+              <a:buFont typeface="Arial" panose="020B0604020202020204" pitchFamily="34" charset="0"/>
+              <a:buChar char="•"/>
+              <a:defRPr sz="2000" kern="1200">
+                <a:solidFill>
+                  <a:schemeClr val="tx1"/>
+                </a:solidFill>
+                <a:latin typeface="+mn-lt"/>
+                <a:ea typeface="+mn-ea"/>
+                <a:cs typeface="+mn-cs"/>
+              </a:defRPr>
+            </a:lvl9pPr>
+          </a:lstStyle>
+          <a:p>
+            <a:pPr marL="0" indent="0" algn="ctr">
+              <a:buNone/>
+            </a:pPr>
+            <a:r>
+              <a:rPr lang="ru-RU" sz="2000" dirty="0" smtClean="0">
+                <a:solidFill>
+                  <a:schemeClr val="tx1"/>
+                </a:solidFill>
+              </a:rPr>
+              <a:t>Требования к программе</a:t>
+            </a:r>
+            <a:endParaRPr lang="ru-RU" sz="2000" dirty="0"/>
+          </a:p>
+        </p:txBody>
+      </p:sp>
+      <p:sp>
+        <p:nvSpPr>
+          <p:cNvPr id="8" name="Объект 2"/>
+          <p:cNvSpPr txBox="1">
+            <a:spLocks/>
+          </p:cNvSpPr>
+          <p:nvPr/>
+        </p:nvSpPr>
+        <p:spPr>
+          <a:xfrm>
+            <a:off x="418487" y="1530123"/>
+            <a:ext cx="5947611" cy="399861"/>
+          </a:xfrm>
+          <a:prstGeom prst="rect">
+            <a:avLst/>
+          </a:prstGeom>
+        </p:spPr>
+        <p:txBody>
+          <a:bodyPr vert="horz" lIns="91440" tIns="45720" rIns="91440" bIns="45720" rtlCol="0">
+            <a:normAutofit/>
+          </a:bodyPr>
+          <a:lstStyle>
+            <a:lvl1pPr marL="342900" indent="-342900" algn="l" defTabSz="914400" rtl="0" eaLnBrk="1" latinLnBrk="0" hangingPunct="1">
+              <a:spcBef>
+                <a:spcPct val="20000"/>
+              </a:spcBef>
+              <a:buFont typeface="Arial" panose="020B0604020202020204" pitchFamily="34" charset="0"/>
+              <a:buChar char="•"/>
+              <a:defRPr sz="3200" kern="1200">
+                <a:solidFill>
+                  <a:schemeClr val="bg2">
+                    <a:lumMod val="50000"/>
+                  </a:schemeClr>
+                </a:solidFill>
+                <a:latin typeface="+mn-lt"/>
+                <a:ea typeface="+mn-ea"/>
+                <a:cs typeface="+mn-cs"/>
+              </a:defRPr>
+            </a:lvl1pPr>
+            <a:lvl2pPr marL="742950" indent="-285750" algn="l" defTabSz="914400" rtl="0" eaLnBrk="1" latinLnBrk="0" hangingPunct="1">
+              <a:spcBef>
+                <a:spcPct val="20000"/>
+              </a:spcBef>
+              <a:buFont typeface="Arial" panose="020B0604020202020204" pitchFamily="34" charset="0"/>
+              <a:buChar char="–"/>
+              <a:defRPr sz="2800" kern="1200">
+                <a:solidFill>
+                  <a:schemeClr val="bg2">
+                    <a:lumMod val="50000"/>
+                  </a:schemeClr>
+                </a:solidFill>
+                <a:latin typeface="+mn-lt"/>
+                <a:ea typeface="+mn-ea"/>
+                <a:cs typeface="+mn-cs"/>
+              </a:defRPr>
+            </a:lvl2pPr>
+            <a:lvl3pPr marL="1143000" indent="-228600" algn="l" defTabSz="914400" rtl="0" eaLnBrk="1" latinLnBrk="0" hangingPunct="1">
+              <a:spcBef>
+                <a:spcPct val="20000"/>
+              </a:spcBef>
+              <a:buFont typeface="Arial" panose="020B0604020202020204" pitchFamily="34" charset="0"/>
+              <a:buChar char="•"/>
+              <a:defRPr sz="2400" kern="1200">
+                <a:solidFill>
+                  <a:schemeClr val="bg2">
+                    <a:lumMod val="50000"/>
+                  </a:schemeClr>
+                </a:solidFill>
+                <a:latin typeface="+mn-lt"/>
+                <a:ea typeface="+mn-ea"/>
+                <a:cs typeface="+mn-cs"/>
+              </a:defRPr>
+            </a:lvl3pPr>
+            <a:lvl4pPr marL="1600200" indent="-228600" algn="l" defTabSz="914400" rtl="0" eaLnBrk="1" latinLnBrk="0" hangingPunct="1">
+              <a:spcBef>
+                <a:spcPct val="20000"/>
+              </a:spcBef>
+              <a:buFont typeface="Arial" panose="020B0604020202020204" pitchFamily="34" charset="0"/>
+              <a:buChar char="–"/>
+              <a:defRPr sz="2000" kern="1200">
+                <a:solidFill>
+                  <a:schemeClr val="bg2">
+                    <a:lumMod val="50000"/>
+                  </a:schemeClr>
+                </a:solidFill>
+                <a:latin typeface="+mn-lt"/>
+                <a:ea typeface="+mn-ea"/>
+                <a:cs typeface="+mn-cs"/>
+              </a:defRPr>
+            </a:lvl4pPr>
+            <a:lvl5pPr marL="2057400" indent="-228600" algn="l" defTabSz="914400" rtl="0" eaLnBrk="1" latinLnBrk="0" hangingPunct="1">
+              <a:spcBef>
+                <a:spcPct val="20000"/>
+              </a:spcBef>
+              <a:buFont typeface="Arial" panose="020B0604020202020204" pitchFamily="34" charset="0"/>
+              <a:buChar char="»"/>
+              <a:defRPr sz="2000" kern="1200">
+                <a:solidFill>
+                  <a:schemeClr val="bg2">
+                    <a:lumMod val="50000"/>
+                  </a:schemeClr>
+                </a:solidFill>
+                <a:latin typeface="+mn-lt"/>
+                <a:ea typeface="+mn-ea"/>
+                <a:cs typeface="+mn-cs"/>
+              </a:defRPr>
+            </a:lvl5pPr>
+            <a:lvl6pPr marL="2514600" indent="-228600" algn="l" defTabSz="914400" rtl="0" eaLnBrk="1" latinLnBrk="0" hangingPunct="1">
+              <a:spcBef>
+                <a:spcPct val="20000"/>
+              </a:spcBef>
+              <a:buFont typeface="Arial" panose="020B0604020202020204" pitchFamily="34" charset="0"/>
+              <a:buChar char="•"/>
+              <a:defRPr sz="2000" kern="1200">
+                <a:solidFill>
+                  <a:schemeClr val="tx1"/>
+                </a:solidFill>
+                <a:latin typeface="+mn-lt"/>
+                <a:ea typeface="+mn-ea"/>
+                <a:cs typeface="+mn-cs"/>
+              </a:defRPr>
+            </a:lvl6pPr>
+            <a:lvl7pPr marL="2971800" indent="-228600" algn="l" defTabSz="914400" rtl="0" eaLnBrk="1" latinLnBrk="0" hangingPunct="1">
+              <a:spcBef>
+                <a:spcPct val="20000"/>
+              </a:spcBef>
+              <a:buFont typeface="Arial" panose="020B0604020202020204" pitchFamily="34" charset="0"/>
+              <a:buChar char="•"/>
+              <a:defRPr sz="2000" kern="1200">
+                <a:solidFill>
+                  <a:schemeClr val="tx1"/>
+                </a:solidFill>
+                <a:latin typeface="+mn-lt"/>
+                <a:ea typeface="+mn-ea"/>
+                <a:cs typeface="+mn-cs"/>
+              </a:defRPr>
+            </a:lvl7pPr>
+            <a:lvl8pPr marL="3429000" indent="-228600" algn="l" defTabSz="914400" rtl="0" eaLnBrk="1" latinLnBrk="0" hangingPunct="1">
+              <a:spcBef>
+                <a:spcPct val="20000"/>
+              </a:spcBef>
+              <a:buFont typeface="Arial" panose="020B0604020202020204" pitchFamily="34" charset="0"/>
+              <a:buChar char="•"/>
+              <a:defRPr sz="2000" kern="1200">
+                <a:solidFill>
+                  <a:schemeClr val="tx1"/>
+                </a:solidFill>
+                <a:latin typeface="+mn-lt"/>
+                <a:ea typeface="+mn-ea"/>
+                <a:cs typeface="+mn-cs"/>
+              </a:defRPr>
+            </a:lvl8pPr>
+            <a:lvl9pPr marL="3886200" indent="-228600" algn="l" defTabSz="914400" rtl="0" eaLnBrk="1" latinLnBrk="0" hangingPunct="1">
+              <a:spcBef>
+                <a:spcPct val="20000"/>
+              </a:spcBef>
+              <a:buFont typeface="Arial" panose="020B0604020202020204" pitchFamily="34" charset="0"/>
+              <a:buChar char="•"/>
+              <a:defRPr sz="2000" kern="1200">
+                <a:solidFill>
+                  <a:schemeClr val="tx1"/>
+                </a:solidFill>
+                <a:latin typeface="+mn-lt"/>
+                <a:ea typeface="+mn-ea"/>
+                <a:cs typeface="+mn-cs"/>
+              </a:defRPr>
+            </a:lvl9pPr>
+          </a:lstStyle>
+          <a:p>
+            <a:pPr marL="0" indent="0" algn="just">
+              <a:buNone/>
+            </a:pPr>
+            <a:r>
+              <a:rPr lang="ru-RU" sz="2000" dirty="0" smtClean="0">
+                <a:solidFill>
+                  <a:schemeClr val="tx1"/>
+                </a:solidFill>
+              </a:rPr>
+              <a:t>Функциональное и эксплуатационное назначение</a:t>
+            </a:r>
+            <a:endParaRPr lang="ru-RU" sz="2000" dirty="0"/>
+          </a:p>
+        </p:txBody>
+      </p:sp>
+      <p:sp>
+        <p:nvSpPr>
+          <p:cNvPr id="9" name="Объект 2"/>
+          <p:cNvSpPr txBox="1">
+            <a:spLocks/>
+          </p:cNvSpPr>
+          <p:nvPr/>
+        </p:nvSpPr>
+        <p:spPr>
+          <a:xfrm>
+            <a:off x="6096000" y="2044422"/>
+            <a:ext cx="5947611" cy="4351338"/>
+          </a:xfrm>
+          <a:prstGeom prst="rect">
+            <a:avLst/>
+          </a:prstGeom>
+        </p:spPr>
+        <p:txBody>
+          <a:bodyPr vert="horz" lIns="91440" tIns="45720" rIns="91440" bIns="45720" rtlCol="0">
+            <a:normAutofit fontScale="92500"/>
+          </a:bodyPr>
+          <a:lstStyle>
+            <a:lvl1pPr marL="342900" indent="-342900" algn="l" defTabSz="914400" rtl="0" eaLnBrk="1" latinLnBrk="0" hangingPunct="1">
+              <a:spcBef>
+                <a:spcPct val="20000"/>
+              </a:spcBef>
+              <a:buFont typeface="Arial" panose="020B0604020202020204" pitchFamily="34" charset="0"/>
+              <a:buChar char="•"/>
+              <a:defRPr sz="3200" kern="1200">
+                <a:solidFill>
+                  <a:schemeClr val="bg2">
+                    <a:lumMod val="50000"/>
+                  </a:schemeClr>
+                </a:solidFill>
+                <a:latin typeface="+mn-lt"/>
+                <a:ea typeface="+mn-ea"/>
+                <a:cs typeface="+mn-cs"/>
+              </a:defRPr>
+            </a:lvl1pPr>
+            <a:lvl2pPr marL="742950" indent="-285750" algn="l" defTabSz="914400" rtl="0" eaLnBrk="1" latinLnBrk="0" hangingPunct="1">
+              <a:spcBef>
+                <a:spcPct val="20000"/>
+              </a:spcBef>
+              <a:buFont typeface="Arial" panose="020B0604020202020204" pitchFamily="34" charset="0"/>
+              <a:buChar char="–"/>
+              <a:defRPr sz="2800" kern="1200">
+                <a:solidFill>
+                  <a:schemeClr val="bg2">
+                    <a:lumMod val="50000"/>
+                  </a:schemeClr>
+                </a:solidFill>
+                <a:latin typeface="+mn-lt"/>
+                <a:ea typeface="+mn-ea"/>
+                <a:cs typeface="+mn-cs"/>
+              </a:defRPr>
+            </a:lvl2pPr>
+            <a:lvl3pPr marL="1143000" indent="-228600" algn="l" defTabSz="914400" rtl="0" eaLnBrk="1" latinLnBrk="0" hangingPunct="1">
+              <a:spcBef>
+                <a:spcPct val="20000"/>
+              </a:spcBef>
+              <a:buFont typeface="Arial" panose="020B0604020202020204" pitchFamily="34" charset="0"/>
+              <a:buChar char="•"/>
+              <a:defRPr sz="2400" kern="1200">
+                <a:solidFill>
+                  <a:schemeClr val="bg2">
+                    <a:lumMod val="50000"/>
+                  </a:schemeClr>
+                </a:solidFill>
+                <a:latin typeface="+mn-lt"/>
+                <a:ea typeface="+mn-ea"/>
+                <a:cs typeface="+mn-cs"/>
+              </a:defRPr>
+            </a:lvl3pPr>
+            <a:lvl4pPr marL="1600200" indent="-228600" algn="l" defTabSz="914400" rtl="0" eaLnBrk="1" latinLnBrk="0" hangingPunct="1">
+              <a:spcBef>
+                <a:spcPct val="20000"/>
+              </a:spcBef>
+              <a:buFont typeface="Arial" panose="020B0604020202020204" pitchFamily="34" charset="0"/>
+              <a:buChar char="–"/>
+              <a:defRPr sz="2000" kern="1200">
+                <a:solidFill>
+                  <a:schemeClr val="bg2">
+                    <a:lumMod val="50000"/>
+                  </a:schemeClr>
+                </a:solidFill>
+                <a:latin typeface="+mn-lt"/>
+                <a:ea typeface="+mn-ea"/>
+                <a:cs typeface="+mn-cs"/>
+              </a:defRPr>
+            </a:lvl4pPr>
+            <a:lvl5pPr marL="2057400" indent="-228600" algn="l" defTabSz="914400" rtl="0" eaLnBrk="1" latinLnBrk="0" hangingPunct="1">
+              <a:spcBef>
+                <a:spcPct val="20000"/>
+              </a:spcBef>
+              <a:buFont typeface="Arial" panose="020B0604020202020204" pitchFamily="34" charset="0"/>
+              <a:buChar char="»"/>
+              <a:defRPr sz="2000" kern="1200">
+                <a:solidFill>
+                  <a:schemeClr val="bg2">
+                    <a:lumMod val="50000"/>
+                  </a:schemeClr>
+                </a:solidFill>
+                <a:latin typeface="+mn-lt"/>
+                <a:ea typeface="+mn-ea"/>
+                <a:cs typeface="+mn-cs"/>
+              </a:defRPr>
+            </a:lvl5pPr>
+            <a:lvl6pPr marL="2514600" indent="-228600" algn="l" defTabSz="914400" rtl="0" eaLnBrk="1" latinLnBrk="0" hangingPunct="1">
+              <a:spcBef>
+                <a:spcPct val="20000"/>
+              </a:spcBef>
+              <a:buFont typeface="Arial" panose="020B0604020202020204" pitchFamily="34" charset="0"/>
+              <a:buChar char="•"/>
+              <a:defRPr sz="2000" kern="1200">
+                <a:solidFill>
+                  <a:schemeClr val="tx1"/>
+                </a:solidFill>
+                <a:latin typeface="+mn-lt"/>
+                <a:ea typeface="+mn-ea"/>
+                <a:cs typeface="+mn-cs"/>
+              </a:defRPr>
+            </a:lvl6pPr>
+            <a:lvl7pPr marL="2971800" indent="-228600" algn="l" defTabSz="914400" rtl="0" eaLnBrk="1" latinLnBrk="0" hangingPunct="1">
+              <a:spcBef>
+                <a:spcPct val="20000"/>
+              </a:spcBef>
+              <a:buFont typeface="Arial" panose="020B0604020202020204" pitchFamily="34" charset="0"/>
+              <a:buChar char="•"/>
+              <a:defRPr sz="2000" kern="1200">
+                <a:solidFill>
+                  <a:schemeClr val="tx1"/>
+                </a:solidFill>
+                <a:latin typeface="+mn-lt"/>
+                <a:ea typeface="+mn-ea"/>
+                <a:cs typeface="+mn-cs"/>
+              </a:defRPr>
+            </a:lvl7pPr>
+            <a:lvl8pPr marL="3429000" indent="-228600" algn="l" defTabSz="914400" rtl="0" eaLnBrk="1" latinLnBrk="0" hangingPunct="1">
+              <a:spcBef>
+                <a:spcPct val="20000"/>
+              </a:spcBef>
+              <a:buFont typeface="Arial" panose="020B0604020202020204" pitchFamily="34" charset="0"/>
+              <a:buChar char="•"/>
+              <a:defRPr sz="2000" kern="1200">
+                <a:solidFill>
+                  <a:schemeClr val="tx1"/>
+                </a:solidFill>
+                <a:latin typeface="+mn-lt"/>
+                <a:ea typeface="+mn-ea"/>
+                <a:cs typeface="+mn-cs"/>
+              </a:defRPr>
+            </a:lvl8pPr>
+            <a:lvl9pPr marL="3886200" indent="-228600" algn="l" defTabSz="914400" rtl="0" eaLnBrk="1" latinLnBrk="0" hangingPunct="1">
+              <a:spcBef>
+                <a:spcPct val="20000"/>
+              </a:spcBef>
+              <a:buFont typeface="Arial" panose="020B0604020202020204" pitchFamily="34" charset="0"/>
+              <a:buChar char="•"/>
+              <a:defRPr sz="2000" kern="1200">
+                <a:solidFill>
+                  <a:schemeClr val="tx1"/>
+                </a:solidFill>
+                <a:latin typeface="+mn-lt"/>
+                <a:ea typeface="+mn-ea"/>
+                <a:cs typeface="+mn-cs"/>
+              </a:defRPr>
+            </a:lvl9pPr>
+          </a:lstStyle>
+          <a:p>
+            <a:pPr marL="514350" indent="-514350" algn="just">
+              <a:buFont typeface="Arial" panose="020B0604020202020204" pitchFamily="34" charset="0"/>
+              <a:buAutoNum type="arabicPeriod"/>
+            </a:pPr>
+            <a:r>
+              <a:rPr lang="ru-RU" sz="2400" dirty="0" smtClean="0">
+                <a:solidFill>
+                  <a:schemeClr val="tx1"/>
+                </a:solidFill>
+              </a:rPr>
+              <a:t>Игра должна корректно запускаться и работать на тестируемом устройстве, правильно проводить все необходимые расчеты, а также правильно и своевременно отвечать на действия со стороны пользователя (такие как нажатие на </a:t>
+            </a:r>
+            <a:r>
+              <a:rPr lang="en-US" sz="2400" dirty="0" smtClean="0">
+                <a:solidFill>
+                  <a:schemeClr val="tx1"/>
+                </a:solidFill>
+              </a:rPr>
+              <a:t>UI - </a:t>
+            </a:r>
+            <a:r>
+              <a:rPr lang="ru-RU" sz="2400" dirty="0" smtClean="0">
+                <a:solidFill>
+                  <a:schemeClr val="tx1"/>
+                </a:solidFill>
+              </a:rPr>
+              <a:t>элементы).</a:t>
+            </a:r>
+          </a:p>
+          <a:p>
+            <a:pPr marL="514350" indent="-514350" algn="just">
+              <a:buFont typeface="Arial" panose="020B0604020202020204" pitchFamily="34" charset="0"/>
+              <a:buAutoNum type="arabicPeriod"/>
+            </a:pPr>
+            <a:r>
+              <a:rPr lang="ru-RU" sz="2400" dirty="0" smtClean="0">
+                <a:solidFill>
+                  <a:schemeClr val="tx1"/>
+                </a:solidFill>
+              </a:rPr>
+              <a:t>Программа должна корректно использовать данные, получаемые с внешних устройств (камера и гироскоп).</a:t>
+            </a:r>
+          </a:p>
+          <a:p>
+            <a:pPr marL="514350" indent="-514350" algn="just">
+              <a:buFont typeface="Arial" panose="020B0604020202020204" pitchFamily="34" charset="0"/>
+              <a:buAutoNum type="arabicPeriod"/>
+            </a:pPr>
+            <a:r>
+              <a:rPr lang="ru-RU" sz="2400" dirty="0" smtClean="0">
+                <a:solidFill>
+                  <a:schemeClr val="tx1"/>
+                </a:solidFill>
+              </a:rPr>
+              <a:t>Программа должна быть разработана на движке </a:t>
+            </a:r>
+            <a:r>
+              <a:rPr lang="en-US" sz="2400" dirty="0" smtClean="0">
+                <a:solidFill>
+                  <a:schemeClr val="tx1"/>
+                </a:solidFill>
+              </a:rPr>
+              <a:t>Unity </a:t>
+            </a:r>
+            <a:r>
+              <a:rPr lang="ru-RU" sz="2400" dirty="0" smtClean="0">
+                <a:solidFill>
+                  <a:schemeClr val="tx1"/>
+                </a:solidFill>
+              </a:rPr>
+              <a:t>с использованием языка </a:t>
+            </a:r>
+            <a:r>
+              <a:rPr lang="en-US" sz="2400" dirty="0" smtClean="0">
+                <a:solidFill>
+                  <a:schemeClr val="tx1"/>
+                </a:solidFill>
+              </a:rPr>
+              <a:t>C#</a:t>
+            </a:r>
+            <a:r>
+              <a:rPr lang="ru-RU" sz="2400" dirty="0" smtClean="0">
+                <a:solidFill>
+                  <a:schemeClr val="tx1"/>
+                </a:solidFill>
+              </a:rPr>
+              <a:t>.</a:t>
+            </a:r>
+          </a:p>
+          <a:p>
+            <a:pPr marL="514350" indent="-514350">
+              <a:buFont typeface="Arial" panose="020B0604020202020204" pitchFamily="34" charset="0"/>
+              <a:buAutoNum type="arabicPeriod"/>
+            </a:pPr>
+            <a:endParaRPr lang="ru-RU" dirty="0"/>
+          </a:p>
+        </p:txBody>
+      </p:sp>
     </p:spTree>
     <p:extLst>
       <p:ext uri="{BB962C8B-B14F-4D97-AF65-F5344CB8AC3E}">
@@ -9622,31 +10123,7 @@
                   <a:schemeClr val="tx1"/>
                 </a:solidFill>
               </a:rPr>
-              <a:t>. Это объектно-ориентированный язык программирования, который является </a:t>
-            </a:r>
-            <a:r>
-              <a:rPr lang="ru-RU" dirty="0" smtClean="0">
-                <a:solidFill>
-                  <a:schemeClr val="tx1"/>
-                </a:solidFill>
-              </a:rPr>
-              <a:t>языком для написания скриптов</a:t>
-            </a:r>
-            <a:r>
-              <a:rPr lang="ru-RU" dirty="0" smtClean="0">
-                <a:solidFill>
-                  <a:schemeClr val="tx1"/>
-                </a:solidFill>
-              </a:rPr>
-              <a:t> </a:t>
-            </a:r>
-            <a:r>
-              <a:rPr lang="ru-RU" dirty="0" smtClean="0">
-                <a:solidFill>
-                  <a:schemeClr val="tx1"/>
-                </a:solidFill>
-              </a:rPr>
-              <a:t>в </a:t>
+              <a:t>. Это объектно-ориентированный язык программирования, который является языком для написания скриптов в </a:t>
             </a:r>
             <a:r>
               <a:rPr lang="en-US" dirty="0" smtClean="0">
@@ -10025,8 +10502,8 @@
         </p:blipFill>
         <p:spPr>
           <a:xfrm>
-            <a:off x="6918959" y="259080"/>
-            <a:ext cx="3992881" cy="6210927"/>
+            <a:off x="6779491" y="41916"/>
+            <a:ext cx="4211782" cy="6746811"/>
           </a:xfrm>
           <a:prstGeom prst="rect">
             <a:avLst/>

--- a/Якименко Курсовая.pptx
+++ b/Якименко Курсовая.pptx
@@ -6121,11 +6121,13 @@
         <p:spPr>
           <a:xfrm>
             <a:off x="335360" y="191549"/>
-            <a:ext cx="5760640" cy="1224136"/>
+            <a:ext cx="6010022" cy="1224136"/>
           </a:xfrm>
         </p:spPr>
         <p:txBody>
-          <a:bodyPr/>
+          <a:bodyPr>
+            <a:normAutofit fontScale="90000"/>
+          </a:bodyPr>
           <a:lstStyle/>
           <a:p>
             <a:r>
@@ -6135,7 +6137,7 @@
                 </a:solidFill>
                 <a:effectLst/>
               </a:rPr>
-              <a:t>Пояснения к работе</a:t>
+              <a:t>Управление приложением</a:t>
             </a:r>
             <a:endParaRPr lang="ru-RU" dirty="0">
               <a:solidFill>
